--- a/data/tg-id-0425.pptx
+++ b/data/tg-id-0425.pptx
@@ -72,7 +72,7 @@
         <p:spPr>
           <a:xfrm>
             <a:off x="504000" y="226080"/>
-            <a:ext cx="9071280" cy="946080"/>
+            <a:ext cx="9071640" cy="946440"/>
           </a:xfrm>
           <a:prstGeom prst="rect">
             <a:avLst/>
@@ -113,7 +113,7 @@
         <p:spPr>
           <a:xfrm>
             <a:off x="504000" y="1326600"/>
-            <a:ext cx="9072000" cy="3288600"/>
+            <a:ext cx="9071640" cy="3288240"/>
           </a:xfrm>
           <a:prstGeom prst="rect">
             <a:avLst/>
@@ -148,7 +148,7 @@
             <a:spLocks noGrp="1"/>
           </p:cNvSpPr>
           <p:nvPr>
-            <p:ph type="ftr" idx="1"/>
+            <p:ph type="ftr" idx="2"/>
           </p:nvPr>
         </p:nvSpPr>
         <p:spPr/>
@@ -168,14 +168,14 @@
             <a:spLocks noGrp="1"/>
           </p:cNvSpPr>
           <p:nvPr>
-            <p:ph type="sldNum" idx="2"/>
+            <p:ph type="sldNum" idx="3"/>
           </p:nvPr>
         </p:nvSpPr>
         <p:spPr/>
         <p:txBody>
           <a:bodyPr/>
           <a:p>
-            <a:fld id="{A8FBE6F4-F974-4984-8DE3-AAE82A9348B3}" type="slidenum">
+            <a:fld id="{13E95A86-DFF8-4090-AA11-40CE2071EF98}" type="slidenum">
               <a:t>&lt;#&gt;</a:t>
             </a:fld>
           </a:p>
@@ -188,7 +188,7 @@
             <a:spLocks noGrp="1"/>
           </p:cNvSpPr>
           <p:nvPr>
-            <p:ph type="dt" idx="3"/>
+            <p:ph type="dt" idx="1"/>
           </p:nvPr>
         </p:nvSpPr>
         <p:spPr/>
@@ -237,7 +237,7 @@
         <p:spPr>
           <a:xfrm>
             <a:off x="504000" y="226080"/>
-            <a:ext cx="9071280" cy="946080"/>
+            <a:ext cx="9071640" cy="946440"/>
           </a:xfrm>
           <a:prstGeom prst="rect">
             <a:avLst/>
@@ -252,11 +252,11 @@
             <a:noAutofit/>
           </a:bodyPr>
           <a:p>
-            <a:pPr indent="0">
+            <a:pPr indent="0" algn="ctr">
               <a:buNone/>
             </a:pPr>
             <a:r>
-              <a:rPr b="0" lang="en-CA" sz="1800" strike="noStrike" u="none">
+              <a:rPr b="0" lang="en-CA" sz="4400" strike="noStrike" u="none">
                 <a:solidFill>
                   <a:srgbClr val="000000"/>
                 </a:solidFill>
@@ -265,7 +265,7 @@
               </a:rPr>
               <a:t>Click to edit the title text format</a:t>
             </a:r>
-            <a:endParaRPr b="0" lang="en-CA" sz="1800" strike="noStrike" u="none">
+            <a:endParaRPr b="0" lang="en-CA" sz="4400" strike="noStrike" u="none">
               <a:solidFill>
                 <a:srgbClr val="000000"/>
               </a:solidFill>
@@ -278,219 +278,6 @@
       <p:sp>
         <p:nvSpPr>
           <p:cNvPr id="1" name="PlaceHolder 2"/>
-          <p:cNvSpPr>
-            <a:spLocks noGrp="1"/>
-          </p:cNvSpPr>
-          <p:nvPr>
-            <p:ph type="ftr" idx="1"/>
-          </p:nvPr>
-        </p:nvSpPr>
-        <p:spPr>
-          <a:xfrm>
-            <a:off x="3447360" y="5165280"/>
-            <a:ext cx="3194640" cy="390240"/>
-          </a:xfrm>
-          <a:prstGeom prst="rect">
-            <a:avLst/>
-          </a:prstGeom>
-          <a:noFill/>
-          <a:ln w="0">
-            <a:noFill/>
-          </a:ln>
-        </p:spPr>
-        <p:txBody>
-          <a:bodyPr lIns="0" rIns="0" tIns="0" bIns="0" anchor="t">
-            <a:noAutofit/>
-          </a:bodyPr>
-          <a:lstStyle>
-            <a:lvl1pPr indent="0" algn="ctr">
-              <a:lnSpc>
-                <a:spcPct val="100000"/>
-              </a:lnSpc>
-              <a:buNone/>
-              <a:tabLst>
-                <a:tab algn="l" pos="0"/>
-              </a:tabLst>
-              <a:defRPr b="0" lang="en-CA" sz="1400" strike="noStrike" u="none">
-                <a:solidFill>
-                  <a:srgbClr val="000000"/>
-                </a:solidFill>
-                <a:uFillTx/>
-                <a:latin typeface="Times New Roman"/>
-              </a:defRPr>
-            </a:lvl1pPr>
-          </a:lstStyle>
-          <a:p>
-            <a:pPr indent="0" algn="ctr">
-              <a:lnSpc>
-                <a:spcPct val="100000"/>
-              </a:lnSpc>
-              <a:buNone/>
-              <a:tabLst>
-                <a:tab algn="l" pos="0"/>
-              </a:tabLst>
-            </a:pPr>
-            <a:r>
-              <a:rPr b="0" lang="en-CA" sz="1400" strike="noStrike" u="none">
-                <a:solidFill>
-                  <a:srgbClr val="000000"/>
-                </a:solidFill>
-                <a:uFillTx/>
-                <a:latin typeface="Times New Roman"/>
-              </a:rPr>
-              <a:t>&lt;footer&gt;</a:t>
-            </a:r>
-            <a:endParaRPr b="0" lang="en-CA" sz="1400" strike="noStrike" u="none">
-              <a:solidFill>
-                <a:srgbClr val="000000"/>
-              </a:solidFill>
-              <a:uFillTx/>
-              <a:latin typeface="Times New Roman"/>
-            </a:endParaRPr>
-          </a:p>
-        </p:txBody>
-      </p:sp>
-      <p:sp>
-        <p:nvSpPr>
-          <p:cNvPr id="2" name="PlaceHolder 3"/>
-          <p:cNvSpPr>
-            <a:spLocks noGrp="1"/>
-          </p:cNvSpPr>
-          <p:nvPr>
-            <p:ph type="sldNum" idx="2"/>
-          </p:nvPr>
-        </p:nvSpPr>
-        <p:spPr>
-          <a:xfrm>
-            <a:off x="7227360" y="5165280"/>
-            <a:ext cx="2347920" cy="390240"/>
-          </a:xfrm>
-          <a:prstGeom prst="rect">
-            <a:avLst/>
-          </a:prstGeom>
-          <a:noFill/>
-          <a:ln w="0">
-            <a:noFill/>
-          </a:ln>
-        </p:spPr>
-        <p:txBody>
-          <a:bodyPr lIns="0" rIns="0" tIns="0" bIns="0" anchor="t">
-            <a:noAutofit/>
-          </a:bodyPr>
-          <a:lstStyle>
-            <a:lvl1pPr indent="0" algn="r">
-              <a:lnSpc>
-                <a:spcPct val="100000"/>
-              </a:lnSpc>
-              <a:buNone/>
-              <a:tabLst>
-                <a:tab algn="l" pos="0"/>
-              </a:tabLst>
-              <a:defRPr b="0" lang="en-CA" sz="1400" strike="noStrike" u="none">
-                <a:solidFill>
-                  <a:srgbClr val="000000"/>
-                </a:solidFill>
-                <a:uFillTx/>
-                <a:latin typeface="Times New Roman"/>
-              </a:defRPr>
-            </a:lvl1pPr>
-          </a:lstStyle>
-          <a:p>
-            <a:pPr indent="0" algn="r">
-              <a:lnSpc>
-                <a:spcPct val="100000"/>
-              </a:lnSpc>
-              <a:buNone/>
-              <a:tabLst>
-                <a:tab algn="l" pos="0"/>
-              </a:tabLst>
-            </a:pPr>
-            <a:fld id="{9DAE134D-9F5A-4DB4-B0F3-26702F9B4B0B}" type="slidenum">
-              <a:rPr b="0" lang="en-CA" sz="1400" strike="noStrike" u="none">
-                <a:solidFill>
-                  <a:srgbClr val="000000"/>
-                </a:solidFill>
-                <a:uFillTx/>
-                <a:latin typeface="Times New Roman"/>
-              </a:rPr>
-              <a:t>&lt;number&gt;</a:t>
-            </a:fld>
-            <a:endParaRPr b="0" lang="en-CA" sz="1400" strike="noStrike" u="none">
-              <a:solidFill>
-                <a:srgbClr val="000000"/>
-              </a:solidFill>
-              <a:uFillTx/>
-              <a:latin typeface="Times New Roman"/>
-            </a:endParaRPr>
-          </a:p>
-        </p:txBody>
-      </p:sp>
-      <p:sp>
-        <p:nvSpPr>
-          <p:cNvPr id="3" name="PlaceHolder 4"/>
-          <p:cNvSpPr>
-            <a:spLocks noGrp="1"/>
-          </p:cNvSpPr>
-          <p:nvPr>
-            <p:ph type="dt" idx="3"/>
-          </p:nvPr>
-        </p:nvSpPr>
-        <p:spPr>
-          <a:xfrm>
-            <a:off x="504000" y="5165280"/>
-            <a:ext cx="2347920" cy="390240"/>
-          </a:xfrm>
-          <a:prstGeom prst="rect">
-            <a:avLst/>
-          </a:prstGeom>
-          <a:noFill/>
-          <a:ln w="0">
-            <a:noFill/>
-          </a:ln>
-        </p:spPr>
-        <p:txBody>
-          <a:bodyPr lIns="0" rIns="0" tIns="0" bIns="0" anchor="t">
-            <a:noAutofit/>
-          </a:bodyPr>
-          <a:lstStyle>
-            <a:lvl1pPr indent="0">
-              <a:buNone/>
-              <a:defRPr b="0" lang="en-CA" sz="1400" strike="noStrike" u="none">
-                <a:solidFill>
-                  <a:srgbClr val="000000"/>
-                </a:solidFill>
-                <a:uFillTx/>
-                <a:latin typeface="Times New Roman"/>
-              </a:defRPr>
-            </a:lvl1pPr>
-          </a:lstStyle>
-          <a:p>
-            <a:pPr indent="0">
-              <a:buNone/>
-            </a:pPr>
-            <a:r>
-              <a:rPr b="0" lang="en-CA" sz="1400" strike="noStrike" u="none">
-                <a:solidFill>
-                  <a:srgbClr val="000000"/>
-                </a:solidFill>
-                <a:uFillTx/>
-                <a:latin typeface="Times New Roman"/>
-              </a:rPr>
-              <a:t>&lt;date/time&gt;</a:t>
-            </a:r>
-            <a:endParaRPr b="0" lang="en-CA" sz="1400" strike="noStrike" u="none">
-              <a:solidFill>
-                <a:srgbClr val="000000"/>
-              </a:solidFill>
-              <a:uFillTx/>
-              <a:latin typeface="Times New Roman"/>
-            </a:endParaRPr>
-          </a:p>
-        </p:txBody>
-      </p:sp>
-      <p:sp>
-        <p:nvSpPr>
-          <p:cNvPr id="4" name="PlaceHolder 5"/>
           <p:cNvSpPr>
             <a:spLocks noGrp="1"/>
           </p:cNvSpPr>
@@ -501,7 +288,7 @@
         <p:spPr>
           <a:xfrm>
             <a:off x="504000" y="1326600"/>
-            <a:ext cx="9072000" cy="3288600"/>
+            <a:ext cx="9071640" cy="3288240"/>
           </a:xfrm>
           <a:prstGeom prst="rect">
             <a:avLst/>
@@ -723,6 +510,195 @@
               </a:solidFill>
               <a:uFillTx/>
               <a:latin typeface="Arial"/>
+            </a:endParaRPr>
+          </a:p>
+        </p:txBody>
+      </p:sp>
+      <p:sp>
+        <p:nvSpPr>
+          <p:cNvPr id="2" name="PlaceHolder 3"/>
+          <p:cNvSpPr>
+            <a:spLocks noGrp="1"/>
+          </p:cNvSpPr>
+          <p:nvPr>
+            <p:ph type="dt" idx="1"/>
+          </p:nvPr>
+        </p:nvSpPr>
+        <p:spPr>
+          <a:xfrm>
+            <a:off x="504000" y="5165280"/>
+            <a:ext cx="2348280" cy="390600"/>
+          </a:xfrm>
+          <a:prstGeom prst="rect">
+            <a:avLst/>
+          </a:prstGeom>
+          <a:noFill/>
+          <a:ln w="0">
+            <a:noFill/>
+          </a:ln>
+        </p:spPr>
+        <p:txBody>
+          <a:bodyPr lIns="0" rIns="0" tIns="0" bIns="0" anchor="t">
+            <a:noAutofit/>
+          </a:bodyPr>
+          <a:lstStyle>
+            <a:lvl1pPr indent="0">
+              <a:buNone/>
+              <a:defRPr b="0" lang="en-CA" sz="1400" strike="noStrike" u="none">
+                <a:solidFill>
+                  <a:srgbClr val="000000"/>
+                </a:solidFill>
+                <a:uFillTx/>
+                <a:latin typeface="Times New Roman"/>
+              </a:defRPr>
+            </a:lvl1pPr>
+          </a:lstStyle>
+          <a:p>
+            <a:pPr indent="0">
+              <a:buNone/>
+            </a:pPr>
+            <a:r>
+              <a:rPr b="0" lang="en-CA" sz="1400" strike="noStrike" u="none">
+                <a:solidFill>
+                  <a:srgbClr val="000000"/>
+                </a:solidFill>
+                <a:uFillTx/>
+                <a:latin typeface="Times New Roman"/>
+              </a:rPr>
+              <a:t>&lt;date/time&gt;</a:t>
+            </a:r>
+            <a:endParaRPr b="0" lang="en-CA" sz="1400" strike="noStrike" u="none">
+              <a:solidFill>
+                <a:srgbClr val="000000"/>
+              </a:solidFill>
+              <a:uFillTx/>
+              <a:latin typeface="Times New Roman"/>
+            </a:endParaRPr>
+          </a:p>
+        </p:txBody>
+      </p:sp>
+      <p:sp>
+        <p:nvSpPr>
+          <p:cNvPr id="3" name="PlaceHolder 4"/>
+          <p:cNvSpPr>
+            <a:spLocks noGrp="1"/>
+          </p:cNvSpPr>
+          <p:nvPr>
+            <p:ph type="ftr" idx="2"/>
+          </p:nvPr>
+        </p:nvSpPr>
+        <p:spPr>
+          <a:xfrm>
+            <a:off x="3447360" y="5165280"/>
+            <a:ext cx="3195000" cy="390600"/>
+          </a:xfrm>
+          <a:prstGeom prst="rect">
+            <a:avLst/>
+          </a:prstGeom>
+          <a:noFill/>
+          <a:ln w="0">
+            <a:noFill/>
+          </a:ln>
+        </p:spPr>
+        <p:txBody>
+          <a:bodyPr lIns="0" rIns="0" tIns="0" bIns="0" anchor="t">
+            <a:noAutofit/>
+          </a:bodyPr>
+          <a:lstStyle>
+            <a:lvl1pPr indent="0" algn="ctr">
+              <a:buNone/>
+              <a:defRPr b="0" lang="en-CA" sz="1400" strike="noStrike" u="none">
+                <a:solidFill>
+                  <a:srgbClr val="000000"/>
+                </a:solidFill>
+                <a:uFillTx/>
+                <a:latin typeface="Times New Roman"/>
+              </a:defRPr>
+            </a:lvl1pPr>
+          </a:lstStyle>
+          <a:p>
+            <a:pPr indent="0" algn="ctr">
+              <a:buNone/>
+            </a:pPr>
+            <a:r>
+              <a:rPr b="0" lang="en-CA" sz="1400" strike="noStrike" u="none">
+                <a:solidFill>
+                  <a:srgbClr val="000000"/>
+                </a:solidFill>
+                <a:uFillTx/>
+                <a:latin typeface="Times New Roman"/>
+              </a:rPr>
+              <a:t>&lt;footer&gt;</a:t>
+            </a:r>
+            <a:endParaRPr b="0" lang="en-CA" sz="1400" strike="noStrike" u="none">
+              <a:solidFill>
+                <a:srgbClr val="000000"/>
+              </a:solidFill>
+              <a:uFillTx/>
+              <a:latin typeface="Times New Roman"/>
+            </a:endParaRPr>
+          </a:p>
+        </p:txBody>
+      </p:sp>
+      <p:sp>
+        <p:nvSpPr>
+          <p:cNvPr id="4" name="PlaceHolder 5"/>
+          <p:cNvSpPr>
+            <a:spLocks noGrp="1"/>
+          </p:cNvSpPr>
+          <p:nvPr>
+            <p:ph type="sldNum" idx="3"/>
+          </p:nvPr>
+        </p:nvSpPr>
+        <p:spPr>
+          <a:xfrm>
+            <a:off x="7227360" y="5165280"/>
+            <a:ext cx="2348280" cy="390600"/>
+          </a:xfrm>
+          <a:prstGeom prst="rect">
+            <a:avLst/>
+          </a:prstGeom>
+          <a:noFill/>
+          <a:ln w="0">
+            <a:noFill/>
+          </a:ln>
+        </p:spPr>
+        <p:txBody>
+          <a:bodyPr lIns="0" rIns="0" tIns="0" bIns="0" anchor="t">
+            <a:noAutofit/>
+          </a:bodyPr>
+          <a:lstStyle>
+            <a:lvl1pPr indent="0" algn="r">
+              <a:buNone/>
+              <a:defRPr b="0" lang="en-CA" sz="1400" strike="noStrike" u="none">
+                <a:solidFill>
+                  <a:srgbClr val="000000"/>
+                </a:solidFill>
+                <a:uFillTx/>
+                <a:latin typeface="Times New Roman"/>
+              </a:defRPr>
+            </a:lvl1pPr>
+          </a:lstStyle>
+          <a:p>
+            <a:pPr indent="0" algn="r">
+              <a:buNone/>
+            </a:pPr>
+            <a:fld id="{A6EFA6CB-E281-45DF-942B-2F38FE2AA4B2}" type="slidenum">
+              <a:rPr b="0" lang="en-CA" sz="1400" strike="noStrike" u="none">
+                <a:solidFill>
+                  <a:srgbClr val="000000"/>
+                </a:solidFill>
+                <a:uFillTx/>
+                <a:latin typeface="Times New Roman"/>
+              </a:rPr>
+              <a:t>&lt;number&gt;</a:t>
+            </a:fld>
+            <a:endParaRPr b="0" lang="en-CA" sz="1400" strike="noStrike" u="none">
+              <a:solidFill>
+                <a:srgbClr val="000000"/>
+              </a:solidFill>
+              <a:uFillTx/>
+              <a:latin typeface="Times New Roman"/>
             </a:endParaRPr>
           </a:p>
         </p:txBody>
@@ -770,7 +746,7 @@
         <p:spPr>
           <a:xfrm>
             <a:off x="288000" y="720000"/>
-            <a:ext cx="9539640" cy="4319640"/>
+            <a:ext cx="9540000" cy="4320000"/>
           </a:xfrm>
           <a:prstGeom prst="rect">
             <a:avLst/>
@@ -798,18 +774,12 @@
             <a:noAutofit/>
           </a:bodyPr>
           <a:p>
-            <a:pPr>
-              <a:lnSpc>
-                <a:spcPct val="100000"/>
-              </a:lnSpc>
-            </a:pPr>
             <a:endParaRPr b="0" lang="en-CA" sz="1800" strike="noStrike" u="none">
               <a:solidFill>
                 <a:srgbClr val="000000"/>
               </a:solidFill>
               <a:uFillTx/>
               <a:latin typeface="Arial"/>
-              <a:ea typeface="DejaVu Sans"/>
             </a:endParaRPr>
           </a:p>
         </p:txBody>
@@ -826,8 +796,8 @@
         </p:nvSpPr>
         <p:spPr>
           <a:xfrm>
-            <a:off x="468360" y="853560"/>
-            <a:ext cx="9071280" cy="946080"/>
+            <a:off x="468360" y="889560"/>
+            <a:ext cx="9071640" cy="946440"/>
           </a:xfrm>
           <a:prstGeom prst="rect">
             <a:avLst/>
@@ -843,13 +813,7 @@
           </a:bodyPr>
           <a:p>
             <a:pPr indent="0" algn="ctr">
-              <a:lnSpc>
-                <a:spcPct val="100000"/>
-              </a:lnSpc>
               <a:buNone/>
-              <a:tabLst>
-                <a:tab algn="l" pos="0"/>
-              </a:tabLst>
             </a:pPr>
             <a:r>
               <a:rPr b="0" lang="en-CA" sz="5400" strike="noStrike" u="none">
@@ -883,8 +847,8 @@
         </p:nvSpPr>
         <p:spPr>
           <a:xfrm>
-            <a:off x="360000" y="1656000"/>
-            <a:ext cx="9539640" cy="1079640"/>
+            <a:off x="360000" y="1764000"/>
+            <a:ext cx="9540000" cy="1080000"/>
           </a:xfrm>
           <a:prstGeom prst="rect">
             <a:avLst/>
@@ -900,13 +864,7 @@
           </a:bodyPr>
           <a:p>
             <a:pPr indent="0" algn="ctr">
-              <a:lnSpc>
-                <a:spcPct val="100000"/>
-              </a:lnSpc>
               <a:buNone/>
-              <a:tabLst>
-                <a:tab algn="l" pos="0"/>
-              </a:tabLst>
             </a:pPr>
             <a:r>
               <a:rPr b="0" lang="en-CA" sz="2400" strike="noStrike" u="none">
@@ -948,13 +906,7 @@
           </a:p>
           <a:p>
             <a:pPr indent="0" algn="ctr">
-              <a:lnSpc>
-                <a:spcPct val="100000"/>
-              </a:lnSpc>
               <a:buNone/>
-              <a:tabLst>
-                <a:tab algn="l" pos="0"/>
-              </a:tabLst>
             </a:pPr>
             <a:r>
               <a:rPr b="0" lang="en-CA" sz="2400" strike="noStrike" u="none">
@@ -1003,7 +955,7 @@
         <p:spPr>
           <a:xfrm>
             <a:off x="1044000" y="2916000"/>
-            <a:ext cx="1511640" cy="1511640"/>
+            <a:ext cx="1512000" cy="1512000"/>
           </a:xfrm>
           <a:prstGeom prst="rect">
             <a:avLst/>
@@ -1029,7 +981,7 @@
         <p:spPr>
           <a:xfrm>
             <a:off x="6732000" y="2912760"/>
-            <a:ext cx="2699640" cy="1334880"/>
+            <a:ext cx="2700000" cy="1335240"/>
           </a:xfrm>
           <a:prstGeom prst="rect">
             <a:avLst/>
@@ -1043,13 +995,13 @@
       <p:sp>
         <p:nvSpPr>
           <p:cNvPr id="12" name=""/>
-          <p:cNvSpPr/>
+          <p:cNvSpPr txBox="1"/>
           <p:nvPr/>
         </p:nvSpPr>
         <p:spPr>
           <a:xfrm>
             <a:off x="3096000" y="2922480"/>
-            <a:ext cx="3239640" cy="1671120"/>
+            <a:ext cx="3240000" cy="1671480"/>
           </a:xfrm>
           <a:prstGeom prst="rect">
             <a:avLst/>
@@ -1059,22 +1011,11 @@
             <a:noFill/>
           </a:ln>
         </p:spPr>
-        <p:style>
-          <a:lnRef idx="0"/>
-          <a:fillRef idx="0"/>
-          <a:effectRef idx="0"/>
-          <a:fontRef idx="minor"/>
-        </p:style>
         <p:txBody>
           <a:bodyPr lIns="0" rIns="0" tIns="0" bIns="0" anchor="ctr">
             <a:noAutofit/>
           </a:bodyPr>
           <a:p>
-            <a:pPr>
-              <a:lnSpc>
-                <a:spcPct val="100000"/>
-              </a:lnSpc>
-            </a:pPr>
             <a:r>
               <a:rPr b="0" lang="en-CA" sz="1800" strike="noStrike" u="none">
                 <a:solidFill>
@@ -1095,11 +1036,6 @@
             </a:endParaRPr>
           </a:p>
           <a:p>
-            <a:pPr>
-              <a:lnSpc>
-                <a:spcPct val="100000"/>
-              </a:lnSpc>
-            </a:pPr>
             <a:r>
               <a:rPr b="0" lang="en-CA" sz="1800" strike="noStrike" u="none">
                 <a:solidFill>
@@ -1120,11 +1056,6 @@
             </a:endParaRPr>
           </a:p>
           <a:p>
-            <a:pPr>
-              <a:lnSpc>
-                <a:spcPct val="100000"/>
-              </a:lnSpc>
-            </a:pPr>
             <a:r>
               <a:rPr b="0" lang="en-CA" sz="1800" strike="noStrike" u="none">
                 <a:solidFill>
@@ -1145,11 +1076,6 @@
             </a:endParaRPr>
           </a:p>
           <a:p>
-            <a:pPr>
-              <a:lnSpc>
-                <a:spcPct val="100000"/>
-              </a:lnSpc>
-            </a:pPr>
             <a:r>
               <a:rPr b="0" lang="en-CA" sz="1800" strike="noStrike" u="none">
                 <a:solidFill>
@@ -1170,11 +1096,6 @@
             </a:endParaRPr>
           </a:p>
           <a:p>
-            <a:pPr>
-              <a:lnSpc>
-                <a:spcPct val="100000"/>
-              </a:lnSpc>
-            </a:pPr>
             <a:r>
               <a:rPr b="0" lang="en-CA" sz="1800" strike="noStrike" u="none">
                 <a:solidFill>
@@ -1195,11 +1116,6 @@
             </a:endParaRPr>
           </a:p>
           <a:p>
-            <a:pPr>
-              <a:lnSpc>
-                <a:spcPct val="100000"/>
-              </a:lnSpc>
-            </a:pPr>
             <a:endParaRPr b="0" lang="en-CA" sz="800" strike="noStrike" u="none">
               <a:solidFill>
                 <a:srgbClr val="000000"/>
@@ -1209,11 +1125,6 @@
             </a:endParaRPr>
           </a:p>
           <a:p>
-            <a:pPr>
-              <a:lnSpc>
-                <a:spcPct val="100000"/>
-              </a:lnSpc>
-            </a:pPr>
             <a:r>
               <a:rPr b="0" lang="en-CA" sz="1800" strike="noStrike" u="none">
                 <a:solidFill>
@@ -1282,7 +1193,7 @@
         <p:spPr>
           <a:xfrm>
             <a:off x="432000" y="684000"/>
-            <a:ext cx="9215640" cy="4499640"/>
+            <a:ext cx="9216000" cy="4500000"/>
           </a:xfrm>
           <a:prstGeom prst="rect">
             <a:avLst/>
@@ -1310,18 +1221,12 @@
             <a:noAutofit/>
           </a:bodyPr>
           <a:p>
-            <a:pPr>
-              <a:lnSpc>
-                <a:spcPct val="100000"/>
-              </a:lnSpc>
-            </a:pPr>
             <a:endParaRPr b="0" lang="en-CA" sz="1800" strike="noStrike" u="none">
               <a:solidFill>
                 <a:srgbClr val="000000"/>
               </a:solidFill>
               <a:uFillTx/>
               <a:latin typeface="Arial"/>
-              <a:ea typeface="DejaVu Sans"/>
             </a:endParaRPr>
           </a:p>
         </p:txBody>
@@ -1338,8 +1243,8 @@
         </p:nvSpPr>
         <p:spPr>
           <a:xfrm>
-            <a:off x="684000" y="864000"/>
-            <a:ext cx="6767640" cy="637560"/>
+            <a:off x="684000" y="900000"/>
+            <a:ext cx="6768000" cy="637920"/>
           </a:xfrm>
           <a:prstGeom prst="rect">
             <a:avLst/>
@@ -1355,13 +1260,7 @@
           </a:bodyPr>
           <a:p>
             <a:pPr indent="0">
-              <a:lnSpc>
-                <a:spcPct val="100000"/>
-              </a:lnSpc>
               <a:buNone/>
-              <a:tabLst>
-                <a:tab algn="l" pos="0"/>
-              </a:tabLst>
             </a:pPr>
             <a:r>
               <a:rPr b="0" lang="en-CA" sz="4200" strike="noStrike" u="none">
@@ -1386,13 +1285,13 @@
       <p:sp>
         <p:nvSpPr>
           <p:cNvPr id="59" name=""/>
-          <p:cNvSpPr/>
+          <p:cNvSpPr txBox="1"/>
           <p:nvPr/>
         </p:nvSpPr>
         <p:spPr>
           <a:xfrm>
-            <a:off x="720000" y="2137320"/>
-            <a:ext cx="8639640" cy="2563200"/>
+            <a:off x="720000" y="2317320"/>
+            <a:ext cx="8640000" cy="2563560"/>
           </a:xfrm>
           <a:prstGeom prst="rect">
             <a:avLst/>
@@ -1402,22 +1301,11 @@
             <a:noFill/>
           </a:ln>
         </p:spPr>
-        <p:style>
-          <a:lnRef idx="0"/>
-          <a:fillRef idx="0"/>
-          <a:effectRef idx="0"/>
-          <a:fontRef idx="minor"/>
-        </p:style>
         <p:txBody>
           <a:bodyPr lIns="0" rIns="0" tIns="0" bIns="0" anchor="t">
             <a:noAutofit/>
           </a:bodyPr>
           <a:p>
-            <a:pPr>
-              <a:lnSpc>
-                <a:spcPct val="100000"/>
-              </a:lnSpc>
-            </a:pPr>
             <a:r>
               <a:rPr b="0" lang="en-CA" sz="2000" strike="noStrike" u="none">
                 <a:solidFill>
@@ -1471,11 +1359,6 @@
             </a:endParaRPr>
           </a:p>
           <a:p>
-            <a:pPr>
-              <a:lnSpc>
-                <a:spcPct val="100000"/>
-              </a:lnSpc>
-            </a:pPr>
             <a:endParaRPr b="0" lang="en-CA" sz="1800" strike="noStrike" u="none">
               <a:solidFill>
                 <a:srgbClr val="000000"/>
@@ -1485,11 +1368,6 @@
             </a:endParaRPr>
           </a:p>
           <a:p>
-            <a:pPr>
-              <a:lnSpc>
-                <a:spcPct val="100000"/>
-              </a:lnSpc>
-            </a:pPr>
             <a:r>
               <a:rPr b="0" lang="en-CA" sz="2000" strike="noStrike" u="none">
                 <a:solidFill>
@@ -1534,8 +1412,8 @@
         </p:nvSpPr>
         <p:spPr>
           <a:xfrm>
-            <a:off x="684000" y="1500120"/>
-            <a:ext cx="5975640" cy="551520"/>
+            <a:off x="684000" y="1572120"/>
+            <a:ext cx="5976000" cy="551880"/>
           </a:xfrm>
           <a:prstGeom prst="rect">
             <a:avLst/>
@@ -1551,13 +1429,7 @@
           </a:bodyPr>
           <a:p>
             <a:pPr indent="0">
-              <a:lnSpc>
-                <a:spcPct val="100000"/>
-              </a:lnSpc>
               <a:buNone/>
-              <a:tabLst>
-                <a:tab algn="l" pos="0"/>
-              </a:tabLst>
             </a:pPr>
             <a:r>
               <a:rPr b="0" lang="en-CA" sz="3200" strike="noStrike" u="none">
@@ -1626,7 +1498,7 @@
         <p:spPr>
           <a:xfrm>
             <a:off x="432000" y="684000"/>
-            <a:ext cx="9215640" cy="4499640"/>
+            <a:ext cx="9216000" cy="4500000"/>
           </a:xfrm>
           <a:prstGeom prst="rect">
             <a:avLst/>
@@ -1654,18 +1526,12 @@
             <a:noAutofit/>
           </a:bodyPr>
           <a:p>
-            <a:pPr>
-              <a:lnSpc>
-                <a:spcPct val="100000"/>
-              </a:lnSpc>
-            </a:pPr>
             <a:endParaRPr b="0" lang="en-CA" sz="1800" strike="noStrike" u="none">
               <a:solidFill>
                 <a:srgbClr val="000000"/>
               </a:solidFill>
               <a:uFillTx/>
               <a:latin typeface="Arial"/>
-              <a:ea typeface="DejaVu Sans"/>
             </a:endParaRPr>
           </a:p>
         </p:txBody>
@@ -1683,7 +1549,7 @@
         <p:spPr>
           <a:xfrm>
             <a:off x="684000" y="864000"/>
-            <a:ext cx="6767640" cy="637560"/>
+            <a:ext cx="6768000" cy="637920"/>
           </a:xfrm>
           <a:prstGeom prst="rect">
             <a:avLst/>
@@ -1699,13 +1565,7 @@
           </a:bodyPr>
           <a:p>
             <a:pPr indent="0">
-              <a:lnSpc>
-                <a:spcPct val="100000"/>
-              </a:lnSpc>
               <a:buNone/>
-              <a:tabLst>
-                <a:tab algn="l" pos="0"/>
-              </a:tabLst>
             </a:pPr>
             <a:r>
               <a:rPr b="0" lang="en-CA" sz="4200" strike="noStrike" u="none">
@@ -1730,13 +1590,13 @@
       <p:sp>
         <p:nvSpPr>
           <p:cNvPr id="63" name=""/>
-          <p:cNvSpPr/>
+          <p:cNvSpPr txBox="1"/>
           <p:nvPr/>
         </p:nvSpPr>
         <p:spPr>
           <a:xfrm>
-            <a:off x="684000" y="2137320"/>
-            <a:ext cx="8639640" cy="2563200"/>
+            <a:off x="720000" y="2317320"/>
+            <a:ext cx="8640000" cy="2563560"/>
           </a:xfrm>
           <a:prstGeom prst="rect">
             <a:avLst/>
@@ -1746,22 +1606,11 @@
             <a:noFill/>
           </a:ln>
         </p:spPr>
-        <p:style>
-          <a:lnRef idx="0"/>
-          <a:fillRef idx="0"/>
-          <a:effectRef idx="0"/>
-          <a:fontRef idx="minor"/>
-        </p:style>
         <p:txBody>
           <a:bodyPr lIns="0" rIns="0" tIns="0" bIns="0" anchor="t">
             <a:noAutofit/>
           </a:bodyPr>
           <a:p>
-            <a:pPr>
-              <a:lnSpc>
-                <a:spcPct val="100000"/>
-              </a:lnSpc>
-            </a:pPr>
             <a:r>
               <a:rPr b="0" lang="en-CA" sz="2000" strike="noStrike" u="none">
                 <a:solidFill>
@@ -1782,11 +1631,6 @@
             </a:endParaRPr>
           </a:p>
           <a:p>
-            <a:pPr>
-              <a:lnSpc>
-                <a:spcPct val="100000"/>
-              </a:lnSpc>
-            </a:pPr>
             <a:r>
               <a:rPr b="0" lang="en-CA" sz="1600" strike="noStrike" u="none">
                 <a:solidFill>
@@ -1807,11 +1651,6 @@
             </a:endParaRPr>
           </a:p>
           <a:p>
-            <a:pPr>
-              <a:lnSpc>
-                <a:spcPct val="100000"/>
-              </a:lnSpc>
-            </a:pPr>
             <a:r>
               <a:rPr b="0" lang="en-CA" sz="1600" strike="noStrike" u="none">
                 <a:solidFill>
@@ -1901,8 +1740,8 @@
         </p:nvSpPr>
         <p:spPr>
           <a:xfrm>
-            <a:off x="684000" y="1464120"/>
-            <a:ext cx="5975640" cy="551520"/>
+            <a:off x="684000" y="1536120"/>
+            <a:ext cx="5976000" cy="551880"/>
           </a:xfrm>
           <a:prstGeom prst="rect">
             <a:avLst/>
@@ -1918,13 +1757,7 @@
           </a:bodyPr>
           <a:p>
             <a:pPr indent="0">
-              <a:lnSpc>
-                <a:spcPct val="100000"/>
-              </a:lnSpc>
               <a:buNone/>
-              <a:tabLst>
-                <a:tab algn="l" pos="0"/>
-              </a:tabLst>
             </a:pPr>
             <a:r>
               <a:rPr b="0" lang="en-CA" sz="3200" strike="noStrike" u="none">
@@ -1993,7 +1826,7 @@
         <p:spPr>
           <a:xfrm>
             <a:off x="432000" y="684000"/>
-            <a:ext cx="9215640" cy="4499640"/>
+            <a:ext cx="9216000" cy="4500000"/>
           </a:xfrm>
           <a:prstGeom prst="rect">
             <a:avLst/>
@@ -2021,18 +1854,12 @@
             <a:noAutofit/>
           </a:bodyPr>
           <a:p>
-            <a:pPr>
-              <a:lnSpc>
-                <a:spcPct val="100000"/>
-              </a:lnSpc>
-            </a:pPr>
             <a:endParaRPr b="0" lang="en-CA" sz="1800" strike="noStrike" u="none">
               <a:solidFill>
                 <a:srgbClr val="000000"/>
               </a:solidFill>
               <a:uFillTx/>
               <a:latin typeface="Arial"/>
-              <a:ea typeface="DejaVu Sans"/>
             </a:endParaRPr>
           </a:p>
         </p:txBody>
@@ -2050,7 +1877,7 @@
         <p:spPr>
           <a:xfrm>
             <a:off x="684000" y="864000"/>
-            <a:ext cx="6767640" cy="637560"/>
+            <a:ext cx="6768000" cy="637920"/>
           </a:xfrm>
           <a:prstGeom prst="rect">
             <a:avLst/>
@@ -2066,13 +1893,7 @@
           </a:bodyPr>
           <a:p>
             <a:pPr indent="0">
-              <a:lnSpc>
-                <a:spcPct val="100000"/>
-              </a:lnSpc>
               <a:buNone/>
-              <a:tabLst>
-                <a:tab algn="l" pos="0"/>
-              </a:tabLst>
             </a:pPr>
             <a:r>
               <a:rPr b="0" lang="en-CA" sz="4200" strike="noStrike" u="none">
@@ -2097,13 +1918,13 @@
       <p:sp>
         <p:nvSpPr>
           <p:cNvPr id="67" name=""/>
-          <p:cNvSpPr/>
+          <p:cNvSpPr txBox="1"/>
           <p:nvPr/>
         </p:nvSpPr>
         <p:spPr>
           <a:xfrm>
-            <a:off x="720000" y="2173320"/>
-            <a:ext cx="5219640" cy="2644920"/>
+            <a:off x="720000" y="2317320"/>
+            <a:ext cx="5220000" cy="2645280"/>
           </a:xfrm>
           <a:prstGeom prst="rect">
             <a:avLst/>
@@ -2113,22 +1934,11 @@
             <a:noFill/>
           </a:ln>
         </p:spPr>
-        <p:style>
-          <a:lnRef idx="0"/>
-          <a:fillRef idx="0"/>
-          <a:effectRef idx="0"/>
-          <a:fontRef idx="minor"/>
-        </p:style>
         <p:txBody>
           <a:bodyPr lIns="0" rIns="0" tIns="0" bIns="0" anchor="t">
             <a:noAutofit/>
           </a:bodyPr>
           <a:p>
-            <a:pPr>
-              <a:lnSpc>
-                <a:spcPct val="100000"/>
-              </a:lnSpc>
-            </a:pPr>
             <a:r>
               <a:rPr b="0" lang="en-CA" sz="1400" strike="noStrike" u="none">
                 <a:solidFill>
@@ -2149,11 +1959,6 @@
             </a:endParaRPr>
           </a:p>
           <a:p>
-            <a:pPr>
-              <a:lnSpc>
-                <a:spcPct val="100000"/>
-              </a:lnSpc>
-            </a:pPr>
             <a:endParaRPr b="0" lang="en-CA" sz="1400" strike="noStrike" u="none">
               <a:solidFill>
                 <a:srgbClr val="000000"/>
@@ -2163,11 +1968,6 @@
             </a:endParaRPr>
           </a:p>
           <a:p>
-            <a:pPr>
-              <a:lnSpc>
-                <a:spcPct val="100000"/>
-              </a:lnSpc>
-            </a:pPr>
             <a:r>
               <a:rPr b="0" lang="en-CA" sz="1400" strike="noStrike" u="none">
                 <a:solidFill>
@@ -2188,11 +1988,6 @@
             </a:endParaRPr>
           </a:p>
           <a:p>
-            <a:pPr>
-              <a:lnSpc>
-                <a:spcPct val="100000"/>
-              </a:lnSpc>
-            </a:pPr>
             <a:r>
               <a:rPr b="0" lang="en-CA" sz="1400" strike="noStrike" u="none">
                 <a:solidFill>
@@ -2213,11 +2008,6 @@
             </a:endParaRPr>
           </a:p>
           <a:p>
-            <a:pPr>
-              <a:lnSpc>
-                <a:spcPct val="100000"/>
-              </a:lnSpc>
-            </a:pPr>
             <a:r>
               <a:rPr b="0" lang="en-CA" sz="1400" strike="noStrike" u="none">
                 <a:solidFill>
@@ -2238,11 +2028,6 @@
             </a:endParaRPr>
           </a:p>
           <a:p>
-            <a:pPr>
-              <a:lnSpc>
-                <a:spcPct val="100000"/>
-              </a:lnSpc>
-            </a:pPr>
             <a:r>
               <a:rPr b="0" lang="en-CA" sz="1400" strike="noStrike" u="none">
                 <a:solidFill>
@@ -2263,11 +2048,6 @@
             </a:endParaRPr>
           </a:p>
           <a:p>
-            <a:pPr>
-              <a:lnSpc>
-                <a:spcPct val="100000"/>
-              </a:lnSpc>
-            </a:pPr>
             <a:endParaRPr b="0" lang="en-CA" sz="1600" strike="noStrike" u="none">
               <a:solidFill>
                 <a:srgbClr val="000000"/>
@@ -2277,11 +2057,6 @@
             </a:endParaRPr>
           </a:p>
           <a:p>
-            <a:pPr>
-              <a:lnSpc>
-                <a:spcPct val="100000"/>
-              </a:lnSpc>
-            </a:pPr>
             <a:r>
               <a:rPr b="0" lang="en-CA" sz="1400" strike="noStrike" u="none">
                 <a:solidFill>
@@ -2348,8 +2123,8 @@
         </p:nvSpPr>
         <p:spPr>
           <a:xfrm>
-            <a:off x="684000" y="1464120"/>
-            <a:ext cx="5975640" cy="551520"/>
+            <a:off x="684000" y="1536120"/>
+            <a:ext cx="5976000" cy="551880"/>
           </a:xfrm>
           <a:prstGeom prst="rect">
             <a:avLst/>
@@ -2365,13 +2140,7 @@
           </a:bodyPr>
           <a:p>
             <a:pPr indent="0">
-              <a:lnSpc>
-                <a:spcPct val="100000"/>
-              </a:lnSpc>
               <a:buNone/>
-              <a:tabLst>
-                <a:tab algn="l" pos="0"/>
-              </a:tabLst>
             </a:pPr>
             <a:r>
               <a:rPr b="0" lang="en-CA" sz="3200" strike="noStrike" u="none">
@@ -2403,13 +2172,13 @@
           <a:blip r:embed="rId2">
             <a:alphaModFix amt="90000"/>
           </a:blip>
-          <a:srcRect l="0" t="0" r="0" b="45228"/>
+          <a:srcRect l="0" t="0" r="0" b="45224"/>
           <a:stretch/>
         </p:blipFill>
         <p:spPr>
           <a:xfrm>
             <a:off x="5976000" y="1692000"/>
-            <a:ext cx="3456000" cy="1894320"/>
+            <a:ext cx="3456360" cy="1894680"/>
           </a:xfrm>
           <a:prstGeom prst="rect">
             <a:avLst/>
@@ -2429,7 +2198,7 @@
         <p:spPr>
           <a:xfrm>
             <a:off x="6660000" y="3852000"/>
-            <a:ext cx="2987640" cy="1331640"/>
+            <a:ext cx="2988000" cy="1332000"/>
           </a:xfrm>
           <a:prstGeom prst="rect">
             <a:avLst/>
@@ -2457,18 +2226,12 @@
             <a:noAutofit/>
           </a:bodyPr>
           <a:p>
-            <a:pPr>
-              <a:lnSpc>
-                <a:spcPct val="100000"/>
-              </a:lnSpc>
-            </a:pPr>
             <a:endParaRPr b="0" lang="en-CA" sz="1800" strike="noStrike" u="none">
               <a:solidFill>
                 <a:srgbClr val="ffffff"/>
               </a:solidFill>
               <a:uFillTx/>
               <a:latin typeface="Arial"/>
-              <a:ea typeface="DejaVu Sans"/>
             </a:endParaRPr>
           </a:p>
         </p:txBody>
@@ -2476,13 +2239,13 @@
       <p:sp>
         <p:nvSpPr>
           <p:cNvPr id="71" name=""/>
-          <p:cNvSpPr/>
+          <p:cNvSpPr txBox="1"/>
           <p:nvPr/>
         </p:nvSpPr>
         <p:spPr>
           <a:xfrm>
             <a:off x="6804000" y="3928680"/>
-            <a:ext cx="2771640" cy="1204560"/>
+            <a:ext cx="2772000" cy="1204920"/>
           </a:xfrm>
           <a:prstGeom prst="rect">
             <a:avLst/>
@@ -2492,22 +2255,12 @@
             <a:noFill/>
           </a:ln>
         </p:spPr>
-        <p:style>
-          <a:lnRef idx="0"/>
-          <a:fillRef idx="0"/>
-          <a:effectRef idx="0"/>
-          <a:fontRef idx="minor"/>
-        </p:style>
         <p:txBody>
           <a:bodyPr lIns="90000" rIns="90000" tIns="45000" bIns="45000" anchor="t">
             <a:noAutofit/>
           </a:bodyPr>
           <a:p>
-            <a:pPr algn="r">
-              <a:lnSpc>
-                <a:spcPct val="100000"/>
-              </a:lnSpc>
-            </a:pPr>
+            <a:pPr algn="r"/>
             <a:r>
               <a:rPr b="0" lang="en-CA" sz="1200" strike="noStrike" u="none">
                 <a:solidFill>
@@ -2598,7 +2351,7 @@
         <p:spPr>
           <a:xfrm>
             <a:off x="432000" y="684000"/>
-            <a:ext cx="9215640" cy="4499640"/>
+            <a:ext cx="9216000" cy="4500000"/>
           </a:xfrm>
           <a:prstGeom prst="rect">
             <a:avLst/>
@@ -2626,18 +2379,12 @@
             <a:noAutofit/>
           </a:bodyPr>
           <a:p>
-            <a:pPr>
-              <a:lnSpc>
-                <a:spcPct val="100000"/>
-              </a:lnSpc>
-            </a:pPr>
             <a:endParaRPr b="0" lang="en-CA" sz="1800" strike="noStrike" u="none">
               <a:solidFill>
                 <a:srgbClr val="000000"/>
               </a:solidFill>
               <a:uFillTx/>
               <a:latin typeface="Arial"/>
-              <a:ea typeface="DejaVu Sans"/>
             </a:endParaRPr>
           </a:p>
         </p:txBody>
@@ -2655,7 +2402,7 @@
         <p:spPr>
           <a:xfrm>
             <a:off x="684000" y="864000"/>
-            <a:ext cx="6767640" cy="637560"/>
+            <a:ext cx="6768000" cy="637920"/>
           </a:xfrm>
           <a:prstGeom prst="rect">
             <a:avLst/>
@@ -2671,13 +2418,7 @@
           </a:bodyPr>
           <a:p>
             <a:pPr indent="0">
-              <a:lnSpc>
-                <a:spcPct val="100000"/>
-              </a:lnSpc>
               <a:buNone/>
-              <a:tabLst>
-                <a:tab algn="l" pos="0"/>
-              </a:tabLst>
             </a:pPr>
             <a:r>
               <a:rPr b="0" lang="en-CA" sz="4200" strike="noStrike" u="none">
@@ -2702,13 +2443,13 @@
       <p:sp>
         <p:nvSpPr>
           <p:cNvPr id="74" name=""/>
-          <p:cNvSpPr/>
+          <p:cNvSpPr txBox="1"/>
           <p:nvPr/>
         </p:nvSpPr>
         <p:spPr>
           <a:xfrm>
-            <a:off x="684000" y="2101320"/>
-            <a:ext cx="6515640" cy="2760480"/>
+            <a:off x="684000" y="2209320"/>
+            <a:ext cx="6516000" cy="2760840"/>
           </a:xfrm>
           <a:prstGeom prst="rect">
             <a:avLst/>
@@ -2718,22 +2459,11 @@
             <a:noFill/>
           </a:ln>
         </p:spPr>
-        <p:style>
-          <a:lnRef idx="0"/>
-          <a:fillRef idx="0"/>
-          <a:effectRef idx="0"/>
-          <a:fontRef idx="minor"/>
-        </p:style>
         <p:txBody>
           <a:bodyPr lIns="0" rIns="0" tIns="0" bIns="0" anchor="t">
             <a:noAutofit/>
           </a:bodyPr>
           <a:p>
-            <a:pPr>
-              <a:lnSpc>
-                <a:spcPct val="100000"/>
-              </a:lnSpc>
-            </a:pPr>
             <a:r>
               <a:rPr b="0" lang="en-CA" sz="1600" strike="noStrike" u="none">
                 <a:solidFill>
@@ -2776,11 +2506,6 @@
             </a:endParaRPr>
           </a:p>
           <a:p>
-            <a:pPr>
-              <a:lnSpc>
-                <a:spcPct val="100000"/>
-              </a:lnSpc>
-            </a:pPr>
             <a:r>
               <a:rPr b="0" lang="en-CA" sz="1600" strike="noStrike" u="none">
                 <a:solidFill>
@@ -2823,11 +2548,6 @@
             </a:endParaRPr>
           </a:p>
           <a:p>
-            <a:pPr>
-              <a:lnSpc>
-                <a:spcPct val="100000"/>
-              </a:lnSpc>
-            </a:pPr>
             <a:r>
               <a:rPr b="0" lang="en-CA" sz="1600" strike="noStrike" u="none">
                 <a:solidFill>
@@ -2870,11 +2590,6 @@
             </a:endParaRPr>
           </a:p>
           <a:p>
-            <a:pPr>
-              <a:lnSpc>
-                <a:spcPct val="100000"/>
-              </a:lnSpc>
-            </a:pPr>
             <a:endParaRPr b="0" lang="en-CA" sz="1600" strike="noStrike" u="none">
               <a:solidFill>
                 <a:srgbClr val="000000"/>
@@ -2884,11 +2599,6 @@
             </a:endParaRPr>
           </a:p>
           <a:p>
-            <a:pPr>
-              <a:lnSpc>
-                <a:spcPct val="100000"/>
-              </a:lnSpc>
-            </a:pPr>
             <a:r>
               <a:rPr b="0" lang="en-CA" sz="1600" strike="noStrike" u="none">
                 <a:solidFill>
@@ -2931,11 +2641,6 @@
             </a:endParaRPr>
           </a:p>
           <a:p>
-            <a:pPr>
-              <a:lnSpc>
-                <a:spcPct val="100000"/>
-              </a:lnSpc>
-            </a:pPr>
             <a:r>
               <a:rPr b="0" lang="en-CA" sz="1600" strike="noStrike" u="none">
                 <a:solidFill>
@@ -2967,11 +2672,6 @@
             </a:endParaRPr>
           </a:p>
           <a:p>
-            <a:pPr>
-              <a:lnSpc>
-                <a:spcPct val="100000"/>
-              </a:lnSpc>
-            </a:pPr>
             <a:r>
               <a:rPr b="0" lang="en-CA" sz="1600" strike="noStrike" u="none">
                 <a:solidFill>
@@ -3003,11 +2703,6 @@
             </a:endParaRPr>
           </a:p>
           <a:p>
-            <a:pPr>
-              <a:lnSpc>
-                <a:spcPct val="100000"/>
-              </a:lnSpc>
-            </a:pPr>
             <a:r>
               <a:rPr b="0" lang="en-CA" sz="1600" strike="noStrike" u="none">
                 <a:solidFill>
@@ -3039,11 +2734,6 @@
             </a:endParaRPr>
           </a:p>
           <a:p>
-            <a:pPr>
-              <a:lnSpc>
-                <a:spcPct val="100000"/>
-              </a:lnSpc>
-            </a:pPr>
             <a:r>
               <a:rPr b="0" lang="en-CA" sz="1600" strike="noStrike" u="none">
                 <a:solidFill>
@@ -3088,8 +2778,8 @@
         </p:nvSpPr>
         <p:spPr>
           <a:xfrm>
-            <a:off x="720000" y="1428120"/>
-            <a:ext cx="5975640" cy="551520"/>
+            <a:off x="720000" y="1500120"/>
+            <a:ext cx="5976000" cy="551880"/>
           </a:xfrm>
           <a:prstGeom prst="rect">
             <a:avLst/>
@@ -3105,13 +2795,7 @@
           </a:bodyPr>
           <a:p>
             <a:pPr indent="0">
-              <a:lnSpc>
-                <a:spcPct val="100000"/>
-              </a:lnSpc>
               <a:buNone/>
-              <a:tabLst>
-                <a:tab algn="l" pos="0"/>
-              </a:tabLst>
             </a:pPr>
             <a:r>
               <a:rPr b="0" lang="en-CA" sz="3200" strike="noStrike" u="none">
@@ -3143,13 +2827,13 @@
           <a:blip r:embed="rId2">
             <a:alphaModFix amt="90000"/>
           </a:blip>
-          <a:srcRect l="33503" t="0" r="33503" b="0"/>
+          <a:srcRect l="33500" t="0" r="33500" b="0"/>
           <a:stretch/>
         </p:blipFill>
         <p:spPr>
           <a:xfrm>
             <a:off x="7560000" y="228960"/>
-            <a:ext cx="2339640" cy="4387320"/>
+            <a:ext cx="2340000" cy="4387680"/>
           </a:xfrm>
           <a:prstGeom prst="rect">
             <a:avLst/>
@@ -3210,7 +2894,7 @@
         <p:spPr>
           <a:xfrm>
             <a:off x="432000" y="684000"/>
-            <a:ext cx="9215640" cy="4499640"/>
+            <a:ext cx="9216000" cy="4500000"/>
           </a:xfrm>
           <a:prstGeom prst="rect">
             <a:avLst/>
@@ -3238,18 +2922,12 @@
             <a:noAutofit/>
           </a:bodyPr>
           <a:p>
-            <a:pPr>
-              <a:lnSpc>
-                <a:spcPct val="100000"/>
-              </a:lnSpc>
-            </a:pPr>
             <a:endParaRPr b="0" lang="en-CA" sz="1800" strike="noStrike" u="none">
               <a:solidFill>
                 <a:srgbClr val="000000"/>
               </a:solidFill>
               <a:uFillTx/>
               <a:latin typeface="Arial"/>
-              <a:ea typeface="DejaVu Sans"/>
             </a:endParaRPr>
           </a:p>
         </p:txBody>
@@ -3266,8 +2944,8 @@
         </p:nvSpPr>
         <p:spPr>
           <a:xfrm>
-            <a:off x="684000" y="864000"/>
-            <a:ext cx="6767640" cy="637560"/>
+            <a:off x="684000" y="936000"/>
+            <a:ext cx="6768000" cy="637920"/>
           </a:xfrm>
           <a:prstGeom prst="rect">
             <a:avLst/>
@@ -3283,13 +2961,7 @@
           </a:bodyPr>
           <a:p>
             <a:pPr indent="0">
-              <a:lnSpc>
-                <a:spcPct val="100000"/>
-              </a:lnSpc>
               <a:buNone/>
-              <a:tabLst>
-                <a:tab algn="l" pos="0"/>
-              </a:tabLst>
             </a:pPr>
             <a:r>
               <a:rPr b="0" lang="en-CA" sz="4200" strike="noStrike" u="none">
@@ -3314,13 +2986,13 @@
       <p:sp>
         <p:nvSpPr>
           <p:cNvPr id="79" name=""/>
-          <p:cNvSpPr/>
+          <p:cNvSpPr txBox="1"/>
           <p:nvPr/>
         </p:nvSpPr>
         <p:spPr>
           <a:xfrm>
-            <a:off x="684000" y="2065320"/>
-            <a:ext cx="8675640" cy="2830320"/>
+            <a:off x="684000" y="2209320"/>
+            <a:ext cx="8676000" cy="2830680"/>
           </a:xfrm>
           <a:prstGeom prst="rect">
             <a:avLst/>
@@ -3330,21 +3002,12 @@
             <a:noFill/>
           </a:ln>
         </p:spPr>
-        <p:style>
-          <a:lnRef idx="0"/>
-          <a:fillRef idx="0"/>
-          <a:effectRef idx="0"/>
-          <a:fontRef idx="minor"/>
-        </p:style>
         <p:txBody>
           <a:bodyPr lIns="0" rIns="0" tIns="0" bIns="0" anchor="t">
             <a:noAutofit/>
           </a:bodyPr>
           <a:p>
             <a:pPr marL="216000" indent="-216000">
-              <a:lnSpc>
-                <a:spcPct val="100000"/>
-              </a:lnSpc>
               <a:buClr>
                 <a:srgbClr val="000000"/>
               </a:buClr>
@@ -3384,9 +3047,6 @@
           </a:p>
           <a:p>
             <a:pPr marL="216000" indent="-216000">
-              <a:lnSpc>
-                <a:spcPct val="100000"/>
-              </a:lnSpc>
               <a:buClr>
                 <a:srgbClr val="000000"/>
               </a:buClr>
@@ -3426,9 +3086,6 @@
           </a:p>
           <a:p>
             <a:pPr marL="216000" indent="-216000">
-              <a:lnSpc>
-                <a:spcPct val="100000"/>
-              </a:lnSpc>
               <a:buClr>
                 <a:srgbClr val="000000"/>
               </a:buClr>
@@ -3468,9 +3125,6 @@
           </a:p>
           <a:p>
             <a:pPr marL="216000" indent="-216000">
-              <a:lnSpc>
-                <a:spcPct val="100000"/>
-              </a:lnSpc>
               <a:buClr>
                 <a:srgbClr val="000000"/>
               </a:buClr>
@@ -3510,9 +3164,6 @@
           </a:p>
           <a:p>
             <a:pPr marL="216000" indent="-216000">
-              <a:lnSpc>
-                <a:spcPct val="100000"/>
-              </a:lnSpc>
               <a:buClr>
                 <a:srgbClr val="000000"/>
               </a:buClr>
@@ -3552,9 +3203,6 @@
           </a:p>
           <a:p>
             <a:pPr marL="216000" indent="-216000">
-              <a:lnSpc>
-                <a:spcPct val="100000"/>
-              </a:lnSpc>
               <a:buClr>
                 <a:srgbClr val="000000"/>
               </a:buClr>
@@ -3594,9 +3242,6 @@
           </a:p>
           <a:p>
             <a:pPr marL="216000" indent="-216000">
-              <a:lnSpc>
-                <a:spcPct val="100000"/>
-              </a:lnSpc>
               <a:buClr>
                 <a:srgbClr val="000000"/>
               </a:buClr>
@@ -3636,9 +3281,6 @@
           </a:p>
           <a:p>
             <a:pPr marL="216000" indent="-216000">
-              <a:lnSpc>
-                <a:spcPct val="100000"/>
-              </a:lnSpc>
               <a:buClr>
                 <a:srgbClr val="000000"/>
               </a:buClr>
@@ -3678,9 +3320,6 @@
           </a:p>
           <a:p>
             <a:pPr marL="216000" indent="-216000">
-              <a:lnSpc>
-                <a:spcPct val="100000"/>
-              </a:lnSpc>
               <a:buClr>
                 <a:srgbClr val="000000"/>
               </a:buClr>
@@ -3754,8 +3393,8 @@
         </p:nvSpPr>
         <p:spPr>
           <a:xfrm>
-            <a:off x="720000" y="1464120"/>
-            <a:ext cx="5975640" cy="551520"/>
+            <a:off x="720000" y="1572120"/>
+            <a:ext cx="5976000" cy="551880"/>
           </a:xfrm>
           <a:prstGeom prst="rect">
             <a:avLst/>
@@ -3771,13 +3410,7 @@
           </a:bodyPr>
           <a:p>
             <a:pPr indent="0">
-              <a:lnSpc>
-                <a:spcPct val="100000"/>
-              </a:lnSpc>
               <a:buNone/>
-              <a:tabLst>
-                <a:tab algn="l" pos="0"/>
-              </a:tabLst>
             </a:pPr>
             <a:r>
               <a:rPr b="0" lang="en-CA" sz="3200" strike="noStrike" u="none">
@@ -3846,7 +3479,7 @@
         <p:spPr>
           <a:xfrm>
             <a:off x="432000" y="720000"/>
-            <a:ext cx="9215640" cy="4319640"/>
+            <a:ext cx="9216000" cy="4320000"/>
           </a:xfrm>
           <a:prstGeom prst="rect">
             <a:avLst/>
@@ -3874,18 +3507,12 @@
             <a:noAutofit/>
           </a:bodyPr>
           <a:p>
-            <a:pPr>
-              <a:lnSpc>
-                <a:spcPct val="100000"/>
-              </a:lnSpc>
-            </a:pPr>
             <a:endParaRPr b="0" lang="en-CA" sz="1800" strike="noStrike" u="none">
               <a:solidFill>
                 <a:srgbClr val="000000"/>
               </a:solidFill>
               <a:uFillTx/>
               <a:latin typeface="Arial"/>
-              <a:ea typeface="DejaVu Sans"/>
             </a:endParaRPr>
           </a:p>
         </p:txBody>
@@ -3902,8 +3529,8 @@
         </p:nvSpPr>
         <p:spPr>
           <a:xfrm>
-            <a:off x="684000" y="900000"/>
-            <a:ext cx="6767640" cy="637560"/>
+            <a:off x="684000" y="936000"/>
+            <a:ext cx="6768000" cy="637920"/>
           </a:xfrm>
           <a:prstGeom prst="rect">
             <a:avLst/>
@@ -3919,13 +3546,7 @@
           </a:bodyPr>
           <a:p>
             <a:pPr indent="0">
-              <a:lnSpc>
-                <a:spcPct val="100000"/>
-              </a:lnSpc>
               <a:buNone/>
-              <a:tabLst>
-                <a:tab algn="l" pos="0"/>
-              </a:tabLst>
             </a:pPr>
             <a:r>
               <a:rPr b="0" lang="en-CA" sz="4200" strike="noStrike" u="none">
@@ -3960,7 +3581,7 @@
         <p:spPr>
           <a:xfrm>
             <a:off x="720000" y="1677960"/>
-            <a:ext cx="5579640" cy="920160"/>
+            <a:ext cx="5580000" cy="920520"/>
           </a:xfrm>
           <a:prstGeom prst="rect">
             <a:avLst/>
@@ -3976,13 +3597,7 @@
           </a:bodyPr>
           <a:p>
             <a:pPr indent="0">
-              <a:lnSpc>
-                <a:spcPct val="100000"/>
-              </a:lnSpc>
               <a:buNone/>
-              <a:tabLst>
-                <a:tab algn="l" pos="0"/>
-              </a:tabLst>
             </a:pPr>
             <a:r>
               <a:rPr b="0" lang="en-CA" sz="1600" strike="noStrike" u="sng">
@@ -4005,13 +3620,7 @@
           </a:p>
           <a:p>
             <a:pPr indent="0">
-              <a:lnSpc>
-                <a:spcPct val="100000"/>
-              </a:lnSpc>
               <a:buNone/>
-              <a:tabLst>
-                <a:tab algn="l" pos="0"/>
-              </a:tabLst>
             </a:pPr>
             <a:r>
               <a:rPr b="0" lang="en-CA" sz="1600" strike="noStrike" u="sng">
@@ -4037,13 +3646,13 @@
       <p:sp>
         <p:nvSpPr>
           <p:cNvPr id="84" name=""/>
-          <p:cNvSpPr/>
+          <p:cNvSpPr txBox="1"/>
           <p:nvPr/>
         </p:nvSpPr>
         <p:spPr>
           <a:xfrm>
             <a:off x="720000" y="2541960"/>
-            <a:ext cx="4859640" cy="2281680"/>
+            <a:ext cx="4860000" cy="2282040"/>
           </a:xfrm>
           <a:prstGeom prst="rect">
             <a:avLst/>
@@ -4053,22 +3662,11 @@
             <a:noFill/>
           </a:ln>
         </p:spPr>
-        <p:style>
-          <a:lnRef idx="0"/>
-          <a:fillRef idx="0"/>
-          <a:effectRef idx="0"/>
-          <a:fontRef idx="minor"/>
-        </p:style>
         <p:txBody>
           <a:bodyPr lIns="0" rIns="0" tIns="0" bIns="0" anchor="t">
             <a:noAutofit/>
           </a:bodyPr>
           <a:p>
-            <a:pPr>
-              <a:lnSpc>
-                <a:spcPct val="100000"/>
-              </a:lnSpc>
-            </a:pPr>
             <a:r>
               <a:rPr b="0" lang="en-CA" sz="1500" strike="noStrike" u="none">
                 <a:solidFill>
@@ -4133,11 +3731,6 @@
             </a:endParaRPr>
           </a:p>
           <a:p>
-            <a:pPr>
-              <a:lnSpc>
-                <a:spcPct val="100000"/>
-              </a:lnSpc>
-            </a:pPr>
             <a:endParaRPr b="0" lang="en-CA" sz="1500" strike="noStrike" u="none">
               <a:solidFill>
                 <a:srgbClr val="000000"/>
@@ -4147,11 +3740,6 @@
             </a:endParaRPr>
           </a:p>
           <a:p>
-            <a:pPr>
-              <a:lnSpc>
-                <a:spcPct val="100000"/>
-              </a:lnSpc>
-            </a:pPr>
             <a:r>
               <a:rPr b="0" lang="en-CA" sz="1500" strike="noStrike" u="none">
                 <a:solidFill>
@@ -4204,7 +3792,7 @@
         <p:spPr>
           <a:xfrm>
             <a:off x="5940000" y="3960000"/>
-            <a:ext cx="3707640" cy="1079640"/>
+            <a:ext cx="3708000" cy="1080000"/>
           </a:xfrm>
           <a:prstGeom prst="rect">
             <a:avLst/>
@@ -4232,18 +3820,12 @@
             <a:noAutofit/>
           </a:bodyPr>
           <a:p>
-            <a:pPr>
-              <a:lnSpc>
-                <a:spcPct val="100000"/>
-              </a:lnSpc>
-            </a:pPr>
             <a:endParaRPr b="0" lang="en-CA" sz="1800" strike="noStrike" u="none">
               <a:solidFill>
                 <a:srgbClr val="ffffff"/>
               </a:solidFill>
               <a:uFillTx/>
               <a:latin typeface="Arial"/>
-              <a:ea typeface="DejaVu Sans"/>
             </a:endParaRPr>
           </a:p>
         </p:txBody>
@@ -4251,13 +3833,13 @@
       <p:sp>
         <p:nvSpPr>
           <p:cNvPr id="86" name=""/>
-          <p:cNvSpPr/>
+          <p:cNvSpPr txBox="1"/>
           <p:nvPr/>
         </p:nvSpPr>
         <p:spPr>
           <a:xfrm>
             <a:off x="6156000" y="4036680"/>
-            <a:ext cx="3419640" cy="894960"/>
+            <a:ext cx="3420000" cy="895320"/>
           </a:xfrm>
           <a:prstGeom prst="rect">
             <a:avLst/>
@@ -4267,22 +3849,12 @@
             <a:noFill/>
           </a:ln>
         </p:spPr>
-        <p:style>
-          <a:lnRef idx="0"/>
-          <a:fillRef idx="0"/>
-          <a:effectRef idx="0"/>
-          <a:fontRef idx="minor"/>
-        </p:style>
         <p:txBody>
           <a:bodyPr lIns="90000" rIns="90000" tIns="45000" bIns="45000" anchor="t">
             <a:noAutofit/>
           </a:bodyPr>
           <a:p>
-            <a:pPr algn="r">
-              <a:lnSpc>
-                <a:spcPct val="100000"/>
-              </a:lnSpc>
-            </a:pPr>
+            <a:pPr algn="r"/>
             <a:r>
               <a:rPr b="0" lang="en-CA" sz="1400" strike="noStrike" u="none">
                 <a:solidFill>
@@ -4319,7 +3891,7 @@
         <p:spPr>
           <a:xfrm>
             <a:off x="6224040" y="1800000"/>
-            <a:ext cx="3234240" cy="1979640"/>
+            <a:ext cx="3234600" cy="1980000"/>
           </a:xfrm>
           <a:prstGeom prst="rect">
             <a:avLst/>
@@ -4377,7 +3949,7 @@
         <p:spPr>
           <a:xfrm>
             <a:off x="432000" y="684000"/>
-            <a:ext cx="9215640" cy="4499640"/>
+            <a:ext cx="9216000" cy="4500000"/>
           </a:xfrm>
           <a:prstGeom prst="rect">
             <a:avLst/>
@@ -4405,18 +3977,12 @@
             <a:noAutofit/>
           </a:bodyPr>
           <a:p>
-            <a:pPr>
-              <a:lnSpc>
-                <a:spcPct val="100000"/>
-              </a:lnSpc>
-            </a:pPr>
             <a:endParaRPr b="0" lang="en-CA" sz="1800" strike="noStrike" u="none">
               <a:solidFill>
                 <a:srgbClr val="000000"/>
               </a:solidFill>
               <a:uFillTx/>
               <a:latin typeface="Arial"/>
-              <a:ea typeface="DejaVu Sans"/>
             </a:endParaRPr>
           </a:p>
         </p:txBody>
@@ -4434,7 +4000,7 @@
         <p:spPr>
           <a:xfrm>
             <a:off x="684000" y="864000"/>
-            <a:ext cx="6767640" cy="637560"/>
+            <a:ext cx="6768000" cy="637920"/>
           </a:xfrm>
           <a:prstGeom prst="rect">
             <a:avLst/>
@@ -4450,13 +4016,7 @@
           </a:bodyPr>
           <a:p>
             <a:pPr indent="0">
-              <a:lnSpc>
-                <a:spcPct val="100000"/>
-              </a:lnSpc>
               <a:buNone/>
-              <a:tabLst>
-                <a:tab algn="l" pos="0"/>
-              </a:tabLst>
             </a:pPr>
             <a:r>
               <a:rPr b="0" lang="en-CA" sz="4200" strike="noStrike" u="none">
@@ -4481,13 +4041,13 @@
       <p:sp>
         <p:nvSpPr>
           <p:cNvPr id="90" name=""/>
-          <p:cNvSpPr/>
+          <p:cNvSpPr txBox="1"/>
           <p:nvPr/>
         </p:nvSpPr>
         <p:spPr>
           <a:xfrm>
-            <a:off x="720000" y="2173320"/>
-            <a:ext cx="6875640" cy="2760480"/>
+            <a:off x="684000" y="2209320"/>
+            <a:ext cx="6876000" cy="2760840"/>
           </a:xfrm>
           <a:prstGeom prst="rect">
             <a:avLst/>
@@ -4497,22 +4057,11 @@
             <a:noFill/>
           </a:ln>
         </p:spPr>
-        <p:style>
-          <a:lnRef idx="0"/>
-          <a:fillRef idx="0"/>
-          <a:effectRef idx="0"/>
-          <a:fontRef idx="minor"/>
-        </p:style>
         <p:txBody>
           <a:bodyPr lIns="0" rIns="0" tIns="0" bIns="0" anchor="t">
             <a:noAutofit/>
           </a:bodyPr>
           <a:p>
-            <a:pPr>
-              <a:lnSpc>
-                <a:spcPct val="100000"/>
-              </a:lnSpc>
-            </a:pPr>
             <a:r>
               <a:rPr b="0" lang="en-CA" sz="1400" strike="noStrike" u="none">
                 <a:solidFill>
@@ -4555,11 +4104,6 @@
             </a:endParaRPr>
           </a:p>
           <a:p>
-            <a:pPr>
-              <a:lnSpc>
-                <a:spcPct val="100000"/>
-              </a:lnSpc>
-            </a:pPr>
             <a:endParaRPr b="0" lang="en-CA" sz="1400" strike="noStrike" u="none">
               <a:solidFill>
                 <a:srgbClr val="000000"/>
@@ -4569,11 +4113,6 @@
             </a:endParaRPr>
           </a:p>
           <a:p>
-            <a:pPr>
-              <a:lnSpc>
-                <a:spcPct val="100000"/>
-              </a:lnSpc>
-            </a:pPr>
             <a:r>
               <a:rPr b="0" lang="en-CA" sz="1400" strike="noStrike" u="none">
                 <a:solidFill>
@@ -4627,11 +4166,6 @@
             </a:endParaRPr>
           </a:p>
           <a:p>
-            <a:pPr>
-              <a:lnSpc>
-                <a:spcPct val="100000"/>
-              </a:lnSpc>
-            </a:pPr>
             <a:endParaRPr b="0" lang="en-CA" sz="1400" strike="noStrike" u="none">
               <a:solidFill>
                 <a:srgbClr val="000000"/>
@@ -4642,9 +4176,6 @@
           </a:p>
           <a:p>
             <a:pPr marL="216000" indent="-216000">
-              <a:lnSpc>
-                <a:spcPct val="100000"/>
-              </a:lnSpc>
               <a:buClr>
                 <a:srgbClr val="000000"/>
               </a:buClr>
@@ -4683,9 +4214,6 @@
           </a:p>
           <a:p>
             <a:pPr marL="216000" indent="-216000">
-              <a:lnSpc>
-                <a:spcPct val="100000"/>
-              </a:lnSpc>
               <a:buClr>
                 <a:srgbClr val="000000"/>
               </a:buClr>
@@ -4724,9 +4252,6 @@
           </a:p>
           <a:p>
             <a:pPr marL="216000" indent="-216000">
-              <a:lnSpc>
-                <a:spcPct val="100000"/>
-              </a:lnSpc>
               <a:buClr>
                 <a:srgbClr val="000000"/>
               </a:buClr>
@@ -4778,7 +4303,7 @@
         <p:spPr>
           <a:xfrm>
             <a:off x="720000" y="1500120"/>
-            <a:ext cx="5975640" cy="551520"/>
+            <a:ext cx="5976000" cy="551880"/>
           </a:xfrm>
           <a:prstGeom prst="rect">
             <a:avLst/>
@@ -4794,13 +4319,7 @@
           </a:bodyPr>
           <a:p>
             <a:pPr indent="0">
-              <a:lnSpc>
-                <a:spcPct val="100000"/>
-              </a:lnSpc>
               <a:buNone/>
-              <a:tabLst>
-                <a:tab algn="l" pos="0"/>
-              </a:tabLst>
             </a:pPr>
             <a:r>
               <a:rPr b="0" lang="en-CA" sz="3200" strike="noStrike" u="none">
@@ -4832,13 +4351,13 @@
           <a:blip r:embed="rId2">
             <a:alphaModFix amt="90000"/>
           </a:blip>
-          <a:srcRect l="44483" t="0" r="18735" b="0"/>
+          <a:srcRect l="44479" t="0" r="18733" b="0"/>
           <a:stretch/>
         </p:blipFill>
         <p:spPr>
           <a:xfrm>
             <a:off x="7920000" y="228960"/>
-            <a:ext cx="1979640" cy="3587040"/>
+            <a:ext cx="1980000" cy="3587400"/>
           </a:xfrm>
           <a:prstGeom prst="rect">
             <a:avLst/>
@@ -4899,7 +4418,7 @@
         <p:spPr>
           <a:xfrm>
             <a:off x="432000" y="684000"/>
-            <a:ext cx="9215640" cy="4499640"/>
+            <a:ext cx="9216000" cy="4500000"/>
           </a:xfrm>
           <a:prstGeom prst="rect">
             <a:avLst/>
@@ -4927,18 +4446,12 @@
             <a:noAutofit/>
           </a:bodyPr>
           <a:p>
-            <a:pPr>
-              <a:lnSpc>
-                <a:spcPct val="100000"/>
-              </a:lnSpc>
-            </a:pPr>
             <a:endParaRPr b="0" lang="en-CA" sz="1800" strike="noStrike" u="none">
               <a:solidFill>
                 <a:srgbClr val="000000"/>
               </a:solidFill>
               <a:uFillTx/>
               <a:latin typeface="Arial"/>
-              <a:ea typeface="DejaVu Sans"/>
             </a:endParaRPr>
           </a:p>
         </p:txBody>
@@ -4956,7 +4469,7 @@
         <p:spPr>
           <a:xfrm>
             <a:off x="684000" y="864000"/>
-            <a:ext cx="6767640" cy="637560"/>
+            <a:ext cx="6768000" cy="637920"/>
           </a:xfrm>
           <a:prstGeom prst="rect">
             <a:avLst/>
@@ -4972,13 +4485,7 @@
           </a:bodyPr>
           <a:p>
             <a:pPr indent="0">
-              <a:lnSpc>
-                <a:spcPct val="100000"/>
-              </a:lnSpc>
               <a:buNone/>
-              <a:tabLst>
-                <a:tab algn="l" pos="0"/>
-              </a:tabLst>
             </a:pPr>
             <a:r>
               <a:rPr b="0" lang="en-CA" sz="4200" strike="noStrike" u="none">
@@ -5003,13 +4510,13 @@
       <p:sp>
         <p:nvSpPr>
           <p:cNvPr id="95" name=""/>
-          <p:cNvSpPr/>
+          <p:cNvSpPr txBox="1"/>
           <p:nvPr/>
         </p:nvSpPr>
         <p:spPr>
           <a:xfrm>
             <a:off x="684000" y="2209320"/>
-            <a:ext cx="5615640" cy="1750320"/>
+            <a:ext cx="5616000" cy="1750680"/>
           </a:xfrm>
           <a:prstGeom prst="rect">
             <a:avLst/>
@@ -5019,22 +4526,11 @@
             <a:noFill/>
           </a:ln>
         </p:spPr>
-        <p:style>
-          <a:lnRef idx="0"/>
-          <a:fillRef idx="0"/>
-          <a:effectRef idx="0"/>
-          <a:fontRef idx="minor"/>
-        </p:style>
         <p:txBody>
           <a:bodyPr lIns="0" rIns="0" tIns="0" bIns="0" anchor="t">
             <a:noAutofit/>
           </a:bodyPr>
           <a:p>
-            <a:pPr>
-              <a:lnSpc>
-                <a:spcPct val="100000"/>
-              </a:lnSpc>
-            </a:pPr>
             <a:r>
               <a:rPr b="0" lang="en-CA" sz="1700" strike="noStrike" u="none">
                 <a:solidFill>
@@ -5069,7 +4565,7 @@
         <p:spPr>
           <a:xfrm>
             <a:off x="720000" y="1500120"/>
-            <a:ext cx="5975640" cy="551520"/>
+            <a:ext cx="5976000" cy="551880"/>
           </a:xfrm>
           <a:prstGeom prst="rect">
             <a:avLst/>
@@ -5085,13 +4581,7 @@
           </a:bodyPr>
           <a:p>
             <a:pPr indent="0">
-              <a:lnSpc>
-                <a:spcPct val="100000"/>
-              </a:lnSpc>
               <a:buNone/>
-              <a:tabLst>
-                <a:tab algn="l" pos="0"/>
-              </a:tabLst>
             </a:pPr>
             <a:r>
               <a:rPr b="0" lang="en-CA" sz="3200" strike="noStrike" u="none">
@@ -5123,13 +4613,13 @@
           <a:blip r:embed="rId2">
             <a:alphaModFix amt="90000"/>
           </a:blip>
-          <a:srcRect l="32226" t="0" r="18393" b="0"/>
+          <a:srcRect l="32224" t="0" r="18391" b="0"/>
           <a:stretch/>
         </p:blipFill>
         <p:spPr>
           <a:xfrm>
             <a:off x="6549480" y="360000"/>
-            <a:ext cx="2630160" cy="3550680"/>
+            <a:ext cx="2630520" cy="3551040"/>
           </a:xfrm>
           <a:prstGeom prst="rect">
             <a:avLst/>
@@ -5159,7 +4649,7 @@
         <p:spPr>
           <a:xfrm>
             <a:off x="720000" y="3420000"/>
-            <a:ext cx="3419640" cy="1513800"/>
+            <a:ext cx="3420000" cy="1514160"/>
           </a:xfrm>
           <a:prstGeom prst="rect">
             <a:avLst/>
@@ -5217,7 +4707,7 @@
         <p:spPr>
           <a:xfrm>
             <a:off x="432000" y="684000"/>
-            <a:ext cx="9215640" cy="4499640"/>
+            <a:ext cx="9216000" cy="4500000"/>
           </a:xfrm>
           <a:prstGeom prst="rect">
             <a:avLst/>
@@ -5245,18 +4735,12 @@
             <a:noAutofit/>
           </a:bodyPr>
           <a:p>
-            <a:pPr>
-              <a:lnSpc>
-                <a:spcPct val="100000"/>
-              </a:lnSpc>
-            </a:pPr>
             <a:endParaRPr b="0" lang="en-CA" sz="1800" strike="noStrike" u="none">
               <a:solidFill>
                 <a:srgbClr val="000000"/>
               </a:solidFill>
               <a:uFillTx/>
               <a:latin typeface="Arial"/>
-              <a:ea typeface="DejaVu Sans"/>
             </a:endParaRPr>
           </a:p>
         </p:txBody>
@@ -5274,7 +4758,7 @@
         <p:spPr>
           <a:xfrm>
             <a:off x="684000" y="864000"/>
-            <a:ext cx="6767640" cy="637560"/>
+            <a:ext cx="6768000" cy="637920"/>
           </a:xfrm>
           <a:prstGeom prst="rect">
             <a:avLst/>
@@ -5290,13 +4774,7 @@
           </a:bodyPr>
           <a:p>
             <a:pPr indent="0">
-              <a:lnSpc>
-                <a:spcPct val="100000"/>
-              </a:lnSpc>
               <a:buNone/>
-              <a:tabLst>
-                <a:tab algn="l" pos="0"/>
-              </a:tabLst>
             </a:pPr>
             <a:r>
               <a:rPr b="0" lang="en-CA" sz="4200" strike="noStrike" u="none">
@@ -5321,13 +4799,13 @@
       <p:sp>
         <p:nvSpPr>
           <p:cNvPr id="101" name=""/>
-          <p:cNvSpPr/>
+          <p:cNvSpPr txBox="1"/>
           <p:nvPr/>
         </p:nvSpPr>
         <p:spPr>
           <a:xfrm>
             <a:off x="720000" y="2245320"/>
-            <a:ext cx="5075640" cy="2379960"/>
+            <a:ext cx="5076000" cy="2380320"/>
           </a:xfrm>
           <a:prstGeom prst="rect">
             <a:avLst/>
@@ -5337,22 +4815,11 @@
             <a:noFill/>
           </a:ln>
         </p:spPr>
-        <p:style>
-          <a:lnRef idx="0"/>
-          <a:fillRef idx="0"/>
-          <a:effectRef idx="0"/>
-          <a:fontRef idx="minor"/>
-        </p:style>
         <p:txBody>
           <a:bodyPr lIns="0" rIns="0" tIns="0" bIns="0" anchor="t">
             <a:noAutofit/>
           </a:bodyPr>
           <a:p>
-            <a:pPr>
-              <a:lnSpc>
-                <a:spcPct val="100000"/>
-              </a:lnSpc>
-            </a:pPr>
             <a:r>
               <a:rPr b="0" lang="en-CA" sz="1500" strike="noStrike" u="none">
                 <a:solidFill>
@@ -5417,11 +4884,6 @@
             </a:endParaRPr>
           </a:p>
           <a:p>
-            <a:pPr>
-              <a:lnSpc>
-                <a:spcPct val="100000"/>
-              </a:lnSpc>
-            </a:pPr>
             <a:endParaRPr b="0" lang="en-CA" sz="1500" strike="noStrike" u="none">
               <a:solidFill>
                 <a:srgbClr val="000000"/>
@@ -5431,11 +4893,6 @@
             </a:endParaRPr>
           </a:p>
           <a:p>
-            <a:pPr>
-              <a:lnSpc>
-                <a:spcPct val="100000"/>
-              </a:lnSpc>
-            </a:pPr>
             <a:r>
               <a:rPr b="0" lang="en-CA" sz="1500" strike="noStrike" u="none">
                 <a:solidFill>
@@ -5470,7 +4927,7 @@
         <p:spPr>
           <a:xfrm>
             <a:off x="720000" y="1536120"/>
-            <a:ext cx="5975640" cy="551520"/>
+            <a:ext cx="5976000" cy="551880"/>
           </a:xfrm>
           <a:prstGeom prst="rect">
             <a:avLst/>
@@ -5486,13 +4943,7 @@
           </a:bodyPr>
           <a:p>
             <a:pPr indent="0">
-              <a:lnSpc>
-                <a:spcPct val="100000"/>
-              </a:lnSpc>
               <a:buNone/>
-              <a:tabLst>
-                <a:tab algn="l" pos="0"/>
-              </a:tabLst>
             </a:pPr>
             <a:r>
               <a:rPr b="0" lang="en-CA" sz="3200" strike="noStrike" u="none">
@@ -5523,7 +4974,7 @@
         <p:spPr>
           <a:xfrm>
             <a:off x="6120000" y="1980000"/>
-            <a:ext cx="3527640" cy="3203640"/>
+            <a:ext cx="3528000" cy="3204000"/>
           </a:xfrm>
           <a:prstGeom prst="rect">
             <a:avLst/>
@@ -5551,18 +5002,12 @@
             <a:noAutofit/>
           </a:bodyPr>
           <a:p>
-            <a:pPr>
-              <a:lnSpc>
-                <a:spcPct val="100000"/>
-              </a:lnSpc>
-            </a:pPr>
             <a:endParaRPr b="0" lang="en-CA" sz="1800" strike="noStrike" u="none">
               <a:solidFill>
                 <a:srgbClr val="ffffff"/>
               </a:solidFill>
               <a:uFillTx/>
               <a:latin typeface="Arial"/>
-              <a:ea typeface="DejaVu Sans"/>
             </a:endParaRPr>
           </a:p>
         </p:txBody>
@@ -5570,13 +5015,13 @@
       <p:sp>
         <p:nvSpPr>
           <p:cNvPr id="104" name=""/>
-          <p:cNvSpPr/>
+          <p:cNvSpPr txBox="1"/>
           <p:nvPr/>
         </p:nvSpPr>
         <p:spPr>
           <a:xfrm>
             <a:off x="6300000" y="2124000"/>
-            <a:ext cx="3239640" cy="2876400"/>
+            <a:ext cx="3240000" cy="2876760"/>
           </a:xfrm>
           <a:prstGeom prst="rect">
             <a:avLst/>
@@ -5586,22 +5031,12 @@
             <a:noFill/>
           </a:ln>
         </p:spPr>
-        <p:style>
-          <a:lnRef idx="0"/>
-          <a:fillRef idx="0"/>
-          <a:effectRef idx="0"/>
-          <a:fontRef idx="minor"/>
-        </p:style>
         <p:txBody>
           <a:bodyPr lIns="90000" rIns="90000" tIns="45000" bIns="45000" anchor="t">
             <a:noAutofit/>
           </a:bodyPr>
           <a:p>
-            <a:pPr algn="r">
-              <a:lnSpc>
-                <a:spcPct val="100000"/>
-              </a:lnSpc>
-            </a:pPr>
+            <a:pPr algn="r"/>
             <a:r>
               <a:rPr b="0" lang="en-CA" sz="1300" strike="noStrike" u="none">
                 <a:solidFill>
@@ -5622,11 +5057,7 @@
             </a:endParaRPr>
           </a:p>
           <a:p>
-            <a:pPr algn="r">
-              <a:lnSpc>
-                <a:spcPct val="100000"/>
-              </a:lnSpc>
-            </a:pPr>
+            <a:pPr algn="r"/>
             <a:r>
               <a:rPr b="0" lang="en-CA" sz="1300" strike="noStrike" u="none">
                 <a:solidFill>
@@ -5647,11 +5078,7 @@
             </a:endParaRPr>
           </a:p>
           <a:p>
-            <a:pPr algn="r">
-              <a:lnSpc>
-                <a:spcPct val="100000"/>
-              </a:lnSpc>
-            </a:pPr>
+            <a:pPr algn="r"/>
             <a:r>
               <a:rPr b="0" lang="en-CA" sz="1300" strike="noStrike" u="none">
                 <a:solidFill>
@@ -5672,11 +5099,7 @@
             </a:endParaRPr>
           </a:p>
           <a:p>
-            <a:pPr algn="r">
-              <a:lnSpc>
-                <a:spcPct val="100000"/>
-              </a:lnSpc>
-            </a:pPr>
+            <a:pPr algn="r"/>
             <a:r>
               <a:rPr b="0" lang="en-CA" sz="1300" strike="noStrike" u="none">
                 <a:solidFill>
@@ -5697,11 +5120,7 @@
             </a:endParaRPr>
           </a:p>
           <a:p>
-            <a:pPr algn="r">
-              <a:lnSpc>
-                <a:spcPct val="100000"/>
-              </a:lnSpc>
-            </a:pPr>
+            <a:pPr algn="r"/>
             <a:r>
               <a:rPr b="0" lang="en-CA" sz="1300" strike="noStrike" u="none">
                 <a:solidFill>
@@ -5722,11 +5141,7 @@
             </a:endParaRPr>
           </a:p>
           <a:p>
-            <a:pPr algn="r">
-              <a:lnSpc>
-                <a:spcPct val="100000"/>
-              </a:lnSpc>
-            </a:pPr>
+            <a:pPr algn="r"/>
             <a:endParaRPr b="0" lang="en-CA" sz="1300" strike="noStrike" u="none">
               <a:solidFill>
                 <a:srgbClr val="000000"/>
@@ -5736,11 +5151,7 @@
             </a:endParaRPr>
           </a:p>
           <a:p>
-            <a:pPr algn="r">
-              <a:lnSpc>
-                <a:spcPct val="100000"/>
-              </a:lnSpc>
-            </a:pPr>
+            <a:pPr algn="r"/>
             <a:r>
               <a:rPr b="0" lang="en-CA" sz="1300" strike="noStrike" u="none">
                 <a:solidFill>
@@ -5761,11 +5172,7 @@
             </a:endParaRPr>
           </a:p>
           <a:p>
-            <a:pPr algn="r">
-              <a:lnSpc>
-                <a:spcPct val="100000"/>
-              </a:lnSpc>
-            </a:pPr>
+            <a:pPr algn="r"/>
             <a:endParaRPr b="0" lang="en-CA" sz="1300" strike="noStrike" u="none">
               <a:solidFill>
                 <a:srgbClr val="000000"/>
@@ -5775,11 +5182,7 @@
             </a:endParaRPr>
           </a:p>
           <a:p>
-            <a:pPr algn="r">
-              <a:lnSpc>
-                <a:spcPct val="100000"/>
-              </a:lnSpc>
-            </a:pPr>
+            <a:pPr algn="r"/>
             <a:r>
               <a:rPr b="0" lang="en-CA" sz="1300" strike="noStrike" u="none">
                 <a:solidFill>
@@ -5848,7 +5251,7 @@
         <p:spPr>
           <a:xfrm>
             <a:off x="432000" y="684000"/>
-            <a:ext cx="9215640" cy="4499640"/>
+            <a:ext cx="9216000" cy="4500000"/>
           </a:xfrm>
           <a:prstGeom prst="rect">
             <a:avLst/>
@@ -5876,18 +5279,12 @@
             <a:noAutofit/>
           </a:bodyPr>
           <a:p>
-            <a:pPr>
-              <a:lnSpc>
-                <a:spcPct val="100000"/>
-              </a:lnSpc>
-            </a:pPr>
             <a:endParaRPr b="0" lang="en-CA" sz="1800" strike="noStrike" u="none">
               <a:solidFill>
                 <a:srgbClr val="000000"/>
               </a:solidFill>
               <a:uFillTx/>
               <a:latin typeface="Arial"/>
-              <a:ea typeface="DejaVu Sans"/>
             </a:endParaRPr>
           </a:p>
         </p:txBody>
@@ -5905,7 +5302,7 @@
         <p:spPr>
           <a:xfrm>
             <a:off x="684000" y="864000"/>
-            <a:ext cx="6767640" cy="637560"/>
+            <a:ext cx="6768000" cy="637920"/>
           </a:xfrm>
           <a:prstGeom prst="rect">
             <a:avLst/>
@@ -5921,13 +5318,7 @@
           </a:bodyPr>
           <a:p>
             <a:pPr indent="0">
-              <a:lnSpc>
-                <a:spcPct val="100000"/>
-              </a:lnSpc>
               <a:buNone/>
-              <a:tabLst>
-                <a:tab algn="l" pos="0"/>
-              </a:tabLst>
             </a:pPr>
             <a:r>
               <a:rPr b="0" lang="en-CA" sz="4200" strike="noStrike" u="none">
@@ -5952,13 +5343,13 @@
       <p:sp>
         <p:nvSpPr>
           <p:cNvPr id="107" name=""/>
-          <p:cNvSpPr/>
+          <p:cNvSpPr txBox="1"/>
           <p:nvPr/>
         </p:nvSpPr>
         <p:spPr>
           <a:xfrm>
             <a:off x="720000" y="2245320"/>
-            <a:ext cx="4499640" cy="2379960"/>
+            <a:ext cx="4500000" cy="2380320"/>
           </a:xfrm>
           <a:prstGeom prst="rect">
             <a:avLst/>
@@ -5968,22 +5359,11 @@
             <a:noFill/>
           </a:ln>
         </p:spPr>
-        <p:style>
-          <a:lnRef idx="0"/>
-          <a:fillRef idx="0"/>
-          <a:effectRef idx="0"/>
-          <a:fontRef idx="minor"/>
-        </p:style>
         <p:txBody>
           <a:bodyPr lIns="0" rIns="0" tIns="0" bIns="0" anchor="t">
             <a:noAutofit/>
           </a:bodyPr>
           <a:p>
-            <a:pPr>
-              <a:lnSpc>
-                <a:spcPct val="100000"/>
-              </a:lnSpc>
-            </a:pPr>
             <a:r>
               <a:rPr b="0" lang="en-CA" sz="1500" strike="noStrike" u="none">
                 <a:solidFill>
@@ -6004,11 +5384,6 @@
             </a:endParaRPr>
           </a:p>
           <a:p>
-            <a:pPr>
-              <a:lnSpc>
-                <a:spcPct val="100000"/>
-              </a:lnSpc>
-            </a:pPr>
             <a:endParaRPr b="0" lang="en-CA" sz="1500" strike="noStrike" u="none">
               <a:solidFill>
                 <a:srgbClr val="000000"/>
@@ -6018,11 +5393,6 @@
             </a:endParaRPr>
           </a:p>
           <a:p>
-            <a:pPr>
-              <a:lnSpc>
-                <a:spcPct val="100000"/>
-              </a:lnSpc>
-            </a:pPr>
             <a:r>
               <a:rPr b="0" lang="en-CA" sz="1500" strike="noStrike" u="none">
                 <a:solidFill>
@@ -6068,7 +5438,7 @@
         <p:spPr>
           <a:xfrm>
             <a:off x="720000" y="1536120"/>
-            <a:ext cx="5975640" cy="551520"/>
+            <a:ext cx="5976000" cy="551880"/>
           </a:xfrm>
           <a:prstGeom prst="rect">
             <a:avLst/>
@@ -6084,13 +5454,7 @@
           </a:bodyPr>
           <a:p>
             <a:pPr indent="0">
-              <a:lnSpc>
-                <a:spcPct val="100000"/>
-              </a:lnSpc>
               <a:buNone/>
-              <a:tabLst>
-                <a:tab algn="l" pos="0"/>
-              </a:tabLst>
             </a:pPr>
             <a:r>
               <a:rPr b="0" lang="en-CA" sz="3200" strike="noStrike" u="none">
@@ -6127,7 +5491,7 @@
         <p:spPr>
           <a:xfrm>
             <a:off x="6516000" y="896400"/>
-            <a:ext cx="2915640" cy="4101480"/>
+            <a:ext cx="2916000" cy="4101840"/>
           </a:xfrm>
           <a:prstGeom prst="rect">
             <a:avLst/>
@@ -6185,7 +5549,7 @@
         <p:spPr>
           <a:xfrm>
             <a:off x="288000" y="720000"/>
-            <a:ext cx="9539640" cy="4319640"/>
+            <a:ext cx="9540000" cy="4320000"/>
           </a:xfrm>
           <a:prstGeom prst="rect">
             <a:avLst/>
@@ -6213,18 +5577,12 @@
             <a:noAutofit/>
           </a:bodyPr>
           <a:p>
-            <a:pPr>
-              <a:lnSpc>
-                <a:spcPct val="100000"/>
-              </a:lnSpc>
-            </a:pPr>
             <a:endParaRPr b="0" lang="en-CA" sz="1800" strike="noStrike" u="none">
               <a:solidFill>
                 <a:srgbClr val="000000"/>
               </a:solidFill>
               <a:uFillTx/>
               <a:latin typeface="Arial"/>
-              <a:ea typeface="DejaVu Sans"/>
             </a:endParaRPr>
           </a:p>
         </p:txBody>
@@ -6241,8 +5599,8 @@
         </p:nvSpPr>
         <p:spPr>
           <a:xfrm>
-            <a:off x="540000" y="900000"/>
-            <a:ext cx="6767640" cy="637560"/>
+            <a:off x="540000" y="936000"/>
+            <a:ext cx="6768000" cy="637920"/>
           </a:xfrm>
           <a:prstGeom prst="rect">
             <a:avLst/>
@@ -6258,13 +5616,7 @@
           </a:bodyPr>
           <a:p>
             <a:pPr indent="0">
-              <a:lnSpc>
-                <a:spcPct val="100000"/>
-              </a:lnSpc>
               <a:buNone/>
-              <a:tabLst>
-                <a:tab algn="l" pos="0"/>
-              </a:tabLst>
             </a:pPr>
             <a:r>
               <a:rPr b="0" lang="en-CA" sz="4200" strike="noStrike" u="none">
@@ -6298,8 +5650,8 @@
         </p:nvSpPr>
         <p:spPr>
           <a:xfrm>
-            <a:off x="540000" y="1641960"/>
-            <a:ext cx="9107640" cy="3037680"/>
+            <a:off x="540000" y="1713960"/>
+            <a:ext cx="9108000" cy="3038040"/>
           </a:xfrm>
           <a:prstGeom prst="rect">
             <a:avLst/>
@@ -6315,13 +5667,7 @@
           </a:bodyPr>
           <a:p>
             <a:pPr indent="0">
-              <a:lnSpc>
-                <a:spcPct val="100000"/>
-              </a:lnSpc>
               <a:buNone/>
-              <a:tabLst>
-                <a:tab algn="l" pos="0"/>
-              </a:tabLst>
             </a:pPr>
             <a:r>
               <a:rPr b="0" lang="en-CA" sz="1600" strike="noStrike" u="none">
@@ -6332,7 +5678,18 @@
                 <a:latin typeface="Franklin Gothic Medium"/>
                 <a:ea typeface="Arial"/>
               </a:rPr>
-              <a:t>I’m Dana Rosamund Teagle, and I’m a designer, web/software developer, and trans woman based in Tkaronto (Toronto), Ontario. I’ve led workshops on name and gender marker changes since 2021, and now run a online resource called TG I.D., which collects information on how to update legal names, gender markers, and identity documents in Ontario.</a:t>
+              <a:t>I’m Dana Rosamund Teagle, and I’m a designer, web/software developer, and trans woman based in Tkaronto (Toronto), Ontario. I’ve led workshops on name and gender marker changes since 2021, and now run a online resource called TG I.D., which </a:t>
+            </a:r>
+            <a:r>
+              <a:rPr b="0" lang="en-CA" sz="1600" strike="noStrike" u="none">
+                <a:solidFill>
+                  <a:srgbClr val="282b20"/>
+                </a:solidFill>
+                <a:uFillTx/>
+                <a:latin typeface="Franklin Gothic Medium"/>
+                <a:ea typeface="Arial"/>
+              </a:rPr>
+              <a:t>collects information on how to update legal names, gender markers, and identity documents in Ontario.</a:t>
             </a:r>
             <a:endParaRPr b="0" lang="en-CA" sz="1600" strike="noStrike" u="none">
               <a:solidFill>
@@ -6344,13 +5701,7 @@
           </a:p>
           <a:p>
             <a:pPr indent="0">
-              <a:lnSpc>
-                <a:spcPct val="100000"/>
-              </a:lnSpc>
               <a:buNone/>
-              <a:tabLst>
-                <a:tab algn="l" pos="0"/>
-              </a:tabLst>
             </a:pPr>
             <a:endParaRPr b="0" lang="en-CA" sz="800" strike="noStrike" u="none">
               <a:solidFill>
@@ -6362,9 +5713,6 @@
           </a:p>
           <a:p>
             <a:pPr indent="0">
-              <a:lnSpc>
-                <a:spcPct val="100000"/>
-              </a:lnSpc>
               <a:spcBef>
                 <a:spcPts val="1191"/>
               </a:spcBef>
@@ -6372,9 +5720,6 @@
                 <a:spcPts val="992"/>
               </a:spcAft>
               <a:buNone/>
-              <a:tabLst>
-                <a:tab algn="l" pos="0"/>
-              </a:tabLst>
             </a:pPr>
             <a:r>
               <a:rPr b="0" lang="en-CA" sz="1600" strike="noStrike" u="none">
@@ -6397,13 +5742,7 @@
           </a:p>
           <a:p>
             <a:pPr indent="0">
-              <a:lnSpc>
-                <a:spcPct val="100000"/>
-              </a:lnSpc>
               <a:buNone/>
-              <a:tabLst>
-                <a:tab algn="l" pos="0"/>
-              </a:tabLst>
             </a:pPr>
             <a:endParaRPr b="0" lang="en-CA" sz="800" strike="noStrike" u="none">
               <a:solidFill>
@@ -6415,13 +5754,7 @@
           </a:p>
           <a:p>
             <a:pPr indent="0">
-              <a:lnSpc>
-                <a:spcPct val="100000"/>
-              </a:lnSpc>
               <a:buNone/>
-              <a:tabLst>
-                <a:tab algn="l" pos="0"/>
-              </a:tabLst>
             </a:pPr>
             <a:r>
               <a:rPr b="0" lang="en-CA" sz="1600" strike="noStrike" u="none">
@@ -6491,7 +5824,7 @@
         <p:spPr>
           <a:xfrm>
             <a:off x="432000" y="720000"/>
-            <a:ext cx="9215640" cy="4319640"/>
+            <a:ext cx="9216000" cy="4320000"/>
           </a:xfrm>
           <a:prstGeom prst="rect">
             <a:avLst/>
@@ -6519,18 +5852,12 @@
             <a:noAutofit/>
           </a:bodyPr>
           <a:p>
-            <a:pPr>
-              <a:lnSpc>
-                <a:spcPct val="100000"/>
-              </a:lnSpc>
-            </a:pPr>
             <a:endParaRPr b="0" lang="en-CA" sz="1800" strike="noStrike" u="none">
               <a:solidFill>
                 <a:srgbClr val="000000"/>
               </a:solidFill>
               <a:uFillTx/>
               <a:latin typeface="Arial"/>
-              <a:ea typeface="DejaVu Sans"/>
             </a:endParaRPr>
           </a:p>
         </p:txBody>
@@ -6547,8 +5874,8 @@
         </p:nvSpPr>
         <p:spPr>
           <a:xfrm>
-            <a:off x="684000" y="867240"/>
-            <a:ext cx="8855640" cy="605160"/>
+            <a:off x="684000" y="939240"/>
+            <a:ext cx="8856000" cy="605520"/>
           </a:xfrm>
           <a:prstGeom prst="rect">
             <a:avLst/>
@@ -6564,13 +5891,7 @@
           </a:bodyPr>
           <a:p>
             <a:pPr indent="0">
-              <a:lnSpc>
-                <a:spcPct val="100000"/>
-              </a:lnSpc>
               <a:buNone/>
-              <a:tabLst>
-                <a:tab algn="l" pos="0"/>
-              </a:tabLst>
             </a:pPr>
             <a:r>
               <a:rPr b="0" lang="en-CA" sz="4200" strike="noStrike" u="none">
@@ -6604,8 +5925,8 @@
         </p:nvSpPr>
         <p:spPr>
           <a:xfrm>
-            <a:off x="720000" y="1533960"/>
-            <a:ext cx="8639640" cy="661680"/>
+            <a:off x="720000" y="1677960"/>
+            <a:ext cx="8640000" cy="662040"/>
           </a:xfrm>
           <a:prstGeom prst="rect">
             <a:avLst/>
@@ -6621,13 +5942,7 @@
           </a:bodyPr>
           <a:p>
             <a:pPr indent="0">
-              <a:lnSpc>
-                <a:spcPct val="100000"/>
-              </a:lnSpc>
               <a:buNone/>
-              <a:tabLst>
-                <a:tab algn="l" pos="0"/>
-              </a:tabLst>
             </a:pPr>
             <a:r>
               <a:rPr b="0" lang="en-CA" sz="1600" strike="noStrike" u="sng">
@@ -6650,13 +5965,7 @@
           </a:p>
           <a:p>
             <a:pPr indent="0">
-              <a:lnSpc>
-                <a:spcPct val="100000"/>
-              </a:lnSpc>
               <a:buNone/>
-              <a:tabLst>
-                <a:tab algn="l" pos="0"/>
-              </a:tabLst>
             </a:pPr>
             <a:r>
               <a:rPr b="0" lang="en-CA" sz="1600" strike="noStrike" u="sng">
@@ -6682,13 +5991,13 @@
       <p:sp>
         <p:nvSpPr>
           <p:cNvPr id="113" name=""/>
-          <p:cNvSpPr/>
+          <p:cNvSpPr txBox="1"/>
           <p:nvPr/>
         </p:nvSpPr>
         <p:spPr>
           <a:xfrm>
-            <a:off x="720000" y="2181960"/>
-            <a:ext cx="8639640" cy="3245400"/>
+            <a:off x="720000" y="2325960"/>
+            <a:ext cx="8640000" cy="3245760"/>
           </a:xfrm>
           <a:prstGeom prst="rect">
             <a:avLst/>
@@ -6698,22 +6007,11 @@
             <a:noFill/>
           </a:ln>
         </p:spPr>
-        <p:style>
-          <a:lnRef idx="0"/>
-          <a:fillRef idx="0"/>
-          <a:effectRef idx="0"/>
-          <a:fontRef idx="minor"/>
-        </p:style>
         <p:txBody>
           <a:bodyPr lIns="0" rIns="0" tIns="0" bIns="0" anchor="t">
             <a:noAutofit/>
           </a:bodyPr>
           <a:p>
-            <a:pPr>
-              <a:lnSpc>
-                <a:spcPct val="100000"/>
-              </a:lnSpc>
-            </a:pPr>
             <a:r>
               <a:rPr b="0" lang="en-CA" sz="1450" strike="noStrike" u="none">
                 <a:solidFill>
@@ -6756,11 +6054,6 @@
             </a:endParaRPr>
           </a:p>
           <a:p>
-            <a:pPr>
-              <a:lnSpc>
-                <a:spcPct val="100000"/>
-              </a:lnSpc>
-            </a:pPr>
             <a:endParaRPr b="0" lang="en-CA" sz="1450" strike="noStrike" u="none">
               <a:solidFill>
                 <a:srgbClr val="000000"/>
@@ -6770,11 +6063,6 @@
             </a:endParaRPr>
           </a:p>
           <a:p>
-            <a:pPr>
-              <a:lnSpc>
-                <a:spcPct val="100000"/>
-              </a:lnSpc>
-            </a:pPr>
             <a:r>
               <a:rPr b="1" i="1" lang="en-CA" sz="1450" strike="noStrike" u="none">
                 <a:solidFill>
@@ -6817,11 +6105,6 @@
             </a:endParaRPr>
           </a:p>
           <a:p>
-            <a:pPr>
-              <a:lnSpc>
-                <a:spcPct val="100000"/>
-              </a:lnSpc>
-            </a:pPr>
             <a:endParaRPr b="0" lang="en-CA" sz="1450" strike="noStrike" u="none">
               <a:solidFill>
                 <a:srgbClr val="000000"/>
@@ -6831,11 +6114,6 @@
             </a:endParaRPr>
           </a:p>
           <a:p>
-            <a:pPr>
-              <a:lnSpc>
-                <a:spcPct val="100000"/>
-              </a:lnSpc>
-            </a:pPr>
             <a:r>
               <a:rPr b="1" i="1" lang="en-CA" sz="1450" strike="noStrike" u="none">
                 <a:solidFill>
@@ -6867,11 +6145,6 @@
             </a:endParaRPr>
           </a:p>
           <a:p>
-            <a:pPr>
-              <a:lnSpc>
-                <a:spcPct val="100000"/>
-              </a:lnSpc>
-            </a:pPr>
             <a:endParaRPr b="0" lang="en-CA" sz="1450" strike="noStrike" u="none">
               <a:solidFill>
                 <a:srgbClr val="000000"/>
@@ -6881,11 +6154,6 @@
             </a:endParaRPr>
           </a:p>
           <a:p>
-            <a:pPr>
-              <a:lnSpc>
-                <a:spcPct val="100000"/>
-              </a:lnSpc>
-            </a:pPr>
             <a:r>
               <a:rPr b="1" i="1" lang="en-CA" sz="1450" strike="noStrike" u="none">
                 <a:solidFill>
@@ -6965,7 +6233,7 @@
         <p:spPr>
           <a:xfrm>
             <a:off x="432000" y="720000"/>
-            <a:ext cx="9215640" cy="4319640"/>
+            <a:ext cx="9216000" cy="4320000"/>
           </a:xfrm>
           <a:prstGeom prst="rect">
             <a:avLst/>
@@ -6993,18 +6261,12 @@
             <a:noAutofit/>
           </a:bodyPr>
           <a:p>
-            <a:pPr>
-              <a:lnSpc>
-                <a:spcPct val="100000"/>
-              </a:lnSpc>
-            </a:pPr>
             <a:endParaRPr b="0" lang="en-CA" sz="1800" strike="noStrike" u="none">
               <a:solidFill>
                 <a:srgbClr val="000000"/>
               </a:solidFill>
               <a:uFillTx/>
               <a:latin typeface="Arial"/>
-              <a:ea typeface="DejaVu Sans"/>
             </a:endParaRPr>
           </a:p>
         </p:txBody>
@@ -7021,8 +6283,8 @@
         </p:nvSpPr>
         <p:spPr>
           <a:xfrm>
-            <a:off x="684000" y="867240"/>
-            <a:ext cx="8855640" cy="605160"/>
+            <a:off x="684000" y="939240"/>
+            <a:ext cx="8856000" cy="605520"/>
           </a:xfrm>
           <a:prstGeom prst="rect">
             <a:avLst/>
@@ -7038,13 +6300,7 @@
           </a:bodyPr>
           <a:p>
             <a:pPr indent="0">
-              <a:lnSpc>
-                <a:spcPct val="100000"/>
-              </a:lnSpc>
               <a:buNone/>
-              <a:tabLst>
-                <a:tab algn="l" pos="0"/>
-              </a:tabLst>
             </a:pPr>
             <a:r>
               <a:rPr b="0" lang="en-CA" sz="4200" strike="noStrike" u="none">
@@ -7069,13 +6325,13 @@
       <p:sp>
         <p:nvSpPr>
           <p:cNvPr id="116" name=""/>
-          <p:cNvSpPr/>
+          <p:cNvSpPr txBox="1"/>
           <p:nvPr/>
         </p:nvSpPr>
         <p:spPr>
           <a:xfrm>
-            <a:off x="720000" y="2073960"/>
-            <a:ext cx="6299640" cy="3245400"/>
+            <a:off x="720000" y="2217960"/>
+            <a:ext cx="6300000" cy="3245760"/>
           </a:xfrm>
           <a:prstGeom prst="rect">
             <a:avLst/>
@@ -7085,22 +6341,11 @@
             <a:noFill/>
           </a:ln>
         </p:spPr>
-        <p:style>
-          <a:lnRef idx="0"/>
-          <a:fillRef idx="0"/>
-          <a:effectRef idx="0"/>
-          <a:fontRef idx="minor"/>
-        </p:style>
         <p:txBody>
           <a:bodyPr lIns="0" rIns="0" tIns="0" bIns="0" anchor="t">
             <a:noAutofit/>
           </a:bodyPr>
           <a:p>
-            <a:pPr>
-              <a:lnSpc>
-                <a:spcPct val="100000"/>
-              </a:lnSpc>
-            </a:pPr>
             <a:r>
               <a:rPr b="0" lang="en-CA" sz="1400" strike="noStrike" u="none">
                 <a:solidFill>
@@ -7121,11 +6366,6 @@
             </a:endParaRPr>
           </a:p>
           <a:p>
-            <a:pPr>
-              <a:lnSpc>
-                <a:spcPct val="100000"/>
-              </a:lnSpc>
-            </a:pPr>
             <a:endParaRPr b="0" lang="en-CA" sz="1400" strike="noStrike" u="none">
               <a:solidFill>
                 <a:srgbClr val="000000"/>
@@ -7136,9 +6376,6 @@
           </a:p>
           <a:p>
             <a:pPr marL="216000" indent="-216000">
-              <a:lnSpc>
-                <a:spcPct val="100000"/>
-              </a:lnSpc>
               <a:buClr>
                 <a:srgbClr val="000000"/>
               </a:buClr>
@@ -7177,9 +6414,6 @@
           </a:p>
           <a:p>
             <a:pPr marL="216000" indent="-216000">
-              <a:lnSpc>
-                <a:spcPct val="100000"/>
-              </a:lnSpc>
               <a:buClr>
                 <a:srgbClr val="000000"/>
               </a:buClr>
@@ -7217,10 +6451,12 @@
             </a:endParaRPr>
           </a:p>
           <a:p>
-            <a:pPr>
-              <a:lnSpc>
-                <a:spcPct val="100000"/>
-              </a:lnSpc>
+            <a:pPr marL="216000" indent="-216000">
+              <a:buClr>
+                <a:srgbClr val="000000"/>
+              </a:buClr>
+              <a:buFont typeface="OpenSymbol"/>
+              <a:buAutoNum type="arabicParenR"/>
             </a:pPr>
             <a:endParaRPr b="0" lang="en-CA" sz="1400" strike="noStrike" u="none">
               <a:solidFill>
@@ -7231,11 +6467,6 @@
             </a:endParaRPr>
           </a:p>
           <a:p>
-            <a:pPr>
-              <a:lnSpc>
-                <a:spcPct val="100000"/>
-              </a:lnSpc>
-            </a:pPr>
             <a:r>
               <a:rPr b="1" i="1" lang="en-CA" sz="1400" strike="noStrike" u="none">
                 <a:solidFill>
@@ -7280,8 +6511,8 @@
         </p:nvSpPr>
         <p:spPr>
           <a:xfrm>
-            <a:off x="720000" y="1464480"/>
-            <a:ext cx="5975640" cy="551520"/>
+            <a:off x="720000" y="1572480"/>
+            <a:ext cx="5976000" cy="551880"/>
           </a:xfrm>
           <a:prstGeom prst="rect">
             <a:avLst/>
@@ -7297,13 +6528,7 @@
           </a:bodyPr>
           <a:p>
             <a:pPr indent="0">
-              <a:lnSpc>
-                <a:spcPct val="100000"/>
-              </a:lnSpc>
               <a:buNone/>
-              <a:tabLst>
-                <a:tab algn="l" pos="0"/>
-              </a:tabLst>
             </a:pPr>
             <a:r>
               <a:rPr b="0" lang="en-CA" sz="3200" strike="noStrike" u="none">
@@ -7340,7 +6565,7 @@
         <p:spPr>
           <a:xfrm>
             <a:off x="7236000" y="1806840"/>
-            <a:ext cx="2159640" cy="1360800"/>
+            <a:ext cx="2160000" cy="1361160"/>
           </a:xfrm>
           <a:prstGeom prst="rect">
             <a:avLst/>
@@ -7367,7 +6592,7 @@
         <p:spPr>
           <a:xfrm>
             <a:off x="7236000" y="3420000"/>
-            <a:ext cx="2159640" cy="1360800"/>
+            <a:ext cx="2160000" cy="1361160"/>
           </a:xfrm>
           <a:prstGeom prst="rect">
             <a:avLst/>
@@ -7425,7 +6650,7 @@
         <p:spPr>
           <a:xfrm>
             <a:off x="432000" y="720000"/>
-            <a:ext cx="9215640" cy="4319640"/>
+            <a:ext cx="9216000" cy="4320000"/>
           </a:xfrm>
           <a:prstGeom prst="rect">
             <a:avLst/>
@@ -7453,18 +6678,12 @@
             <a:noAutofit/>
           </a:bodyPr>
           <a:p>
-            <a:pPr>
-              <a:lnSpc>
-                <a:spcPct val="100000"/>
-              </a:lnSpc>
-            </a:pPr>
             <a:endParaRPr b="0" lang="en-CA" sz="1800" strike="noStrike" u="none">
               <a:solidFill>
                 <a:srgbClr val="000000"/>
               </a:solidFill>
               <a:uFillTx/>
               <a:latin typeface="Arial"/>
-              <a:ea typeface="DejaVu Sans"/>
             </a:endParaRPr>
           </a:p>
         </p:txBody>
@@ -7481,8 +6700,8 @@
         </p:nvSpPr>
         <p:spPr>
           <a:xfrm>
-            <a:off x="684000" y="864000"/>
-            <a:ext cx="6767640" cy="637560"/>
+            <a:off x="684000" y="936000"/>
+            <a:ext cx="6768000" cy="637920"/>
           </a:xfrm>
           <a:prstGeom prst="rect">
             <a:avLst/>
@@ -7498,13 +6717,7 @@
           </a:bodyPr>
           <a:p>
             <a:pPr indent="0">
-              <a:lnSpc>
-                <a:spcPct val="100000"/>
-              </a:lnSpc>
               <a:buNone/>
-              <a:tabLst>
-                <a:tab algn="l" pos="0"/>
-              </a:tabLst>
             </a:pPr>
             <a:r>
               <a:rPr b="0" lang="en-CA" sz="4200" strike="noStrike" u="none">
@@ -7538,8 +6751,8 @@
         </p:nvSpPr>
         <p:spPr>
           <a:xfrm>
-            <a:off x="720000" y="1605960"/>
-            <a:ext cx="5579640" cy="920160"/>
+            <a:off x="720000" y="1677960"/>
+            <a:ext cx="5580000" cy="920520"/>
           </a:xfrm>
           <a:prstGeom prst="rect">
             <a:avLst/>
@@ -7555,13 +6768,7 @@
           </a:bodyPr>
           <a:p>
             <a:pPr indent="0">
-              <a:lnSpc>
-                <a:spcPct val="100000"/>
-              </a:lnSpc>
               <a:buNone/>
-              <a:tabLst>
-                <a:tab algn="l" pos="0"/>
-              </a:tabLst>
             </a:pPr>
             <a:r>
               <a:rPr b="0" lang="en-CA" sz="1600" strike="noStrike" u="sng">
@@ -7584,13 +6791,7 @@
           </a:p>
           <a:p>
             <a:pPr indent="0">
-              <a:lnSpc>
-                <a:spcPct val="100000"/>
-              </a:lnSpc>
               <a:buNone/>
-              <a:tabLst>
-                <a:tab algn="l" pos="0"/>
-              </a:tabLst>
             </a:pPr>
             <a:r>
               <a:rPr b="0" lang="en-CA" sz="1600" strike="noStrike" u="sng">
@@ -7616,13 +6817,13 @@
       <p:sp>
         <p:nvSpPr>
           <p:cNvPr id="123" name=""/>
-          <p:cNvSpPr/>
+          <p:cNvSpPr txBox="1"/>
           <p:nvPr/>
         </p:nvSpPr>
         <p:spPr>
           <a:xfrm>
-            <a:off x="720000" y="2469960"/>
-            <a:ext cx="5399640" cy="2281680"/>
+            <a:off x="720000" y="2541960"/>
+            <a:ext cx="5400000" cy="2282040"/>
           </a:xfrm>
           <a:prstGeom prst="rect">
             <a:avLst/>
@@ -7632,22 +6833,11 @@
             <a:noFill/>
           </a:ln>
         </p:spPr>
-        <p:style>
-          <a:lnRef idx="0"/>
-          <a:fillRef idx="0"/>
-          <a:effectRef idx="0"/>
-          <a:fontRef idx="minor"/>
-        </p:style>
         <p:txBody>
           <a:bodyPr lIns="0" rIns="0" tIns="0" bIns="0" anchor="t">
             <a:noAutofit/>
           </a:bodyPr>
           <a:p>
-            <a:pPr>
-              <a:lnSpc>
-                <a:spcPct val="100000"/>
-              </a:lnSpc>
-            </a:pPr>
             <a:r>
               <a:rPr b="0" lang="en-CA" sz="1500" strike="noStrike" u="none">
                 <a:solidFill>
@@ -7701,11 +6891,6 @@
             </a:endParaRPr>
           </a:p>
           <a:p>
-            <a:pPr>
-              <a:lnSpc>
-                <a:spcPct val="100000"/>
-              </a:lnSpc>
-            </a:pPr>
             <a:endParaRPr b="0" lang="en-CA" sz="1500" strike="noStrike" u="none">
               <a:solidFill>
                 <a:srgbClr val="000000"/>
@@ -7716,9 +6901,6 @@
           </a:p>
           <a:p>
             <a:pPr marL="216000" indent="-216000">
-              <a:lnSpc>
-                <a:spcPct val="100000"/>
-              </a:lnSpc>
               <a:buClr>
                 <a:srgbClr val="000000"/>
               </a:buClr>
@@ -7746,9 +6928,6 @@
           </a:p>
           <a:p>
             <a:pPr marL="216000" indent="-216000">
-              <a:lnSpc>
-                <a:spcPct val="100000"/>
-              </a:lnSpc>
               <a:buClr>
                 <a:srgbClr val="000000"/>
               </a:buClr>
@@ -7776,9 +6955,6 @@
           </a:p>
           <a:p>
             <a:pPr marL="216000" indent="-216000">
-              <a:lnSpc>
-                <a:spcPct val="100000"/>
-              </a:lnSpc>
               <a:buClr>
                 <a:srgbClr val="000000"/>
               </a:buClr>
@@ -7805,11 +6981,6 @@
             </a:endParaRPr>
           </a:p>
           <a:p>
-            <a:pPr>
-              <a:lnSpc>
-                <a:spcPct val="100000"/>
-              </a:lnSpc>
-            </a:pPr>
             <a:endParaRPr b="0" lang="en-CA" sz="1500" strike="noStrike" u="none">
               <a:solidFill>
                 <a:srgbClr val="000000"/>
@@ -7819,11 +6990,6 @@
             </a:endParaRPr>
           </a:p>
           <a:p>
-            <a:pPr>
-              <a:lnSpc>
-                <a:spcPct val="100000"/>
-              </a:lnSpc>
-            </a:pPr>
             <a:r>
               <a:rPr b="1" i="1" lang="en-CA" sz="1500" strike="noStrike" u="none">
                 <a:solidFill>
@@ -7860,7 +7026,7 @@
         <p:spPr>
           <a:xfrm>
             <a:off x="6300000" y="3046680"/>
-            <a:ext cx="3095640" cy="1744920"/>
+            <a:ext cx="3096000" cy="1745280"/>
           </a:xfrm>
           <a:prstGeom prst="rect">
             <a:avLst/>
@@ -7886,7 +7052,7 @@
         <p:spPr>
           <a:xfrm>
             <a:off x="6480000" y="972000"/>
-            <a:ext cx="2930400" cy="1883520"/>
+            <a:ext cx="2930760" cy="1883880"/>
           </a:xfrm>
           <a:prstGeom prst="rect">
             <a:avLst/>
@@ -7944,7 +7110,7 @@
         <p:spPr>
           <a:xfrm>
             <a:off x="432000" y="720000"/>
-            <a:ext cx="9215640" cy="4319640"/>
+            <a:ext cx="9216000" cy="4320000"/>
           </a:xfrm>
           <a:prstGeom prst="rect">
             <a:avLst/>
@@ -7972,18 +7138,12 @@
             <a:noAutofit/>
           </a:bodyPr>
           <a:p>
-            <a:pPr>
-              <a:lnSpc>
-                <a:spcPct val="100000"/>
-              </a:lnSpc>
-            </a:pPr>
             <a:endParaRPr b="0" lang="en-CA" sz="1800" strike="noStrike" u="none">
               <a:solidFill>
                 <a:srgbClr val="000000"/>
               </a:solidFill>
               <a:uFillTx/>
               <a:latin typeface="Arial"/>
-              <a:ea typeface="DejaVu Sans"/>
             </a:endParaRPr>
           </a:p>
         </p:txBody>
@@ -8000,8 +7160,8 @@
         </p:nvSpPr>
         <p:spPr>
           <a:xfrm>
-            <a:off x="684000" y="864000"/>
-            <a:ext cx="6767640" cy="637560"/>
+            <a:off x="684000" y="936000"/>
+            <a:ext cx="6768000" cy="637920"/>
           </a:xfrm>
           <a:prstGeom prst="rect">
             <a:avLst/>
@@ -8017,13 +7177,7 @@
           </a:bodyPr>
           <a:p>
             <a:pPr indent="0">
-              <a:lnSpc>
-                <a:spcPct val="100000"/>
-              </a:lnSpc>
               <a:buNone/>
-              <a:tabLst>
-                <a:tab algn="l" pos="0"/>
-              </a:tabLst>
             </a:pPr>
             <a:r>
               <a:rPr b="0" lang="en-CA" sz="4200" strike="noStrike" u="none">
@@ -8057,8 +7211,8 @@
         </p:nvSpPr>
         <p:spPr>
           <a:xfrm>
-            <a:off x="720000" y="1557360"/>
-            <a:ext cx="8639640" cy="1430280"/>
+            <a:off x="720000" y="1737360"/>
+            <a:ext cx="8640000" cy="1430640"/>
           </a:xfrm>
           <a:prstGeom prst="rect">
             <a:avLst/>
@@ -8074,13 +7228,7 @@
           </a:bodyPr>
           <a:p>
             <a:pPr indent="0">
-              <a:lnSpc>
-                <a:spcPct val="100000"/>
-              </a:lnSpc>
               <a:buNone/>
-              <a:tabLst>
-                <a:tab algn="l" pos="0"/>
-              </a:tabLst>
             </a:pPr>
             <a:r>
               <a:rPr b="0" lang="en-CA" sz="1600" strike="noStrike" u="sng">
@@ -8103,13 +7251,7 @@
           </a:p>
           <a:p>
             <a:pPr indent="0">
-              <a:lnSpc>
-                <a:spcPct val="100000"/>
-              </a:lnSpc>
               <a:buNone/>
-              <a:tabLst>
-                <a:tab algn="l" pos="0"/>
-              </a:tabLst>
             </a:pPr>
             <a:r>
               <a:rPr b="0" lang="en-CA" sz="1600" strike="noStrike" u="sng">
@@ -8132,13 +7274,7 @@
           </a:p>
           <a:p>
             <a:pPr indent="0">
-              <a:lnSpc>
-                <a:spcPct val="100000"/>
-              </a:lnSpc>
               <a:buNone/>
-              <a:tabLst>
-                <a:tab algn="l" pos="0"/>
-              </a:tabLst>
             </a:pPr>
             <a:r>
               <a:rPr b="0" lang="en-CA" sz="1600" strike="noStrike" u="sng">
@@ -8161,13 +7297,7 @@
           </a:p>
           <a:p>
             <a:pPr indent="0">
-              <a:lnSpc>
-                <a:spcPct val="100000"/>
-              </a:lnSpc>
               <a:buNone/>
-              <a:tabLst>
-                <a:tab algn="l" pos="0"/>
-              </a:tabLst>
             </a:pPr>
             <a:r>
               <a:rPr b="0" lang="en-CA" sz="1600" strike="noStrike" u="sng">
@@ -8193,13 +7323,13 @@
       <p:sp>
         <p:nvSpPr>
           <p:cNvPr id="129" name=""/>
-          <p:cNvSpPr/>
+          <p:cNvSpPr txBox="1"/>
           <p:nvPr/>
         </p:nvSpPr>
         <p:spPr>
           <a:xfrm>
-            <a:off x="720000" y="3240000"/>
-            <a:ext cx="8099640" cy="2379960"/>
+            <a:off x="720000" y="3384000"/>
+            <a:ext cx="8100000" cy="2380320"/>
           </a:xfrm>
           <a:prstGeom prst="rect">
             <a:avLst/>
@@ -8209,22 +7339,11 @@
             <a:noFill/>
           </a:ln>
         </p:spPr>
-        <p:style>
-          <a:lnRef idx="0"/>
-          <a:fillRef idx="0"/>
-          <a:effectRef idx="0"/>
-          <a:fontRef idx="minor"/>
-        </p:style>
         <p:txBody>
           <a:bodyPr lIns="0" rIns="0" tIns="0" bIns="0" anchor="t">
             <a:noAutofit/>
           </a:bodyPr>
           <a:p>
-            <a:pPr>
-              <a:lnSpc>
-                <a:spcPct val="100000"/>
-              </a:lnSpc>
-            </a:pPr>
             <a:r>
               <a:rPr b="0" lang="en-CA" sz="1700" strike="noStrike" u="none">
                 <a:solidFill>
@@ -8289,11 +7408,6 @@
             </a:endParaRPr>
           </a:p>
           <a:p>
-            <a:pPr>
-              <a:lnSpc>
-                <a:spcPct val="100000"/>
-              </a:lnSpc>
-            </a:pPr>
             <a:endParaRPr b="0" lang="en-CA" sz="1700" strike="noStrike" u="none">
               <a:solidFill>
                 <a:srgbClr val="000000"/>
@@ -8303,11 +7417,6 @@
             </a:endParaRPr>
           </a:p>
           <a:p>
-            <a:pPr>
-              <a:lnSpc>
-                <a:spcPct val="100000"/>
-              </a:lnSpc>
-            </a:pPr>
             <a:r>
               <a:rPr b="0" lang="en-CA" sz="1700" strike="noStrike" u="none">
                 <a:solidFill>
@@ -8387,7 +7496,7 @@
         <p:spPr>
           <a:xfrm>
             <a:off x="432000" y="720000"/>
-            <a:ext cx="9215640" cy="4319640"/>
+            <a:ext cx="9216000" cy="4320000"/>
           </a:xfrm>
           <a:prstGeom prst="rect">
             <a:avLst/>
@@ -8415,18 +7524,12 @@
             <a:noAutofit/>
           </a:bodyPr>
           <a:p>
-            <a:pPr>
-              <a:lnSpc>
-                <a:spcPct val="100000"/>
-              </a:lnSpc>
-            </a:pPr>
             <a:endParaRPr b="0" lang="en-CA" sz="1800" strike="noStrike" u="none">
               <a:solidFill>
                 <a:srgbClr val="000000"/>
               </a:solidFill>
               <a:uFillTx/>
               <a:latin typeface="Arial"/>
-              <a:ea typeface="DejaVu Sans"/>
             </a:endParaRPr>
           </a:p>
         </p:txBody>
@@ -8443,8 +7546,8 @@
         </p:nvSpPr>
         <p:spPr>
           <a:xfrm>
-            <a:off x="684000" y="864000"/>
-            <a:ext cx="6767640" cy="637560"/>
+            <a:off x="684000" y="936000"/>
+            <a:ext cx="6768000" cy="637920"/>
           </a:xfrm>
           <a:prstGeom prst="rect">
             <a:avLst/>
@@ -8460,13 +7563,7 @@
           </a:bodyPr>
           <a:p>
             <a:pPr indent="0">
-              <a:lnSpc>
-                <a:spcPct val="100000"/>
-              </a:lnSpc>
               <a:buNone/>
-              <a:tabLst>
-                <a:tab algn="l" pos="0"/>
-              </a:tabLst>
             </a:pPr>
             <a:r>
               <a:rPr b="0" lang="en-CA" sz="4200" strike="noStrike" u="none">
@@ -8491,13 +7588,13 @@
       <p:sp>
         <p:nvSpPr>
           <p:cNvPr id="132" name=""/>
-          <p:cNvSpPr/>
+          <p:cNvSpPr txBox="1"/>
           <p:nvPr/>
         </p:nvSpPr>
         <p:spPr>
           <a:xfrm>
-            <a:off x="720000" y="2155320"/>
-            <a:ext cx="8639640" cy="2616120"/>
+            <a:off x="720000" y="2227320"/>
+            <a:ext cx="8640000" cy="2616480"/>
           </a:xfrm>
           <a:prstGeom prst="rect">
             <a:avLst/>
@@ -8507,22 +7604,11 @@
             <a:noFill/>
           </a:ln>
         </p:spPr>
-        <p:style>
-          <a:lnRef idx="0"/>
-          <a:fillRef idx="0"/>
-          <a:effectRef idx="0"/>
-          <a:fontRef idx="minor"/>
-        </p:style>
         <p:txBody>
           <a:bodyPr lIns="0" rIns="0" tIns="0" bIns="0" anchor="t">
             <a:noAutofit/>
           </a:bodyPr>
           <a:p>
-            <a:pPr>
-              <a:lnSpc>
-                <a:spcPct val="100000"/>
-              </a:lnSpc>
-            </a:pPr>
             <a:r>
               <a:rPr b="1" i="1" lang="en-CA" sz="1480" strike="noStrike" u="none">
                 <a:solidFill>
@@ -8598,11 +7684,6 @@
             </a:endParaRPr>
           </a:p>
           <a:p>
-            <a:pPr>
-              <a:lnSpc>
-                <a:spcPct val="100000"/>
-              </a:lnSpc>
-            </a:pPr>
             <a:endParaRPr b="0" lang="en-CA" sz="1480" strike="noStrike" u="none">
               <a:solidFill>
                 <a:srgbClr val="000000"/>
@@ -8612,11 +7693,6 @@
             </a:endParaRPr>
           </a:p>
           <a:p>
-            <a:pPr>
-              <a:lnSpc>
-                <a:spcPct val="100000"/>
-              </a:lnSpc>
-            </a:pPr>
             <a:r>
               <a:rPr b="0" lang="en-CA" sz="1480" strike="noStrike" u="none">
                 <a:solidFill>
@@ -8637,7 +7713,7 @@
                 <a:latin typeface="Franklin Gothic Medium"/>
                 <a:ea typeface="Arial"/>
               </a:rPr>
-              <a:t>Adult General Paspport Application (pptc-153)</a:t>
+              <a:t>Adult General Passport Application (pptc-153)</a:t>
             </a:r>
             <a:r>
               <a:rPr b="0" lang="en-CA" sz="1480" strike="noStrike" u="none">
@@ -8659,11 +7735,6 @@
             </a:endParaRPr>
           </a:p>
           <a:p>
-            <a:pPr>
-              <a:lnSpc>
-                <a:spcPct val="100000"/>
-              </a:lnSpc>
-            </a:pPr>
             <a:endParaRPr b="0" lang="en-CA" sz="1480" strike="noStrike" u="none">
               <a:solidFill>
                 <a:srgbClr val="000000"/>
@@ -8673,11 +7744,6 @@
             </a:endParaRPr>
           </a:p>
           <a:p>
-            <a:pPr>
-              <a:lnSpc>
-                <a:spcPct val="100000"/>
-              </a:lnSpc>
-            </a:pPr>
             <a:r>
               <a:rPr b="1" i="1" lang="en-CA" sz="1480" strike="noStrike" u="none">
                 <a:solidFill>
@@ -8709,11 +7775,6 @@
             </a:endParaRPr>
           </a:p>
           <a:p>
-            <a:pPr>
-              <a:lnSpc>
-                <a:spcPct val="100000"/>
-              </a:lnSpc>
-            </a:pPr>
             <a:endParaRPr b="0" lang="en-CA" sz="1480" strike="noStrike" u="none">
               <a:solidFill>
                 <a:srgbClr val="000000"/>
@@ -8723,11 +7784,6 @@
             </a:endParaRPr>
           </a:p>
           <a:p>
-            <a:pPr>
-              <a:lnSpc>
-                <a:spcPct val="100000"/>
-              </a:lnSpc>
-            </a:pPr>
             <a:r>
               <a:rPr b="0" lang="en-CA" sz="1480" strike="noStrike" u="none">
                 <a:solidFill>
@@ -8748,11 +7804,6 @@
             </a:endParaRPr>
           </a:p>
           <a:p>
-            <a:pPr>
-              <a:lnSpc>
-                <a:spcPct val="100000"/>
-              </a:lnSpc>
-            </a:pPr>
             <a:r>
               <a:rPr b="0" lang="en-CA" sz="1480" strike="noStrike" u="none">
                 <a:solidFill>
@@ -8786,8 +7837,8 @@
         </p:nvSpPr>
         <p:spPr>
           <a:xfrm>
-            <a:off x="720000" y="1476000"/>
-            <a:ext cx="6659640" cy="618480"/>
+            <a:off x="720000" y="1548000"/>
+            <a:ext cx="6660000" cy="618840"/>
           </a:xfrm>
           <a:prstGeom prst="rect">
             <a:avLst/>
@@ -8803,13 +7854,7 @@
           </a:bodyPr>
           <a:p>
             <a:pPr indent="0">
-              <a:lnSpc>
-                <a:spcPct val="100000"/>
-              </a:lnSpc>
               <a:buNone/>
-              <a:tabLst>
-                <a:tab algn="l" pos="0"/>
-              </a:tabLst>
             </a:pPr>
             <a:r>
               <a:rPr b="0" lang="en-CA" sz="3200" strike="noStrike" u="none">
@@ -8878,7 +7923,7 @@
         <p:spPr>
           <a:xfrm>
             <a:off x="432000" y="720000"/>
-            <a:ext cx="9215640" cy="4319640"/>
+            <a:ext cx="9216000" cy="4320000"/>
           </a:xfrm>
           <a:prstGeom prst="rect">
             <a:avLst/>
@@ -8906,18 +7951,12 @@
             <a:noAutofit/>
           </a:bodyPr>
           <a:p>
-            <a:pPr>
-              <a:lnSpc>
-                <a:spcPct val="100000"/>
-              </a:lnSpc>
-            </a:pPr>
             <a:endParaRPr b="0" lang="en-CA" sz="1800" strike="noStrike" u="none">
               <a:solidFill>
                 <a:srgbClr val="000000"/>
               </a:solidFill>
               <a:uFillTx/>
               <a:latin typeface="Arial"/>
-              <a:ea typeface="DejaVu Sans"/>
             </a:endParaRPr>
           </a:p>
         </p:txBody>
@@ -8934,8 +7973,8 @@
         </p:nvSpPr>
         <p:spPr>
           <a:xfrm>
-            <a:off x="684000" y="864000"/>
-            <a:ext cx="6767640" cy="637560"/>
+            <a:off x="684000" y="936000"/>
+            <a:ext cx="6768000" cy="637920"/>
           </a:xfrm>
           <a:prstGeom prst="rect">
             <a:avLst/>
@@ -8951,13 +7990,7 @@
           </a:bodyPr>
           <a:p>
             <a:pPr indent="0">
-              <a:lnSpc>
-                <a:spcPct val="100000"/>
-              </a:lnSpc>
               <a:buNone/>
-              <a:tabLst>
-                <a:tab algn="l" pos="0"/>
-              </a:tabLst>
             </a:pPr>
             <a:r>
               <a:rPr b="0" lang="en-CA" sz="4200" strike="noStrike" u="none">
@@ -8982,13 +8015,13 @@
       <p:sp>
         <p:nvSpPr>
           <p:cNvPr id="136" name=""/>
-          <p:cNvSpPr/>
+          <p:cNvSpPr txBox="1"/>
           <p:nvPr/>
         </p:nvSpPr>
         <p:spPr>
           <a:xfrm>
-            <a:off x="720000" y="2119320"/>
-            <a:ext cx="8639640" cy="832320"/>
+            <a:off x="720000" y="2191320"/>
+            <a:ext cx="8640000" cy="832680"/>
           </a:xfrm>
           <a:prstGeom prst="rect">
             <a:avLst/>
@@ -8998,22 +8031,11 @@
             <a:noFill/>
           </a:ln>
         </p:spPr>
-        <p:style>
-          <a:lnRef idx="0"/>
-          <a:fillRef idx="0"/>
-          <a:effectRef idx="0"/>
-          <a:fontRef idx="minor"/>
-        </p:style>
         <p:txBody>
           <a:bodyPr lIns="0" rIns="0" tIns="0" bIns="0" anchor="t">
             <a:noAutofit/>
           </a:bodyPr>
           <a:p>
-            <a:pPr>
-              <a:lnSpc>
-                <a:spcPct val="100000"/>
-              </a:lnSpc>
-            </a:pPr>
             <a:r>
               <a:rPr b="0" lang="en-CA" sz="1650" strike="noStrike" u="none">
                 <a:solidFill>
@@ -9069,8 +8091,8 @@
         </p:nvSpPr>
         <p:spPr>
           <a:xfrm>
-            <a:off x="684000" y="1440000"/>
-            <a:ext cx="7739640" cy="699120"/>
+            <a:off x="720000" y="1512000"/>
+            <a:ext cx="7740000" cy="699480"/>
           </a:xfrm>
           <a:prstGeom prst="rect">
             <a:avLst/>
@@ -9086,13 +8108,7 @@
           </a:bodyPr>
           <a:p>
             <a:pPr indent="0">
-              <a:lnSpc>
-                <a:spcPct val="100000"/>
-              </a:lnSpc>
               <a:buNone/>
-              <a:tabLst>
-                <a:tab algn="l" pos="0"/>
-              </a:tabLst>
             </a:pPr>
             <a:r>
               <a:rPr b="0" lang="en-CA" sz="3200" strike="noStrike" u="none">
@@ -9126,8 +8142,8 @@
         </p:nvSpPr>
         <p:spPr>
           <a:xfrm>
-            <a:off x="684000" y="2880000"/>
-            <a:ext cx="7739640" cy="699120"/>
+            <a:off x="720000" y="2952000"/>
+            <a:ext cx="7740000" cy="699480"/>
           </a:xfrm>
           <a:prstGeom prst="rect">
             <a:avLst/>
@@ -9143,13 +8159,7 @@
           </a:bodyPr>
           <a:p>
             <a:pPr indent="0">
-              <a:lnSpc>
-                <a:spcPct val="100000"/>
-              </a:lnSpc>
               <a:buNone/>
-              <a:tabLst>
-                <a:tab algn="l" pos="0"/>
-              </a:tabLst>
             </a:pPr>
             <a:r>
               <a:rPr b="0" lang="en-CA" sz="3200" strike="noStrike" u="none">
@@ -9174,13 +8184,13 @@
       <p:sp>
         <p:nvSpPr>
           <p:cNvPr id="139" name=""/>
-          <p:cNvSpPr/>
+          <p:cNvSpPr txBox="1"/>
           <p:nvPr/>
         </p:nvSpPr>
         <p:spPr>
           <a:xfrm>
-            <a:off x="720000" y="3595320"/>
-            <a:ext cx="8639640" cy="950400"/>
+            <a:off x="720000" y="3667320"/>
+            <a:ext cx="8640000" cy="950760"/>
           </a:xfrm>
           <a:prstGeom prst="rect">
             <a:avLst/>
@@ -9190,22 +8200,11 @@
             <a:noFill/>
           </a:ln>
         </p:spPr>
-        <p:style>
-          <a:lnRef idx="0"/>
-          <a:fillRef idx="0"/>
-          <a:effectRef idx="0"/>
-          <a:fontRef idx="minor"/>
-        </p:style>
         <p:txBody>
           <a:bodyPr lIns="0" rIns="0" tIns="0" bIns="0" anchor="t">
             <a:noAutofit/>
           </a:bodyPr>
           <a:p>
-            <a:pPr>
-              <a:lnSpc>
-                <a:spcPct val="100000"/>
-              </a:lnSpc>
-            </a:pPr>
             <a:r>
               <a:rPr b="0" lang="en-CA" sz="1650" strike="noStrike" u="none">
                 <a:solidFill>
@@ -9274,7 +8273,7 @@
         <p:spPr>
           <a:xfrm>
             <a:off x="432000" y="720000"/>
-            <a:ext cx="9215640" cy="4319640"/>
+            <a:ext cx="9216000" cy="4320000"/>
           </a:xfrm>
           <a:prstGeom prst="rect">
             <a:avLst/>
@@ -9302,18 +8301,12 @@
             <a:noAutofit/>
           </a:bodyPr>
           <a:p>
-            <a:pPr>
-              <a:lnSpc>
-                <a:spcPct val="100000"/>
-              </a:lnSpc>
-            </a:pPr>
             <a:endParaRPr b="0" lang="en-CA" sz="1800" strike="noStrike" u="none">
               <a:solidFill>
                 <a:srgbClr val="000000"/>
               </a:solidFill>
               <a:uFillTx/>
               <a:latin typeface="Arial"/>
-              <a:ea typeface="DejaVu Sans"/>
             </a:endParaRPr>
           </a:p>
         </p:txBody>
@@ -9330,8 +8323,8 @@
         </p:nvSpPr>
         <p:spPr>
           <a:xfrm>
-            <a:off x="684000" y="864000"/>
-            <a:ext cx="6767640" cy="637560"/>
+            <a:off x="684000" y="936000"/>
+            <a:ext cx="6768000" cy="637920"/>
           </a:xfrm>
           <a:prstGeom prst="rect">
             <a:avLst/>
@@ -9347,13 +8340,7 @@
           </a:bodyPr>
           <a:p>
             <a:pPr indent="0">
-              <a:lnSpc>
-                <a:spcPct val="100000"/>
-              </a:lnSpc>
               <a:buNone/>
-              <a:tabLst>
-                <a:tab algn="l" pos="0"/>
-              </a:tabLst>
             </a:pPr>
             <a:r>
               <a:rPr b="0" lang="en-CA" sz="4200" strike="noStrike" u="none">
@@ -9387,8 +8374,8 @@
         </p:nvSpPr>
         <p:spPr>
           <a:xfrm>
-            <a:off x="720000" y="1533960"/>
-            <a:ext cx="8819640" cy="1150200"/>
+            <a:off x="720000" y="1641960"/>
+            <a:ext cx="8820000" cy="1150560"/>
           </a:xfrm>
           <a:prstGeom prst="rect">
             <a:avLst/>
@@ -9404,13 +8391,7 @@
           </a:bodyPr>
           <a:p>
             <a:pPr indent="0">
-              <a:lnSpc>
-                <a:spcPct val="100000"/>
-              </a:lnSpc>
               <a:buNone/>
-              <a:tabLst>
-                <a:tab algn="l" pos="0"/>
-              </a:tabLst>
             </a:pPr>
             <a:r>
               <a:rPr b="0" lang="en-CA" sz="1500" strike="noStrike" u="sng">
@@ -9433,13 +8414,7 @@
           </a:p>
           <a:p>
             <a:pPr indent="0">
-              <a:lnSpc>
-                <a:spcPct val="100000"/>
-              </a:lnSpc>
               <a:buNone/>
-              <a:tabLst>
-                <a:tab algn="l" pos="0"/>
-              </a:tabLst>
             </a:pPr>
             <a:r>
               <a:rPr b="0" lang="en-CA" sz="1500" strike="noStrike" u="sng">
@@ -9465,13 +8440,13 @@
       <p:sp>
         <p:nvSpPr>
           <p:cNvPr id="143" name=""/>
-          <p:cNvSpPr/>
+          <p:cNvSpPr txBox="1"/>
           <p:nvPr/>
         </p:nvSpPr>
         <p:spPr>
           <a:xfrm>
-            <a:off x="720000" y="2577960"/>
-            <a:ext cx="8459640" cy="2281680"/>
+            <a:off x="720000" y="2649960"/>
+            <a:ext cx="8460000" cy="2282040"/>
           </a:xfrm>
           <a:prstGeom prst="rect">
             <a:avLst/>
@@ -9481,22 +8456,11 @@
             <a:noFill/>
           </a:ln>
         </p:spPr>
-        <p:style>
-          <a:lnRef idx="0"/>
-          <a:fillRef idx="0"/>
-          <a:effectRef idx="0"/>
-          <a:fontRef idx="minor"/>
-        </p:style>
         <p:txBody>
           <a:bodyPr lIns="0" rIns="0" tIns="0" bIns="0" anchor="t">
             <a:noAutofit/>
           </a:bodyPr>
           <a:p>
-            <a:pPr>
-              <a:lnSpc>
-                <a:spcPct val="100000"/>
-              </a:lnSpc>
-            </a:pPr>
             <a:r>
               <a:rPr b="0" lang="en-CA" sz="1500" strike="noStrike" u="none">
                 <a:solidFill>
@@ -9528,11 +8492,6 @@
             </a:endParaRPr>
           </a:p>
           <a:p>
-            <a:pPr>
-              <a:lnSpc>
-                <a:spcPct val="100000"/>
-              </a:lnSpc>
-            </a:pPr>
             <a:endParaRPr b="0" lang="en-CA" sz="1500" strike="noStrike" u="none">
               <a:solidFill>
                 <a:srgbClr val="000000"/>
@@ -9542,11 +8501,6 @@
             </a:endParaRPr>
           </a:p>
           <a:p>
-            <a:pPr>
-              <a:lnSpc>
-                <a:spcPct val="100000"/>
-              </a:lnSpc>
-            </a:pPr>
             <a:r>
               <a:rPr b="0" lang="en-CA" sz="1500" strike="noStrike" u="none">
                 <a:solidFill>
@@ -9567,11 +8521,6 @@
             </a:endParaRPr>
           </a:p>
           <a:p>
-            <a:pPr>
-              <a:lnSpc>
-                <a:spcPct val="100000"/>
-              </a:lnSpc>
-            </a:pPr>
             <a:endParaRPr b="0" lang="en-CA" sz="1500" strike="noStrike" u="none">
               <a:solidFill>
                 <a:srgbClr val="000000"/>
@@ -9581,11 +8530,6 @@
             </a:endParaRPr>
           </a:p>
           <a:p>
-            <a:pPr>
-              <a:lnSpc>
-                <a:spcPct val="100000"/>
-              </a:lnSpc>
-            </a:pPr>
             <a:r>
               <a:rPr b="0" lang="en-CA" sz="1500" strike="noStrike" u="none">
                 <a:solidFill>
@@ -9654,7 +8598,7 @@
         <p:spPr>
           <a:xfrm>
             <a:off x="432000" y="720000"/>
-            <a:ext cx="9215640" cy="4319640"/>
+            <a:ext cx="9216000" cy="4320000"/>
           </a:xfrm>
           <a:prstGeom prst="rect">
             <a:avLst/>
@@ -9682,18 +8626,12 @@
             <a:noAutofit/>
           </a:bodyPr>
           <a:p>
-            <a:pPr>
-              <a:lnSpc>
-                <a:spcPct val="100000"/>
-              </a:lnSpc>
-            </a:pPr>
             <a:endParaRPr b="0" lang="en-CA" sz="1800" strike="noStrike" u="none">
               <a:solidFill>
                 <a:srgbClr val="000000"/>
               </a:solidFill>
               <a:uFillTx/>
               <a:latin typeface="Arial"/>
-              <a:ea typeface="DejaVu Sans"/>
             </a:endParaRPr>
           </a:p>
         </p:txBody>
@@ -9710,8 +8648,8 @@
         </p:nvSpPr>
         <p:spPr>
           <a:xfrm>
-            <a:off x="684000" y="864000"/>
-            <a:ext cx="6767640" cy="637560"/>
+            <a:off x="684000" y="936000"/>
+            <a:ext cx="6768000" cy="637920"/>
           </a:xfrm>
           <a:prstGeom prst="rect">
             <a:avLst/>
@@ -9727,13 +8665,7 @@
           </a:bodyPr>
           <a:p>
             <a:pPr indent="0">
-              <a:lnSpc>
-                <a:spcPct val="100000"/>
-              </a:lnSpc>
               <a:buNone/>
-              <a:tabLst>
-                <a:tab algn="l" pos="0"/>
-              </a:tabLst>
             </a:pPr>
             <a:r>
               <a:rPr b="0" lang="en-CA" sz="4200" strike="noStrike" u="none">
@@ -9767,8 +8699,8 @@
         </p:nvSpPr>
         <p:spPr>
           <a:xfrm>
-            <a:off x="720000" y="1569960"/>
-            <a:ext cx="8459640" cy="517680"/>
+            <a:off x="720000" y="1641960"/>
+            <a:ext cx="8460000" cy="518040"/>
           </a:xfrm>
           <a:prstGeom prst="rect">
             <a:avLst/>
@@ -9784,13 +8716,7 @@
           </a:bodyPr>
           <a:p>
             <a:pPr indent="0">
-              <a:lnSpc>
-                <a:spcPct val="100000"/>
-              </a:lnSpc>
               <a:buNone/>
-              <a:tabLst>
-                <a:tab algn="l" pos="0"/>
-              </a:tabLst>
             </a:pPr>
             <a:r>
               <a:rPr b="0" lang="en-CA" sz="1500" strike="noStrike" u="sng">
@@ -9813,13 +8739,7 @@
           </a:p>
           <a:p>
             <a:pPr indent="0">
-              <a:lnSpc>
-                <a:spcPct val="100000"/>
-              </a:lnSpc>
               <a:buNone/>
-              <a:tabLst>
-                <a:tab algn="l" pos="0"/>
-              </a:tabLst>
             </a:pPr>
             <a:r>
               <a:rPr b="0" lang="en-CA" sz="1500" strike="noStrike" u="sng">
@@ -9845,13 +8765,13 @@
       <p:sp>
         <p:nvSpPr>
           <p:cNvPr id="147" name=""/>
-          <p:cNvSpPr/>
+          <p:cNvSpPr txBox="1"/>
           <p:nvPr/>
         </p:nvSpPr>
         <p:spPr>
           <a:xfrm>
-            <a:off x="720000" y="2253960"/>
-            <a:ext cx="8459640" cy="2295000"/>
+            <a:off x="720000" y="2325960"/>
+            <a:ext cx="8460000" cy="2295360"/>
           </a:xfrm>
           <a:prstGeom prst="rect">
             <a:avLst/>
@@ -9861,22 +8781,11 @@
             <a:noFill/>
           </a:ln>
         </p:spPr>
-        <p:style>
-          <a:lnRef idx="0"/>
-          <a:fillRef idx="0"/>
-          <a:effectRef idx="0"/>
-          <a:fontRef idx="minor"/>
-        </p:style>
         <p:txBody>
           <a:bodyPr lIns="0" rIns="0" tIns="0" bIns="0" anchor="t">
             <a:noAutofit/>
           </a:bodyPr>
           <a:p>
-            <a:pPr>
-              <a:lnSpc>
-                <a:spcPct val="100000"/>
-              </a:lnSpc>
-            </a:pPr>
             <a:r>
               <a:rPr b="0" lang="en-CA" sz="1500" strike="noStrike" u="none">
                 <a:solidFill>
@@ -9908,11 +8817,6 @@
             </a:endParaRPr>
           </a:p>
           <a:p>
-            <a:pPr>
-              <a:lnSpc>
-                <a:spcPct val="100000"/>
-              </a:lnSpc>
-            </a:pPr>
             <a:endParaRPr b="0" lang="en-CA" sz="800" strike="noStrike" u="none">
               <a:solidFill>
                 <a:srgbClr val="000000"/>
@@ -9922,11 +8826,6 @@
             </a:endParaRPr>
           </a:p>
           <a:p>
-            <a:pPr>
-              <a:lnSpc>
-                <a:spcPct val="100000"/>
-              </a:lnSpc>
-            </a:pPr>
             <a:r>
               <a:rPr b="0" lang="en-CA" sz="1500" strike="noStrike" u="none">
                 <a:solidFill>
@@ -9958,11 +8857,6 @@
             </a:endParaRPr>
           </a:p>
           <a:p>
-            <a:pPr>
-              <a:lnSpc>
-                <a:spcPct val="100000"/>
-              </a:lnSpc>
-            </a:pPr>
             <a:endParaRPr b="0" lang="en-CA" sz="800" strike="noStrike" u="none">
               <a:solidFill>
                 <a:srgbClr val="000000"/>
@@ -9972,11 +8866,6 @@
             </a:endParaRPr>
           </a:p>
           <a:p>
-            <a:pPr>
-              <a:lnSpc>
-                <a:spcPct val="100000"/>
-              </a:lnSpc>
-            </a:pPr>
             <a:r>
               <a:rPr b="0" lang="en-CA" sz="1500" strike="noStrike" u="none">
                 <a:solidFill>
@@ -9997,11 +8886,6 @@
             </a:endParaRPr>
           </a:p>
           <a:p>
-            <a:pPr>
-              <a:lnSpc>
-                <a:spcPct val="100000"/>
-              </a:lnSpc>
-            </a:pPr>
             <a:endParaRPr b="0" lang="en-CA" sz="800" strike="noStrike" u="none">
               <a:solidFill>
                 <a:srgbClr val="000000"/>
@@ -10011,11 +8895,6 @@
             </a:endParaRPr>
           </a:p>
           <a:p>
-            <a:pPr>
-              <a:lnSpc>
-                <a:spcPct val="100000"/>
-              </a:lnSpc>
-            </a:pPr>
             <a:r>
               <a:rPr b="0" lang="en-CA" sz="1500" strike="noStrike" u="none">
                 <a:solidFill>
@@ -10117,7 +8996,7 @@
         <p:spPr>
           <a:xfrm>
             <a:off x="432000" y="720000"/>
-            <a:ext cx="9215640" cy="4319640"/>
+            <a:ext cx="9216000" cy="4320000"/>
           </a:xfrm>
           <a:prstGeom prst="rect">
             <a:avLst/>
@@ -10145,18 +9024,12 @@
             <a:noAutofit/>
           </a:bodyPr>
           <a:p>
-            <a:pPr>
-              <a:lnSpc>
-                <a:spcPct val="100000"/>
-              </a:lnSpc>
-            </a:pPr>
             <a:endParaRPr b="0" lang="en-CA" sz="1800" strike="noStrike" u="none">
               <a:solidFill>
                 <a:srgbClr val="000000"/>
               </a:solidFill>
               <a:uFillTx/>
               <a:latin typeface="Arial"/>
-              <a:ea typeface="DejaVu Sans"/>
             </a:endParaRPr>
           </a:p>
         </p:txBody>
@@ -10173,8 +9046,8 @@
         </p:nvSpPr>
         <p:spPr>
           <a:xfrm>
-            <a:off x="684000" y="864000"/>
-            <a:ext cx="6767640" cy="637560"/>
+            <a:off x="684000" y="936000"/>
+            <a:ext cx="6768000" cy="637920"/>
           </a:xfrm>
           <a:prstGeom prst="rect">
             <a:avLst/>
@@ -10190,13 +9063,7 @@
           </a:bodyPr>
           <a:p>
             <a:pPr indent="0">
-              <a:lnSpc>
-                <a:spcPct val="100000"/>
-              </a:lnSpc>
               <a:buNone/>
-              <a:tabLst>
-                <a:tab algn="l" pos="0"/>
-              </a:tabLst>
             </a:pPr>
             <a:r>
               <a:rPr b="0" lang="en-CA" sz="4200" strike="noStrike" u="none">
@@ -10230,8 +9097,8 @@
         </p:nvSpPr>
         <p:spPr>
           <a:xfrm>
-            <a:off x="720000" y="1569960"/>
-            <a:ext cx="8459640" cy="649080"/>
+            <a:off x="720000" y="1641960"/>
+            <a:ext cx="8460000" cy="649440"/>
           </a:xfrm>
           <a:prstGeom prst="rect">
             <a:avLst/>
@@ -10247,13 +9114,7 @@
           </a:bodyPr>
           <a:p>
             <a:pPr indent="0">
-              <a:lnSpc>
-                <a:spcPct val="100000"/>
-              </a:lnSpc>
               <a:buNone/>
-              <a:tabLst>
-                <a:tab algn="l" pos="0"/>
-              </a:tabLst>
             </a:pPr>
             <a:r>
               <a:rPr b="0" lang="en-CA" sz="1500" strike="noStrike" u="sng">
@@ -10276,13 +9137,7 @@
           </a:p>
           <a:p>
             <a:pPr indent="0">
-              <a:lnSpc>
-                <a:spcPct val="100000"/>
-              </a:lnSpc>
               <a:buNone/>
-              <a:tabLst>
-                <a:tab algn="l" pos="0"/>
-              </a:tabLst>
             </a:pPr>
             <a:r>
               <a:rPr b="0" lang="en-CA" sz="1500" strike="noStrike" u="sng">
@@ -10308,13 +9163,13 @@
       <p:sp>
         <p:nvSpPr>
           <p:cNvPr id="151" name=""/>
-          <p:cNvSpPr/>
+          <p:cNvSpPr txBox="1"/>
           <p:nvPr/>
         </p:nvSpPr>
         <p:spPr>
           <a:xfrm>
-            <a:off x="720000" y="2397960"/>
-            <a:ext cx="8459640" cy="2281680"/>
+            <a:off x="720000" y="2505960"/>
+            <a:ext cx="8460000" cy="2282040"/>
           </a:xfrm>
           <a:prstGeom prst="rect">
             <a:avLst/>
@@ -10324,22 +9179,11 @@
             <a:noFill/>
           </a:ln>
         </p:spPr>
-        <p:style>
-          <a:lnRef idx="0"/>
-          <a:fillRef idx="0"/>
-          <a:effectRef idx="0"/>
-          <a:fontRef idx="minor"/>
-        </p:style>
         <p:txBody>
           <a:bodyPr lIns="0" rIns="0" tIns="0" bIns="0" anchor="t">
             <a:noAutofit/>
           </a:bodyPr>
           <a:p>
-            <a:pPr>
-              <a:lnSpc>
-                <a:spcPct val="100000"/>
-              </a:lnSpc>
-            </a:pPr>
             <a:r>
               <a:rPr b="0" lang="en-CA" sz="1600" strike="noStrike" u="none">
                 <a:solidFill>
@@ -10360,11 +9204,6 @@
             </a:endParaRPr>
           </a:p>
           <a:p>
-            <a:pPr>
-              <a:lnSpc>
-                <a:spcPct val="100000"/>
-              </a:lnSpc>
-            </a:pPr>
             <a:endParaRPr b="0" lang="en-CA" sz="1600" strike="noStrike" u="none">
               <a:solidFill>
                 <a:srgbClr val="000000"/>
@@ -10374,11 +9213,6 @@
             </a:endParaRPr>
           </a:p>
           <a:p>
-            <a:pPr>
-              <a:lnSpc>
-                <a:spcPct val="100000"/>
-              </a:lnSpc>
-            </a:pPr>
             <a:r>
               <a:rPr b="0" lang="en-CA" sz="1600" strike="noStrike" u="none">
                 <a:solidFill>
@@ -10400,9 +9234,6 @@
           </a:p>
           <a:p>
             <a:pPr marL="216000" indent="-216000">
-              <a:lnSpc>
-                <a:spcPct val="100000"/>
-              </a:lnSpc>
               <a:buClr>
                 <a:srgbClr val="000000"/>
               </a:buClr>
@@ -10430,9 +9261,6 @@
           </a:p>
           <a:p>
             <a:pPr marL="216000" indent="-216000">
-              <a:lnSpc>
-                <a:spcPct val="100000"/>
-              </a:lnSpc>
               <a:buClr>
                 <a:srgbClr val="000000"/>
               </a:buClr>
@@ -10482,9 +9310,6 @@
           </a:p>
           <a:p>
             <a:pPr marL="216000" indent="-216000">
-              <a:lnSpc>
-                <a:spcPct val="100000"/>
-              </a:lnSpc>
               <a:buClr>
                 <a:srgbClr val="000000"/>
               </a:buClr>
@@ -10534,9 +9359,6 @@
           </a:p>
           <a:p>
             <a:pPr marL="216000" indent="-216000">
-              <a:lnSpc>
-                <a:spcPct val="100000"/>
-              </a:lnSpc>
               <a:buClr>
                 <a:srgbClr val="000000"/>
               </a:buClr>
@@ -10564,9 +9386,6 @@
           </a:p>
           <a:p>
             <a:pPr marL="216000" indent="-216000">
-              <a:lnSpc>
-                <a:spcPct val="100000"/>
-              </a:lnSpc>
               <a:buClr>
                 <a:srgbClr val="000000"/>
               </a:buClr>
@@ -10594,9 +9413,6 @@
           </a:p>
           <a:p>
             <a:pPr marL="216000" indent="-216000">
-              <a:lnSpc>
-                <a:spcPct val="100000"/>
-              </a:lnSpc>
               <a:buClr>
                 <a:srgbClr val="000000"/>
               </a:buClr>
@@ -10633,7 +9449,7 @@
         <p:spPr>
           <a:xfrm>
             <a:off x="5940000" y="3960000"/>
-            <a:ext cx="3707640" cy="1079640"/>
+            <a:ext cx="3708000" cy="1080000"/>
           </a:xfrm>
           <a:prstGeom prst="rect">
             <a:avLst/>
@@ -10661,18 +9477,12 @@
             <a:noAutofit/>
           </a:bodyPr>
           <a:p>
-            <a:pPr>
-              <a:lnSpc>
-                <a:spcPct val="100000"/>
-              </a:lnSpc>
-            </a:pPr>
             <a:endParaRPr b="0" lang="en-CA" sz="1800" strike="noStrike" u="none">
               <a:solidFill>
                 <a:srgbClr val="ffffff"/>
               </a:solidFill>
               <a:uFillTx/>
               <a:latin typeface="Arial"/>
-              <a:ea typeface="DejaVu Sans"/>
             </a:endParaRPr>
           </a:p>
         </p:txBody>
@@ -10680,13 +9490,13 @@
       <p:sp>
         <p:nvSpPr>
           <p:cNvPr id="153" name=""/>
-          <p:cNvSpPr/>
+          <p:cNvSpPr txBox="1"/>
           <p:nvPr/>
         </p:nvSpPr>
         <p:spPr>
           <a:xfrm>
             <a:off x="5940000" y="4108680"/>
-            <a:ext cx="3635640" cy="959400"/>
+            <a:ext cx="3636000" cy="959760"/>
           </a:xfrm>
           <a:prstGeom prst="rect">
             <a:avLst/>
@@ -10696,22 +9506,12 @@
             <a:noFill/>
           </a:ln>
         </p:spPr>
-        <p:style>
-          <a:lnRef idx="0"/>
-          <a:fillRef idx="0"/>
-          <a:effectRef idx="0"/>
-          <a:fontRef idx="minor"/>
-        </p:style>
         <p:txBody>
           <a:bodyPr lIns="90000" rIns="90000" tIns="45000" bIns="45000" anchor="t">
             <a:noAutofit/>
           </a:bodyPr>
           <a:p>
-            <a:pPr algn="r">
-              <a:lnSpc>
-                <a:spcPct val="100000"/>
-              </a:lnSpc>
-            </a:pPr>
+            <a:pPr algn="r"/>
             <a:r>
               <a:rPr b="0" lang="en-CA" sz="1200" strike="noStrike" u="none">
                 <a:solidFill>
@@ -10780,7 +9580,7 @@
         <p:spPr>
           <a:xfrm>
             <a:off x="432000" y="720000"/>
-            <a:ext cx="9215640" cy="4319640"/>
+            <a:ext cx="9216000" cy="4320000"/>
           </a:xfrm>
           <a:prstGeom prst="rect">
             <a:avLst/>
@@ -10808,18 +9608,12 @@
             <a:noAutofit/>
           </a:bodyPr>
           <a:p>
-            <a:pPr>
-              <a:lnSpc>
-                <a:spcPct val="100000"/>
-              </a:lnSpc>
-            </a:pPr>
             <a:endParaRPr b="0" lang="en-CA" sz="1800" strike="noStrike" u="none">
               <a:solidFill>
                 <a:srgbClr val="000000"/>
               </a:solidFill>
               <a:uFillTx/>
               <a:latin typeface="Arial"/>
-              <a:ea typeface="DejaVu Sans"/>
             </a:endParaRPr>
           </a:p>
         </p:txBody>
@@ -10836,8 +9630,8 @@
         </p:nvSpPr>
         <p:spPr>
           <a:xfrm>
-            <a:off x="684000" y="864000"/>
-            <a:ext cx="6767640" cy="637560"/>
+            <a:off x="684000" y="936000"/>
+            <a:ext cx="6768000" cy="637920"/>
           </a:xfrm>
           <a:prstGeom prst="rect">
             <a:avLst/>
@@ -10853,13 +9647,7 @@
           </a:bodyPr>
           <a:p>
             <a:pPr indent="0">
-              <a:lnSpc>
-                <a:spcPct val="100000"/>
-              </a:lnSpc>
               <a:buNone/>
-              <a:tabLst>
-                <a:tab algn="l" pos="0"/>
-              </a:tabLst>
             </a:pPr>
             <a:r>
               <a:rPr b="0" lang="en-CA" sz="4200" strike="noStrike" u="none">
@@ -10884,13 +9672,13 @@
       <p:sp>
         <p:nvSpPr>
           <p:cNvPr id="156" name=""/>
-          <p:cNvSpPr/>
+          <p:cNvSpPr txBox="1"/>
           <p:nvPr/>
         </p:nvSpPr>
         <p:spPr>
           <a:xfrm>
             <a:off x="720000" y="1677960"/>
-            <a:ext cx="5759640" cy="2760480"/>
+            <a:ext cx="5760000" cy="2760840"/>
           </a:xfrm>
           <a:prstGeom prst="rect">
             <a:avLst/>
@@ -10900,22 +9688,11 @@
             <a:noFill/>
           </a:ln>
         </p:spPr>
-        <p:style>
-          <a:lnRef idx="0"/>
-          <a:fillRef idx="0"/>
-          <a:effectRef idx="0"/>
-          <a:fontRef idx="minor"/>
-        </p:style>
         <p:txBody>
           <a:bodyPr lIns="0" rIns="0" tIns="0" bIns="0" anchor="t">
             <a:noAutofit/>
           </a:bodyPr>
           <a:p>
-            <a:pPr>
-              <a:lnSpc>
-                <a:spcPct val="100000"/>
-              </a:lnSpc>
-            </a:pPr>
             <a:r>
               <a:rPr b="0" lang="en-CA" sz="1600" strike="noStrike" u="none">
                 <a:solidFill>
@@ -10947,11 +9724,6 @@
             </a:endParaRPr>
           </a:p>
           <a:p>
-            <a:pPr>
-              <a:lnSpc>
-                <a:spcPct val="100000"/>
-              </a:lnSpc>
-            </a:pPr>
             <a:endParaRPr b="0" lang="en-CA" sz="1600" strike="noStrike" u="none">
               <a:solidFill>
                 <a:srgbClr val="000000"/>
@@ -10961,11 +9733,6 @@
             </a:endParaRPr>
           </a:p>
           <a:p>
-            <a:pPr>
-              <a:lnSpc>
-                <a:spcPct val="100000"/>
-              </a:lnSpc>
-            </a:pPr>
             <a:r>
               <a:rPr b="1" i="1" lang="en-CA" sz="1600" strike="noStrike" u="none">
                 <a:solidFill>
@@ -10986,11 +9753,6 @@
             </a:endParaRPr>
           </a:p>
           <a:p>
-            <a:pPr>
-              <a:lnSpc>
-                <a:spcPct val="100000"/>
-              </a:lnSpc>
-            </a:pPr>
             <a:r>
               <a:rPr b="1" i="1" lang="en-CA" sz="1600" strike="noStrike" u="none">
                 <a:solidFill>
@@ -11011,11 +9773,6 @@
             </a:endParaRPr>
           </a:p>
           <a:p>
-            <a:pPr>
-              <a:lnSpc>
-                <a:spcPct val="100000"/>
-              </a:lnSpc>
-            </a:pPr>
             <a:r>
               <a:rPr b="1" i="1" lang="en-CA" sz="1600" strike="noStrike" u="none">
                 <a:solidFill>
@@ -11036,11 +9793,6 @@
             </a:endParaRPr>
           </a:p>
           <a:p>
-            <a:pPr>
-              <a:lnSpc>
-                <a:spcPct val="100000"/>
-              </a:lnSpc>
-            </a:pPr>
             <a:r>
               <a:rPr b="1" i="1" lang="en-CA" sz="1600" strike="noStrike" u="none">
                 <a:solidFill>
@@ -11061,11 +9813,6 @@
             </a:endParaRPr>
           </a:p>
           <a:p>
-            <a:pPr>
-              <a:lnSpc>
-                <a:spcPct val="100000"/>
-              </a:lnSpc>
-            </a:pPr>
             <a:r>
               <a:rPr b="1" i="1" lang="en-CA" sz="1600" strike="noStrike" u="none">
                 <a:solidFill>
@@ -11086,11 +9833,6 @@
             </a:endParaRPr>
           </a:p>
           <a:p>
-            <a:pPr>
-              <a:lnSpc>
-                <a:spcPct val="100000"/>
-              </a:lnSpc>
-            </a:pPr>
             <a:r>
               <a:rPr b="1" i="1" lang="en-CA" sz="1600" strike="noStrike" u="none">
                 <a:solidFill>
@@ -11111,11 +9853,6 @@
             </a:endParaRPr>
           </a:p>
           <a:p>
-            <a:pPr>
-              <a:lnSpc>
-                <a:spcPct val="100000"/>
-              </a:lnSpc>
-            </a:pPr>
             <a:endParaRPr b="0" lang="en-CA" sz="1600" strike="noStrike" u="none">
               <a:solidFill>
                 <a:srgbClr val="000000"/>
@@ -11125,11 +9862,6 @@
             </a:endParaRPr>
           </a:p>
           <a:p>
-            <a:pPr>
-              <a:lnSpc>
-                <a:spcPct val="100000"/>
-              </a:lnSpc>
-            </a:pPr>
             <a:r>
               <a:rPr b="0" lang="en-CA" sz="1600" strike="noStrike" u="none">
                 <a:solidFill>
@@ -11172,13 +9904,13 @@
           <a:blip r:embed="rId2">
             <a:alphaModFix amt="90000"/>
           </a:blip>
-          <a:srcRect l="24812" t="7580" r="26498" b="11239"/>
+          <a:srcRect l="24811" t="7580" r="26496" b="11239"/>
           <a:stretch/>
         </p:blipFill>
         <p:spPr>
           <a:xfrm>
             <a:off x="7020000" y="360000"/>
-            <a:ext cx="2831040" cy="3862080"/>
+            <a:ext cx="2831400" cy="3862440"/>
           </a:xfrm>
           <a:prstGeom prst="rect">
             <a:avLst/>
@@ -11239,7 +9971,7 @@
         <p:spPr>
           <a:xfrm>
             <a:off x="432000" y="720000"/>
-            <a:ext cx="9215640" cy="4319640"/>
+            <a:ext cx="9216000" cy="4320000"/>
           </a:xfrm>
           <a:prstGeom prst="rect">
             <a:avLst/>
@@ -11267,18 +9999,12 @@
             <a:noAutofit/>
           </a:bodyPr>
           <a:p>
-            <a:pPr>
-              <a:lnSpc>
-                <a:spcPct val="100000"/>
-              </a:lnSpc>
-            </a:pPr>
             <a:endParaRPr b="0" lang="en-CA" sz="1800" strike="noStrike" u="none">
               <a:solidFill>
                 <a:srgbClr val="000000"/>
               </a:solidFill>
               <a:uFillTx/>
               <a:latin typeface="Arial"/>
-              <a:ea typeface="DejaVu Sans"/>
             </a:endParaRPr>
           </a:p>
         </p:txBody>
@@ -11295,8 +10021,8 @@
         </p:nvSpPr>
         <p:spPr>
           <a:xfrm>
-            <a:off x="684000" y="900000"/>
-            <a:ext cx="6767640" cy="637560"/>
+            <a:off x="684000" y="936000"/>
+            <a:ext cx="6768000" cy="637920"/>
           </a:xfrm>
           <a:prstGeom prst="rect">
             <a:avLst/>
@@ -11312,13 +10038,7 @@
           </a:bodyPr>
           <a:p>
             <a:pPr indent="0">
-              <a:lnSpc>
-                <a:spcPct val="100000"/>
-              </a:lnSpc>
               <a:buNone/>
-              <a:tabLst>
-                <a:tab algn="l" pos="0"/>
-              </a:tabLst>
             </a:pPr>
             <a:r>
               <a:rPr b="0" lang="en-CA" sz="4200" strike="noStrike" u="none">
@@ -11352,8 +10072,8 @@
         </p:nvSpPr>
         <p:spPr>
           <a:xfrm>
-            <a:off x="720000" y="1641960"/>
-            <a:ext cx="8639640" cy="3037680"/>
+            <a:off x="720000" y="1713960"/>
+            <a:ext cx="8640000" cy="3038040"/>
           </a:xfrm>
           <a:prstGeom prst="rect">
             <a:avLst/>
@@ -11369,13 +10089,7 @@
           </a:bodyPr>
           <a:p>
             <a:pPr indent="0">
-              <a:lnSpc>
-                <a:spcPct val="100000"/>
-              </a:lnSpc>
               <a:buNone/>
-              <a:tabLst>
-                <a:tab algn="l" pos="0"/>
-              </a:tabLst>
             </a:pPr>
             <a:r>
               <a:rPr b="0" lang="en-CA" sz="1600" strike="noStrike" u="none">
@@ -11398,13 +10112,7 @@
           </a:p>
           <a:p>
             <a:pPr indent="0">
-              <a:lnSpc>
-                <a:spcPct val="100000"/>
-              </a:lnSpc>
               <a:buNone/>
-              <a:tabLst>
-                <a:tab algn="l" pos="0"/>
-              </a:tabLst>
             </a:pPr>
             <a:endParaRPr b="0" lang="en-CA" sz="1600" strike="noStrike" u="none">
               <a:solidFill>
@@ -11416,13 +10124,7 @@
           </a:p>
           <a:p>
             <a:pPr indent="0">
-              <a:lnSpc>
-                <a:spcPct val="100000"/>
-              </a:lnSpc>
               <a:buNone/>
-              <a:tabLst>
-                <a:tab algn="l" pos="0"/>
-              </a:tabLst>
             </a:pPr>
             <a:r>
               <a:rPr b="1" i="1" lang="en-CA" sz="1800" strike="noStrike" u="none">
@@ -11445,13 +10147,7 @@
           </a:p>
           <a:p>
             <a:pPr indent="0">
-              <a:lnSpc>
-                <a:spcPct val="100000"/>
-              </a:lnSpc>
               <a:buNone/>
-              <a:tabLst>
-                <a:tab algn="l" pos="0"/>
-              </a:tabLst>
             </a:pPr>
             <a:r>
               <a:rPr b="1" i="1" lang="en-CA" sz="1800" strike="noStrike" u="none">
@@ -11474,13 +10170,7 @@
           </a:p>
           <a:p>
             <a:pPr indent="0">
-              <a:lnSpc>
-                <a:spcPct val="100000"/>
-              </a:lnSpc>
               <a:buNone/>
-              <a:tabLst>
-                <a:tab algn="l" pos="0"/>
-              </a:tabLst>
             </a:pPr>
             <a:r>
               <a:rPr b="1" i="1" lang="en-CA" sz="1800" strike="noStrike" u="none">
@@ -11503,13 +10193,7 @@
           </a:p>
           <a:p>
             <a:pPr indent="0">
-              <a:lnSpc>
-                <a:spcPct val="100000"/>
-              </a:lnSpc>
               <a:buNone/>
-              <a:tabLst>
-                <a:tab algn="l" pos="0"/>
-              </a:tabLst>
             </a:pPr>
             <a:r>
               <a:rPr b="1" i="1" lang="en-CA" sz="1800" strike="noStrike" u="none">
@@ -11532,13 +10216,7 @@
           </a:p>
           <a:p>
             <a:pPr indent="0">
-              <a:lnSpc>
-                <a:spcPct val="100000"/>
-              </a:lnSpc>
               <a:buNone/>
-              <a:tabLst>
-                <a:tab algn="l" pos="0"/>
-              </a:tabLst>
             </a:pPr>
             <a:r>
               <a:rPr b="1" i="1" lang="en-CA" sz="1800" strike="noStrike" u="none">
@@ -11561,13 +10239,7 @@
           </a:p>
           <a:p>
             <a:pPr indent="0">
-              <a:lnSpc>
-                <a:spcPct val="100000"/>
-              </a:lnSpc>
               <a:buNone/>
-              <a:tabLst>
-                <a:tab algn="l" pos="0"/>
-              </a:tabLst>
             </a:pPr>
             <a:r>
               <a:rPr b="1" i="1" lang="en-CA" sz="1800" strike="noStrike" u="none">
@@ -11590,13 +10262,7 @@
           </a:p>
           <a:p>
             <a:pPr indent="0">
-              <a:lnSpc>
-                <a:spcPct val="100000"/>
-              </a:lnSpc>
               <a:buNone/>
-              <a:tabLst>
-                <a:tab algn="l" pos="0"/>
-              </a:tabLst>
             </a:pPr>
             <a:r>
               <a:rPr b="1" i="1" lang="en-CA" sz="1800" strike="noStrike" u="none">
@@ -11619,13 +10285,7 @@
           </a:p>
           <a:p>
             <a:pPr indent="0">
-              <a:lnSpc>
-                <a:spcPct val="100000"/>
-              </a:lnSpc>
               <a:buNone/>
-              <a:tabLst>
-                <a:tab algn="l" pos="0"/>
-              </a:tabLst>
             </a:pPr>
             <a:endParaRPr b="0" lang="en-CA" sz="1600" strike="noStrike" u="none">
               <a:solidFill>
@@ -11637,13 +10297,7 @@
           </a:p>
           <a:p>
             <a:pPr indent="0">
-              <a:lnSpc>
-                <a:spcPct val="100000"/>
-              </a:lnSpc>
               <a:buNone/>
-              <a:tabLst>
-                <a:tab algn="l" pos="0"/>
-              </a:tabLst>
             </a:pPr>
             <a:r>
               <a:rPr b="0" lang="en-CA" sz="1600" strike="noStrike" u="none">
@@ -11713,7 +10367,7 @@
         <p:spPr>
           <a:xfrm>
             <a:off x="432000" y="720000"/>
-            <a:ext cx="9215640" cy="4319640"/>
+            <a:ext cx="9216000" cy="4320000"/>
           </a:xfrm>
           <a:prstGeom prst="rect">
             <a:avLst/>
@@ -11741,18 +10395,12 @@
             <a:noAutofit/>
           </a:bodyPr>
           <a:p>
-            <a:pPr>
-              <a:lnSpc>
-                <a:spcPct val="100000"/>
-              </a:lnSpc>
-            </a:pPr>
             <a:endParaRPr b="0" lang="en-CA" sz="1800" strike="noStrike" u="none">
               <a:solidFill>
                 <a:srgbClr val="000000"/>
               </a:solidFill>
               <a:uFillTx/>
               <a:latin typeface="Arial"/>
-              <a:ea typeface="DejaVu Sans"/>
             </a:endParaRPr>
           </a:p>
         </p:txBody>
@@ -11769,8 +10417,8 @@
         </p:nvSpPr>
         <p:spPr>
           <a:xfrm>
-            <a:off x="684000" y="864000"/>
-            <a:ext cx="6767640" cy="637560"/>
+            <a:off x="684000" y="936000"/>
+            <a:ext cx="6768000" cy="637920"/>
           </a:xfrm>
           <a:prstGeom prst="rect">
             <a:avLst/>
@@ -11786,13 +10434,7 @@
           </a:bodyPr>
           <a:p>
             <a:pPr indent="0">
-              <a:lnSpc>
-                <a:spcPct val="100000"/>
-              </a:lnSpc>
               <a:buNone/>
-              <a:tabLst>
-                <a:tab algn="l" pos="0"/>
-              </a:tabLst>
             </a:pPr>
             <a:r>
               <a:rPr b="0" lang="en-CA" sz="4200" strike="noStrike" u="none">
@@ -11817,13 +10459,13 @@
       <p:sp>
         <p:nvSpPr>
           <p:cNvPr id="160" name=""/>
-          <p:cNvSpPr/>
+          <p:cNvSpPr txBox="1"/>
           <p:nvPr/>
         </p:nvSpPr>
         <p:spPr>
           <a:xfrm>
-            <a:off x="720000" y="1605960"/>
-            <a:ext cx="6479640" cy="3021480"/>
+            <a:off x="720000" y="1713960"/>
+            <a:ext cx="6480000" cy="3021840"/>
           </a:xfrm>
           <a:prstGeom prst="rect">
             <a:avLst/>
@@ -11833,22 +10475,11 @@
             <a:noFill/>
           </a:ln>
         </p:spPr>
-        <p:style>
-          <a:lnRef idx="0"/>
-          <a:fillRef idx="0"/>
-          <a:effectRef idx="0"/>
-          <a:fontRef idx="minor"/>
-        </p:style>
         <p:txBody>
           <a:bodyPr lIns="0" rIns="0" tIns="0" bIns="0" anchor="t">
             <a:noAutofit/>
           </a:bodyPr>
           <a:p>
-            <a:pPr>
-              <a:lnSpc>
-                <a:spcPct val="100000"/>
-              </a:lnSpc>
-            </a:pPr>
             <a:r>
               <a:rPr b="1" i="1" lang="en-CA" sz="1800" strike="noStrike" u="none">
                 <a:solidFill>
@@ -11869,11 +10500,6 @@
             </a:endParaRPr>
           </a:p>
           <a:p>
-            <a:pPr>
-              <a:lnSpc>
-                <a:spcPct val="100000"/>
-              </a:lnSpc>
-            </a:pPr>
             <a:r>
               <a:rPr b="0" i="1" lang="en-CA" sz="1600" strike="noStrike" u="sng">
                 <a:solidFill>
@@ -11894,11 +10520,6 @@
             </a:endParaRPr>
           </a:p>
           <a:p>
-            <a:pPr>
-              <a:lnSpc>
-                <a:spcPct val="100000"/>
-              </a:lnSpc>
-            </a:pPr>
             <a:endParaRPr b="0" lang="en-CA" sz="800" strike="noStrike" u="none">
               <a:solidFill>
                 <a:srgbClr val="000000"/>
@@ -11908,11 +10529,6 @@
             </a:endParaRPr>
           </a:p>
           <a:p>
-            <a:pPr>
-              <a:lnSpc>
-                <a:spcPct val="100000"/>
-              </a:lnSpc>
-            </a:pPr>
             <a:r>
               <a:rPr b="0" lang="en-CA" sz="1400" strike="noStrike" u="none">
                 <a:solidFill>
@@ -11936,11 +10552,6 @@
             </a:endParaRPr>
           </a:p>
           <a:p>
-            <a:pPr>
-              <a:lnSpc>
-                <a:spcPct val="100000"/>
-              </a:lnSpc>
-            </a:pPr>
             <a:r>
               <a:rPr b="1" i="1" lang="en-CA" sz="1800" strike="noStrike" u="none">
                 <a:solidFill>
@@ -11961,11 +10572,6 @@
             </a:endParaRPr>
           </a:p>
           <a:p>
-            <a:pPr>
-              <a:lnSpc>
-                <a:spcPct val="100000"/>
-              </a:lnSpc>
-            </a:pPr>
             <a:r>
               <a:rPr b="0" i="1" lang="en-CA" sz="1600" strike="noStrike" u="sng">
                 <a:solidFill>
@@ -11986,11 +10592,6 @@
             </a:endParaRPr>
           </a:p>
           <a:p>
-            <a:pPr>
-              <a:lnSpc>
-                <a:spcPct val="100000"/>
-              </a:lnSpc>
-            </a:pPr>
             <a:endParaRPr b="0" lang="en-CA" sz="800" strike="noStrike" u="none">
               <a:solidFill>
                 <a:srgbClr val="000000"/>
@@ -12000,11 +10601,6 @@
             </a:endParaRPr>
           </a:p>
           <a:p>
-            <a:pPr>
-              <a:lnSpc>
-                <a:spcPct val="100000"/>
-              </a:lnSpc>
-            </a:pPr>
             <a:r>
               <a:rPr b="0" lang="en-CA" sz="1400" strike="noStrike" u="none">
                 <a:solidFill>
@@ -12036,13 +10632,13 @@
           <a:blip r:embed="rId2">
             <a:alphaModFix amt="90000"/>
           </a:blip>
-          <a:srcRect l="31495" t="0" r="31495" b="0"/>
+          <a:srcRect l="31493" t="0" r="31493" b="0"/>
           <a:stretch/>
         </p:blipFill>
         <p:spPr>
           <a:xfrm>
             <a:off x="7531200" y="228960"/>
-            <a:ext cx="2368440" cy="4271040"/>
+            <a:ext cx="2368800" cy="4271400"/>
           </a:xfrm>
           <a:prstGeom prst="rect">
             <a:avLst/>
@@ -12103,7 +10699,7 @@
         <p:spPr>
           <a:xfrm>
             <a:off x="288000" y="1476000"/>
-            <a:ext cx="9539640" cy="2699640"/>
+            <a:ext cx="9540000" cy="2700000"/>
           </a:xfrm>
           <a:prstGeom prst="rect">
             <a:avLst/>
@@ -12131,18 +10727,12 @@
             <a:noAutofit/>
           </a:bodyPr>
           <a:p>
-            <a:pPr>
-              <a:lnSpc>
-                <a:spcPct val="100000"/>
-              </a:lnSpc>
-            </a:pPr>
             <a:endParaRPr b="0" lang="en-CA" sz="1800" strike="noStrike" u="none">
               <a:solidFill>
                 <a:srgbClr val="000000"/>
               </a:solidFill>
               <a:uFillTx/>
               <a:latin typeface="Arial"/>
-              <a:ea typeface="DejaVu Sans"/>
             </a:endParaRPr>
           </a:p>
         </p:txBody>
@@ -12160,7 +10750,7 @@
         <p:spPr>
           <a:xfrm>
             <a:off x="468000" y="1729080"/>
-            <a:ext cx="9179640" cy="2220120"/>
+            <a:ext cx="9180000" cy="2220480"/>
           </a:xfrm>
           <a:prstGeom prst="rect">
             <a:avLst/>
@@ -12175,11 +10765,7 @@
             <a:noAutofit/>
           </a:bodyPr>
           <a:p>
-            <a:pPr algn="ctr">
-              <a:lnSpc>
-                <a:spcPct val="100000"/>
-              </a:lnSpc>
-            </a:pPr>
+            <a:pPr algn="ctr"/>
             <a:r>
               <a:rPr b="0" lang="en-CA" sz="2200" strike="noStrike" u="none">
                 <a:solidFill>
@@ -12240,11 +10826,7 @@
             </a:endParaRPr>
           </a:p>
           <a:p>
-            <a:pPr algn="ctr">
-              <a:lnSpc>
-                <a:spcPct val="100000"/>
-              </a:lnSpc>
-            </a:pPr>
+            <a:pPr algn="ctr"/>
             <a:endParaRPr b="0" lang="en-CA" sz="2200" strike="noStrike" u="none">
               <a:solidFill>
                 <a:srgbClr val="000000"/>
@@ -12254,11 +10836,7 @@
             </a:endParaRPr>
           </a:p>
           <a:p>
-            <a:pPr algn="ctr">
-              <a:lnSpc>
-                <a:spcPct val="100000"/>
-              </a:lnSpc>
-            </a:pPr>
+            <a:pPr algn="ctr"/>
             <a:r>
               <a:rPr b="0" lang="en-CA" sz="2200" strike="noStrike" u="none">
                 <a:solidFill>
@@ -12278,11 +10856,7 @@
             </a:endParaRPr>
           </a:p>
           <a:p>
-            <a:pPr algn="ctr">
-              <a:lnSpc>
-                <a:spcPct val="100000"/>
-              </a:lnSpc>
-            </a:pPr>
+            <a:pPr algn="ctr"/>
             <a:endParaRPr b="0" lang="en-CA" sz="2200" strike="noStrike" u="none">
               <a:solidFill>
                 <a:srgbClr val="000000"/>
@@ -12292,11 +10866,7 @@
             </a:endParaRPr>
           </a:p>
           <a:p>
-            <a:pPr algn="ctr">
-              <a:lnSpc>
-                <a:spcPct val="100000"/>
-              </a:lnSpc>
-            </a:pPr>
+            <a:pPr algn="ctr"/>
             <a:r>
               <a:rPr b="0" lang="en-CA" sz="2200" strike="noStrike" u="none">
                 <a:solidFill>
@@ -12306,18 +10876,7 @@
                 <a:latin typeface="Franklin Gothic Medium"/>
                 <a:ea typeface="Arial"/>
               </a:rPr>
-              <a:t>Slides and documents are available for download at</a:t>
-            </a:r>
-            <a:r>
-              <a:rPr b="0" lang="en-CA" sz="2200" strike="noStrike" u="none">
-                <a:solidFill>
-                  <a:srgbClr val="815070"/>
-                </a:solidFill>
-                <a:uFillTx/>
-                <a:latin typeface="Franklin Gothic Medium"/>
-                <a:ea typeface="Arial"/>
-              </a:rPr>
-              <a:t> </a:t>
+              <a:t>Slides and documents are available for download at </a:t>
             </a:r>
             <a:r>
               <a:rPr b="0" lang="en-CA" sz="2200" strike="noStrike" u="sng">
@@ -12399,7 +10958,7 @@
         <p:spPr>
           <a:xfrm>
             <a:off x="432000" y="720000"/>
-            <a:ext cx="9215640" cy="4319640"/>
+            <a:ext cx="9216000" cy="4320000"/>
           </a:xfrm>
           <a:prstGeom prst="rect">
             <a:avLst/>
@@ -12427,18 +10986,12 @@
             <a:noAutofit/>
           </a:bodyPr>
           <a:p>
-            <a:pPr>
-              <a:lnSpc>
-                <a:spcPct val="100000"/>
-              </a:lnSpc>
-            </a:pPr>
             <a:endParaRPr b="0" lang="en-CA" sz="1800" strike="noStrike" u="none">
               <a:solidFill>
                 <a:srgbClr val="000000"/>
               </a:solidFill>
               <a:uFillTx/>
               <a:latin typeface="Arial"/>
-              <a:ea typeface="DejaVu Sans"/>
             </a:endParaRPr>
           </a:p>
         </p:txBody>
@@ -12455,8 +11008,8 @@
         </p:nvSpPr>
         <p:spPr>
           <a:xfrm>
-            <a:off x="684000" y="900000"/>
-            <a:ext cx="6767640" cy="637560"/>
+            <a:off x="684000" y="936000"/>
+            <a:ext cx="6768000" cy="637920"/>
           </a:xfrm>
           <a:prstGeom prst="rect">
             <a:avLst/>
@@ -12472,13 +11025,7 @@
           </a:bodyPr>
           <a:p>
             <a:pPr indent="0">
-              <a:lnSpc>
-                <a:spcPct val="100000"/>
-              </a:lnSpc>
               <a:buNone/>
-              <a:tabLst>
-                <a:tab algn="l" pos="0"/>
-              </a:tabLst>
             </a:pPr>
             <a:r>
               <a:rPr b="0" lang="en-CA" sz="4200" strike="noStrike" u="none">
@@ -12513,7 +11060,7 @@
         <p:spPr>
           <a:xfrm>
             <a:off x="720000" y="1677960"/>
-            <a:ext cx="4139640" cy="460080"/>
+            <a:ext cx="4140000" cy="460440"/>
           </a:xfrm>
           <a:prstGeom prst="rect">
             <a:avLst/>
@@ -12529,13 +11076,7 @@
           </a:bodyPr>
           <a:p>
             <a:pPr indent="0">
-              <a:lnSpc>
-                <a:spcPct val="100000"/>
-              </a:lnSpc>
               <a:buNone/>
-              <a:tabLst>
-                <a:tab algn="l" pos="0"/>
-              </a:tabLst>
             </a:pPr>
             <a:r>
               <a:rPr b="0" lang="en-CA" sz="1600" strike="noStrike" u="sng">
@@ -12559,13 +11100,7 @@
           </a:p>
           <a:p>
             <a:pPr indent="0">
-              <a:lnSpc>
-                <a:spcPct val="100000"/>
-              </a:lnSpc>
               <a:buNone/>
-              <a:tabLst>
-                <a:tab algn="l" pos="0"/>
-              </a:tabLst>
             </a:pPr>
             <a:r>
               <a:rPr b="0" lang="en-CA" sz="1600" strike="noStrike" u="sng">
@@ -12592,13 +11127,13 @@
       <p:sp>
         <p:nvSpPr>
           <p:cNvPr id="22" name=""/>
-          <p:cNvSpPr/>
+          <p:cNvSpPr txBox="1"/>
           <p:nvPr/>
         </p:nvSpPr>
         <p:spPr>
           <a:xfrm>
             <a:off x="720000" y="2397960"/>
-            <a:ext cx="4859640" cy="2304000"/>
+            <a:ext cx="4860000" cy="2304360"/>
           </a:xfrm>
           <a:prstGeom prst="rect">
             <a:avLst/>
@@ -12608,22 +11143,11 @@
             <a:noFill/>
           </a:ln>
         </p:spPr>
-        <p:style>
-          <a:lnRef idx="0"/>
-          <a:fillRef idx="0"/>
-          <a:effectRef idx="0"/>
-          <a:fontRef idx="minor"/>
-        </p:style>
         <p:txBody>
           <a:bodyPr lIns="0" rIns="0" tIns="0" bIns="0" anchor="t">
             <a:noAutofit/>
           </a:bodyPr>
           <a:p>
-            <a:pPr>
-              <a:lnSpc>
-                <a:spcPct val="100000"/>
-              </a:lnSpc>
-            </a:pPr>
             <a:r>
               <a:rPr b="0" lang="en-CA" sz="2000" strike="noStrike" u="none">
                 <a:solidFill>
@@ -12666,11 +11190,6 @@
             </a:endParaRPr>
           </a:p>
           <a:p>
-            <a:pPr>
-              <a:lnSpc>
-                <a:spcPct val="100000"/>
-              </a:lnSpc>
-            </a:pPr>
             <a:endParaRPr b="0" lang="en-CA" sz="2000" strike="noStrike" u="none">
               <a:solidFill>
                 <a:srgbClr val="000000"/>
@@ -12680,11 +11199,6 @@
             </a:endParaRPr>
           </a:p>
           <a:p>
-            <a:pPr>
-              <a:lnSpc>
-                <a:spcPct val="100000"/>
-              </a:lnSpc>
-            </a:pPr>
             <a:r>
               <a:rPr b="0" lang="en-CA" sz="2000" strike="noStrike" u="none">
                 <a:solidFill>
@@ -12721,7 +11235,7 @@
         <p:spPr>
           <a:xfrm>
             <a:off x="6422040" y="1821960"/>
-            <a:ext cx="3009600" cy="1921680"/>
+            <a:ext cx="3009960" cy="1922040"/>
           </a:xfrm>
           <a:prstGeom prst="rect">
             <a:avLst/>
@@ -12741,7 +11255,7 @@
         <p:spPr>
           <a:xfrm>
             <a:off x="5940000" y="3960000"/>
-            <a:ext cx="3707640" cy="1079640"/>
+            <a:ext cx="3708000" cy="1080000"/>
           </a:xfrm>
           <a:prstGeom prst="rect">
             <a:avLst/>
@@ -12769,18 +11283,12 @@
             <a:noAutofit/>
           </a:bodyPr>
           <a:p>
-            <a:pPr>
-              <a:lnSpc>
-                <a:spcPct val="100000"/>
-              </a:lnSpc>
-            </a:pPr>
             <a:endParaRPr b="0" lang="en-CA" sz="1800" strike="noStrike" u="none">
               <a:solidFill>
                 <a:srgbClr val="ffffff"/>
               </a:solidFill>
               <a:uFillTx/>
               <a:latin typeface="Arial"/>
-              <a:ea typeface="DejaVu Sans"/>
             </a:endParaRPr>
           </a:p>
         </p:txBody>
@@ -12788,13 +11296,13 @@
       <p:sp>
         <p:nvSpPr>
           <p:cNvPr id="25" name=""/>
-          <p:cNvSpPr/>
+          <p:cNvSpPr txBox="1"/>
           <p:nvPr/>
         </p:nvSpPr>
         <p:spPr>
           <a:xfrm>
             <a:off x="6156000" y="4036680"/>
-            <a:ext cx="3419640" cy="894960"/>
+            <a:ext cx="3420000" cy="895320"/>
           </a:xfrm>
           <a:prstGeom prst="rect">
             <a:avLst/>
@@ -12804,22 +11312,12 @@
             <a:noFill/>
           </a:ln>
         </p:spPr>
-        <p:style>
-          <a:lnRef idx="0"/>
-          <a:fillRef idx="0"/>
-          <a:effectRef idx="0"/>
-          <a:fontRef idx="minor"/>
-        </p:style>
         <p:txBody>
           <a:bodyPr lIns="90000" rIns="90000" tIns="45000" bIns="45000" anchor="t">
             <a:noAutofit/>
           </a:bodyPr>
           <a:p>
-            <a:pPr algn="r">
-              <a:lnSpc>
-                <a:spcPct val="100000"/>
-              </a:lnSpc>
-            </a:pPr>
+            <a:pPr algn="r"/>
             <a:r>
               <a:rPr b="0" lang="en-CA" sz="1400" strike="noStrike" u="none">
                 <a:solidFill>
@@ -12888,7 +11386,7 @@
         <p:spPr>
           <a:xfrm>
             <a:off x="432000" y="720000"/>
-            <a:ext cx="9215640" cy="4319640"/>
+            <a:ext cx="9216000" cy="4320000"/>
           </a:xfrm>
           <a:prstGeom prst="rect">
             <a:avLst/>
@@ -12916,18 +11414,12 @@
             <a:noAutofit/>
           </a:bodyPr>
           <a:p>
-            <a:pPr>
-              <a:lnSpc>
-                <a:spcPct val="100000"/>
-              </a:lnSpc>
-            </a:pPr>
             <a:endParaRPr b="0" lang="en-CA" sz="1800" strike="noStrike" u="none">
               <a:solidFill>
                 <a:srgbClr val="000000"/>
               </a:solidFill>
               <a:uFillTx/>
               <a:latin typeface="Arial"/>
-              <a:ea typeface="DejaVu Sans"/>
             </a:endParaRPr>
           </a:p>
         </p:txBody>
@@ -12944,8 +11436,8 @@
         </p:nvSpPr>
         <p:spPr>
           <a:xfrm>
-            <a:off x="684000" y="900000"/>
-            <a:ext cx="6767640" cy="637560"/>
+            <a:off x="684000" y="936000"/>
+            <a:ext cx="6768000" cy="637920"/>
           </a:xfrm>
           <a:prstGeom prst="rect">
             <a:avLst/>
@@ -12961,13 +11453,7 @@
           </a:bodyPr>
           <a:p>
             <a:pPr indent="0">
-              <a:lnSpc>
-                <a:spcPct val="100000"/>
-              </a:lnSpc>
               <a:buNone/>
-              <a:tabLst>
-                <a:tab algn="l" pos="0"/>
-              </a:tabLst>
             </a:pPr>
             <a:r>
               <a:rPr b="0" lang="en-CA" sz="4200" strike="noStrike" u="none">
@@ -12992,13 +11478,13 @@
       <p:sp>
         <p:nvSpPr>
           <p:cNvPr id="28" name=""/>
-          <p:cNvSpPr/>
+          <p:cNvSpPr txBox="1"/>
           <p:nvPr/>
         </p:nvSpPr>
         <p:spPr>
           <a:xfrm>
-            <a:off x="720000" y="2209320"/>
-            <a:ext cx="8639640" cy="3450600"/>
+            <a:off x="720000" y="2281320"/>
+            <a:ext cx="8640000" cy="3450960"/>
           </a:xfrm>
           <a:prstGeom prst="rect">
             <a:avLst/>
@@ -13008,22 +11494,11 @@
             <a:noFill/>
           </a:ln>
         </p:spPr>
-        <p:style>
-          <a:lnRef idx="0"/>
-          <a:fillRef idx="0"/>
-          <a:effectRef idx="0"/>
-          <a:fontRef idx="minor"/>
-        </p:style>
         <p:txBody>
           <a:bodyPr lIns="0" rIns="0" tIns="0" bIns="0" anchor="t">
             <a:noAutofit/>
           </a:bodyPr>
           <a:p>
-            <a:pPr>
-              <a:lnSpc>
-                <a:spcPct val="100000"/>
-              </a:lnSpc>
-            </a:pPr>
             <a:r>
               <a:rPr b="0" lang="en-CA" sz="1500" strike="noStrike" u="none">
                 <a:solidFill>
@@ -13044,11 +11519,6 @@
             </a:endParaRPr>
           </a:p>
           <a:p>
-            <a:pPr>
-              <a:lnSpc>
-                <a:spcPct val="100000"/>
-              </a:lnSpc>
-            </a:pPr>
             <a:endParaRPr b="0" lang="en-CA" sz="1500" strike="noStrike" u="none">
               <a:solidFill>
                 <a:srgbClr val="000000"/>
@@ -13058,11 +11528,6 @@
             </a:endParaRPr>
           </a:p>
           <a:p>
-            <a:pPr>
-              <a:lnSpc>
-                <a:spcPct val="100000"/>
-              </a:lnSpc>
-            </a:pPr>
             <a:r>
               <a:rPr b="0" lang="en-CA" sz="1500" strike="noStrike" u="none">
                 <a:solidFill>
@@ -13083,11 +11548,6 @@
             </a:endParaRPr>
           </a:p>
           <a:p>
-            <a:pPr>
-              <a:lnSpc>
-                <a:spcPct val="100000"/>
-              </a:lnSpc>
-            </a:pPr>
             <a:r>
               <a:rPr b="0" lang="en-CA" sz="1500" strike="noStrike" u="none">
                 <a:solidFill>
@@ -13108,11 +11568,6 @@
             </a:endParaRPr>
           </a:p>
           <a:p>
-            <a:pPr>
-              <a:lnSpc>
-                <a:spcPct val="100000"/>
-              </a:lnSpc>
-            </a:pPr>
             <a:r>
               <a:rPr b="0" lang="en-CA" sz="1500" strike="noStrike" u="none">
                 <a:solidFill>
@@ -13133,11 +11588,6 @@
             </a:endParaRPr>
           </a:p>
           <a:p>
-            <a:pPr>
-              <a:lnSpc>
-                <a:spcPct val="100000"/>
-              </a:lnSpc>
-            </a:pPr>
             <a:r>
               <a:rPr b="0" lang="en-CA" sz="1500" strike="noStrike" u="none">
                 <a:solidFill>
@@ -13158,11 +11608,6 @@
             </a:endParaRPr>
           </a:p>
           <a:p>
-            <a:pPr>
-              <a:lnSpc>
-                <a:spcPct val="100000"/>
-              </a:lnSpc>
-            </a:pPr>
             <a:r>
               <a:rPr b="0" lang="en-CA" sz="1500" strike="noStrike" u="none">
                 <a:solidFill>
@@ -13183,11 +11628,6 @@
             </a:endParaRPr>
           </a:p>
           <a:p>
-            <a:pPr>
-              <a:lnSpc>
-                <a:spcPct val="100000"/>
-              </a:lnSpc>
-            </a:pPr>
             <a:r>
               <a:rPr b="0" lang="en-CA" sz="1500" strike="noStrike" u="none">
                 <a:solidFill>
@@ -13208,11 +11648,6 @@
             </a:endParaRPr>
           </a:p>
           <a:p>
-            <a:pPr>
-              <a:lnSpc>
-                <a:spcPct val="100000"/>
-              </a:lnSpc>
-            </a:pPr>
             <a:r>
               <a:rPr b="0" lang="en-CA" sz="1500" strike="noStrike" u="none">
                 <a:solidFill>
@@ -13233,11 +11668,6 @@
             </a:endParaRPr>
           </a:p>
           <a:p>
-            <a:pPr>
-              <a:lnSpc>
-                <a:spcPct val="100000"/>
-              </a:lnSpc>
-            </a:pPr>
             <a:r>
               <a:rPr b="0" lang="en-CA" sz="1500" strike="noStrike" u="none">
                 <a:solidFill>
@@ -13258,11 +11688,6 @@
             </a:endParaRPr>
           </a:p>
           <a:p>
-            <a:pPr>
-              <a:lnSpc>
-                <a:spcPct val="100000"/>
-              </a:lnSpc>
-            </a:pPr>
             <a:r>
               <a:rPr b="0" lang="en-CA" sz="1500" strike="noStrike" u="none">
                 <a:solidFill>
@@ -13283,11 +11708,6 @@
             </a:endParaRPr>
           </a:p>
           <a:p>
-            <a:pPr>
-              <a:lnSpc>
-                <a:spcPct val="100000"/>
-              </a:lnSpc>
-            </a:pPr>
             <a:endParaRPr b="0" lang="en-CA" sz="1500" strike="noStrike" u="none">
               <a:solidFill>
                 <a:srgbClr val="000000"/>
@@ -13310,8 +11730,8 @@
         </p:nvSpPr>
         <p:spPr>
           <a:xfrm>
-            <a:off x="684000" y="1586880"/>
-            <a:ext cx="4175640" cy="461880"/>
+            <a:off x="684000" y="1658880"/>
+            <a:ext cx="4176000" cy="462240"/>
           </a:xfrm>
           <a:prstGeom prst="rect">
             <a:avLst/>
@@ -13327,13 +11747,7 @@
           </a:bodyPr>
           <a:p>
             <a:pPr indent="0">
-              <a:lnSpc>
-                <a:spcPct val="100000"/>
-              </a:lnSpc>
               <a:buNone/>
-              <a:tabLst>
-                <a:tab algn="l" pos="0"/>
-              </a:tabLst>
             </a:pPr>
             <a:r>
               <a:rPr b="0" lang="en-CA" sz="3200" strike="noStrike" u="none">
@@ -13365,13 +11779,13 @@
           <a:blip r:embed="rId2">
             <a:alphaModFix amt="90000"/>
           </a:blip>
-          <a:srcRect l="44483" t="0" r="18735" b="0"/>
+          <a:srcRect l="44479" t="0" r="18733" b="0"/>
           <a:stretch/>
         </p:blipFill>
         <p:spPr>
           <a:xfrm>
             <a:off x="7920000" y="228600"/>
-            <a:ext cx="1979640" cy="3587040"/>
+            <a:ext cx="1980000" cy="3587400"/>
           </a:xfrm>
           <a:prstGeom prst="rect">
             <a:avLst/>
@@ -13432,7 +11846,7 @@
         <p:spPr>
           <a:xfrm>
             <a:off x="432000" y="720000"/>
-            <a:ext cx="9215640" cy="4319640"/>
+            <a:ext cx="9216000" cy="4320000"/>
           </a:xfrm>
           <a:prstGeom prst="rect">
             <a:avLst/>
@@ -13460,18 +11874,12 @@
             <a:noAutofit/>
           </a:bodyPr>
           <a:p>
-            <a:pPr>
-              <a:lnSpc>
-                <a:spcPct val="100000"/>
-              </a:lnSpc>
-            </a:pPr>
             <a:endParaRPr b="0" lang="en-CA" sz="1800" strike="noStrike" u="none">
               <a:solidFill>
                 <a:srgbClr val="000000"/>
               </a:solidFill>
               <a:uFillTx/>
               <a:latin typeface="Arial"/>
-              <a:ea typeface="DejaVu Sans"/>
             </a:endParaRPr>
           </a:p>
         </p:txBody>
@@ -13488,8 +11896,8 @@
         </p:nvSpPr>
         <p:spPr>
           <a:xfrm>
-            <a:off x="684000" y="900000"/>
-            <a:ext cx="6767640" cy="637560"/>
+            <a:off x="684000" y="936000"/>
+            <a:ext cx="6768000" cy="637920"/>
           </a:xfrm>
           <a:prstGeom prst="rect">
             <a:avLst/>
@@ -13505,13 +11913,7 @@
           </a:bodyPr>
           <a:p>
             <a:pPr indent="0">
-              <a:lnSpc>
-                <a:spcPct val="100000"/>
-              </a:lnSpc>
               <a:buNone/>
-              <a:tabLst>
-                <a:tab algn="l" pos="0"/>
-              </a:tabLst>
             </a:pPr>
             <a:r>
               <a:rPr b="0" lang="en-CA" sz="4200" strike="noStrike" u="none">
@@ -13536,13 +11938,13 @@
       <p:sp>
         <p:nvSpPr>
           <p:cNvPr id="33" name=""/>
-          <p:cNvSpPr/>
+          <p:cNvSpPr txBox="1"/>
           <p:nvPr/>
         </p:nvSpPr>
         <p:spPr>
           <a:xfrm>
-            <a:off x="720000" y="2209320"/>
-            <a:ext cx="6479640" cy="3450600"/>
+            <a:off x="720000" y="2281320"/>
+            <a:ext cx="6480000" cy="3450960"/>
           </a:xfrm>
           <a:prstGeom prst="rect">
             <a:avLst/>
@@ -13552,22 +11954,11 @@
             <a:noFill/>
           </a:ln>
         </p:spPr>
-        <p:style>
-          <a:lnRef idx="0"/>
-          <a:fillRef idx="0"/>
-          <a:effectRef idx="0"/>
-          <a:fontRef idx="minor"/>
-        </p:style>
         <p:txBody>
           <a:bodyPr lIns="0" rIns="0" tIns="0" bIns="0" anchor="t">
             <a:noAutofit/>
           </a:bodyPr>
           <a:p>
-            <a:pPr>
-              <a:lnSpc>
-                <a:spcPct val="100000"/>
-              </a:lnSpc>
-            </a:pPr>
             <a:r>
               <a:rPr b="0" lang="en-CA" sz="1500" strike="noStrike" u="none">
                 <a:solidFill>
@@ -13588,11 +11979,6 @@
             </a:endParaRPr>
           </a:p>
           <a:p>
-            <a:pPr>
-              <a:lnSpc>
-                <a:spcPct val="100000"/>
-              </a:lnSpc>
-            </a:pPr>
             <a:endParaRPr b="0" lang="en-CA" sz="800" strike="noStrike" u="none">
               <a:solidFill>
                 <a:srgbClr val="000000"/>
@@ -13602,11 +11988,6 @@
             </a:endParaRPr>
           </a:p>
           <a:p>
-            <a:pPr>
-              <a:lnSpc>
-                <a:spcPct val="100000"/>
-              </a:lnSpc>
-            </a:pPr>
             <a:r>
               <a:rPr b="0" lang="en-CA" sz="1500" strike="noStrike" u="none">
                 <a:solidFill>
@@ -13627,11 +12008,6 @@
             </a:endParaRPr>
           </a:p>
           <a:p>
-            <a:pPr>
-              <a:lnSpc>
-                <a:spcPct val="100000"/>
-              </a:lnSpc>
-            </a:pPr>
             <a:endParaRPr b="0" lang="en-CA" sz="800" strike="noStrike" u="none">
               <a:solidFill>
                 <a:srgbClr val="000000"/>
@@ -13641,11 +12017,6 @@
             </a:endParaRPr>
           </a:p>
           <a:p>
-            <a:pPr>
-              <a:lnSpc>
-                <a:spcPct val="100000"/>
-              </a:lnSpc>
-            </a:pPr>
             <a:r>
               <a:rPr b="0" lang="en-CA" sz="1500" strike="noStrike" u="none">
                 <a:solidFill>
@@ -13666,11 +12037,6 @@
             </a:endParaRPr>
           </a:p>
           <a:p>
-            <a:pPr>
-              <a:lnSpc>
-                <a:spcPct val="100000"/>
-              </a:lnSpc>
-            </a:pPr>
             <a:endParaRPr b="0" lang="en-CA" sz="800" strike="noStrike" u="none">
               <a:solidFill>
                 <a:srgbClr val="000000"/>
@@ -13680,11 +12046,6 @@
             </a:endParaRPr>
           </a:p>
           <a:p>
-            <a:pPr>
-              <a:lnSpc>
-                <a:spcPct val="100000"/>
-              </a:lnSpc>
-            </a:pPr>
             <a:r>
               <a:rPr b="0" lang="en-CA" sz="1500" strike="noStrike" u="none">
                 <a:solidFill>
@@ -13718,8 +12079,8 @@
         </p:nvSpPr>
         <p:spPr>
           <a:xfrm>
-            <a:off x="684000" y="1586880"/>
-            <a:ext cx="4175640" cy="461880"/>
+            <a:off x="684000" y="1658880"/>
+            <a:ext cx="4176000" cy="462240"/>
           </a:xfrm>
           <a:prstGeom prst="rect">
             <a:avLst/>
@@ -13735,13 +12096,7 @@
           </a:bodyPr>
           <a:p>
             <a:pPr indent="0">
-              <a:lnSpc>
-                <a:spcPct val="100000"/>
-              </a:lnSpc>
               <a:buNone/>
-              <a:tabLst>
-                <a:tab algn="l" pos="0"/>
-              </a:tabLst>
             </a:pPr>
             <a:r>
               <a:rPr b="0" lang="en-CA" sz="3200" strike="noStrike" u="none">
@@ -13773,13 +12128,13 @@
           <a:blip r:embed="rId2">
             <a:alphaModFix amt="90000"/>
           </a:blip>
-          <a:srcRect l="24812" t="7580" r="26498" b="11239"/>
+          <a:srcRect l="24811" t="7580" r="26496" b="11239"/>
           <a:stretch/>
         </p:blipFill>
         <p:spPr>
           <a:xfrm>
             <a:off x="7428600" y="228600"/>
-            <a:ext cx="2471040" cy="3371040"/>
+            <a:ext cx="2471400" cy="3371400"/>
           </a:xfrm>
           <a:prstGeom prst="rect">
             <a:avLst/>
@@ -13840,7 +12195,7 @@
         <p:spPr>
           <a:xfrm>
             <a:off x="432000" y="684000"/>
-            <a:ext cx="9215640" cy="4499640"/>
+            <a:ext cx="9216000" cy="4500000"/>
           </a:xfrm>
           <a:prstGeom prst="rect">
             <a:avLst/>
@@ -13868,18 +12223,12 @@
             <a:noAutofit/>
           </a:bodyPr>
           <a:p>
-            <a:pPr>
-              <a:lnSpc>
-                <a:spcPct val="100000"/>
-              </a:lnSpc>
-            </a:pPr>
             <a:endParaRPr b="0" lang="en-CA" sz="1800" strike="noStrike" u="none">
               <a:solidFill>
                 <a:srgbClr val="000000"/>
               </a:solidFill>
               <a:uFillTx/>
               <a:latin typeface="Arial"/>
-              <a:ea typeface="DejaVu Sans"/>
             </a:endParaRPr>
           </a:p>
         </p:txBody>
@@ -13896,8 +12245,8 @@
         </p:nvSpPr>
         <p:spPr>
           <a:xfrm>
-            <a:off x="684000" y="900000"/>
-            <a:ext cx="6767640" cy="637560"/>
+            <a:off x="684000" y="936000"/>
+            <a:ext cx="6768000" cy="637920"/>
           </a:xfrm>
           <a:prstGeom prst="rect">
             <a:avLst/>
@@ -13913,13 +12262,7 @@
           </a:bodyPr>
           <a:p>
             <a:pPr indent="0">
-              <a:lnSpc>
-                <a:spcPct val="100000"/>
-              </a:lnSpc>
               <a:buNone/>
-              <a:tabLst>
-                <a:tab algn="l" pos="0"/>
-              </a:tabLst>
             </a:pPr>
             <a:r>
               <a:rPr b="0" lang="en-CA" sz="4200" strike="noStrike" u="none">
@@ -13944,13 +12287,13 @@
       <p:sp>
         <p:nvSpPr>
           <p:cNvPr id="38" name=""/>
-          <p:cNvSpPr/>
+          <p:cNvSpPr txBox="1"/>
           <p:nvPr/>
         </p:nvSpPr>
         <p:spPr>
           <a:xfrm>
-            <a:off x="720000" y="2173320"/>
-            <a:ext cx="6479640" cy="3450600"/>
+            <a:off x="720000" y="2245320"/>
+            <a:ext cx="6480000" cy="3450960"/>
           </a:xfrm>
           <a:prstGeom prst="rect">
             <a:avLst/>
@@ -13960,22 +12303,11 @@
             <a:noFill/>
           </a:ln>
         </p:spPr>
-        <p:style>
-          <a:lnRef idx="0"/>
-          <a:fillRef idx="0"/>
-          <a:effectRef idx="0"/>
-          <a:fontRef idx="minor"/>
-        </p:style>
         <p:txBody>
           <a:bodyPr lIns="0" rIns="0" tIns="0" bIns="0" anchor="t">
             <a:noAutofit/>
           </a:bodyPr>
           <a:p>
-            <a:pPr>
-              <a:lnSpc>
-                <a:spcPct val="100000"/>
-              </a:lnSpc>
-            </a:pPr>
             <a:r>
               <a:rPr b="0" lang="en-CA" sz="1500" strike="noStrike" u="none">
                 <a:solidFill>
@@ -14018,11 +12350,6 @@
             </a:endParaRPr>
           </a:p>
           <a:p>
-            <a:pPr>
-              <a:lnSpc>
-                <a:spcPct val="100000"/>
-              </a:lnSpc>
-            </a:pPr>
             <a:endParaRPr b="0" lang="en-CA" sz="1500" strike="noStrike" u="none">
               <a:solidFill>
                 <a:srgbClr val="000000"/>
@@ -14032,11 +12359,6 @@
             </a:endParaRPr>
           </a:p>
           <a:p>
-            <a:pPr>
-              <a:lnSpc>
-                <a:spcPct val="100000"/>
-              </a:lnSpc>
-            </a:pPr>
             <a:r>
               <a:rPr b="0" lang="en-CA" sz="1500" strike="noStrike" u="none">
                 <a:solidFill>
@@ -14079,11 +12401,6 @@
             </a:endParaRPr>
           </a:p>
           <a:p>
-            <a:pPr>
-              <a:lnSpc>
-                <a:spcPct val="100000"/>
-              </a:lnSpc>
-            </a:pPr>
             <a:endParaRPr b="0" lang="en-CA" sz="1500" strike="noStrike" u="none">
               <a:solidFill>
                 <a:srgbClr val="000000"/>
@@ -14093,11 +12410,6 @@
             </a:endParaRPr>
           </a:p>
           <a:p>
-            <a:pPr>
-              <a:lnSpc>
-                <a:spcPct val="100000"/>
-              </a:lnSpc>
-            </a:pPr>
             <a:r>
               <a:rPr b="0" lang="en-CA" sz="1500" strike="noStrike" u="none">
                 <a:solidFill>
@@ -14131,8 +12443,8 @@
         </p:nvSpPr>
         <p:spPr>
           <a:xfrm>
-            <a:off x="684000" y="1586880"/>
-            <a:ext cx="4175640" cy="461880"/>
+            <a:off x="684000" y="1658880"/>
+            <a:ext cx="4176000" cy="462240"/>
           </a:xfrm>
           <a:prstGeom prst="rect">
             <a:avLst/>
@@ -14148,13 +12460,7 @@
           </a:bodyPr>
           <a:p>
             <a:pPr indent="0">
-              <a:lnSpc>
-                <a:spcPct val="100000"/>
-              </a:lnSpc>
               <a:buNone/>
-              <a:tabLst>
-                <a:tab algn="l" pos="0"/>
-              </a:tabLst>
             </a:pPr>
             <a:r>
               <a:rPr b="0" lang="en-CA" sz="3200" strike="noStrike" u="none">
@@ -14186,13 +12492,13 @@
           <a:blip r:embed="rId2">
             <a:alphaModFix amt="90000"/>
           </a:blip>
-          <a:srcRect l="31495" t="0" r="31495" b="0"/>
+          <a:srcRect l="31493" t="0" r="31493" b="0"/>
           <a:stretch/>
         </p:blipFill>
         <p:spPr>
           <a:xfrm>
             <a:off x="7531200" y="228600"/>
-            <a:ext cx="2368440" cy="4271040"/>
+            <a:ext cx="2368800" cy="4271400"/>
           </a:xfrm>
           <a:prstGeom prst="rect">
             <a:avLst/>
@@ -14253,7 +12559,7 @@
         <p:spPr>
           <a:xfrm>
             <a:off x="432000" y="684000"/>
-            <a:ext cx="9215640" cy="4499640"/>
+            <a:ext cx="9216000" cy="4500000"/>
           </a:xfrm>
           <a:prstGeom prst="rect">
             <a:avLst/>
@@ -14281,18 +12587,12 @@
             <a:noAutofit/>
           </a:bodyPr>
           <a:p>
-            <a:pPr>
-              <a:lnSpc>
-                <a:spcPct val="100000"/>
-              </a:lnSpc>
-            </a:pPr>
             <a:endParaRPr b="0" lang="en-CA" sz="1800" strike="noStrike" u="none">
               <a:solidFill>
                 <a:srgbClr val="000000"/>
               </a:solidFill>
               <a:uFillTx/>
               <a:latin typeface="Arial"/>
-              <a:ea typeface="DejaVu Sans"/>
             </a:endParaRPr>
           </a:p>
         </p:txBody>
@@ -14309,8 +12609,8 @@
         </p:nvSpPr>
         <p:spPr>
           <a:xfrm>
-            <a:off x="684000" y="901800"/>
-            <a:ext cx="3815640" cy="1210320"/>
+            <a:off x="684000" y="937800"/>
+            <a:ext cx="3816000" cy="1210680"/>
           </a:xfrm>
           <a:prstGeom prst="rect">
             <a:avLst/>
@@ -14326,13 +12626,7 @@
           </a:bodyPr>
           <a:p>
             <a:pPr indent="0">
-              <a:lnSpc>
-                <a:spcPct val="100000"/>
-              </a:lnSpc>
               <a:buNone/>
-              <a:tabLst>
-                <a:tab algn="l" pos="0"/>
-              </a:tabLst>
             </a:pPr>
             <a:r>
               <a:rPr b="0" lang="en-CA" sz="4200" strike="noStrike" u="none">
@@ -14363,7 +12657,7 @@
         <p:spPr>
           <a:xfrm>
             <a:off x="4500000" y="972000"/>
-            <a:ext cx="4859640" cy="827640"/>
+            <a:ext cx="4860000" cy="828000"/>
           </a:xfrm>
           <a:prstGeom prst="rect">
             <a:avLst/>
@@ -14391,18 +12685,12 @@
             <a:noAutofit/>
           </a:bodyPr>
           <a:p>
-            <a:pPr>
-              <a:lnSpc>
-                <a:spcPct val="100000"/>
-              </a:lnSpc>
-            </a:pPr>
             <a:endParaRPr b="0" lang="en-CA" sz="1800" strike="noStrike" u="none">
               <a:solidFill>
                 <a:srgbClr val="ffffff"/>
               </a:solidFill>
               <a:uFillTx/>
               <a:latin typeface="Arial"/>
-              <a:ea typeface="DejaVu Sans"/>
             </a:endParaRPr>
           </a:p>
         </p:txBody>
@@ -14410,13 +12698,13 @@
       <p:sp>
         <p:nvSpPr>
           <p:cNvPr id="44" name=""/>
-          <p:cNvSpPr/>
+          <p:cNvSpPr txBox="1"/>
           <p:nvPr/>
         </p:nvSpPr>
         <p:spPr>
           <a:xfrm>
             <a:off x="4680000" y="1080000"/>
-            <a:ext cx="4571640" cy="743040"/>
+            <a:ext cx="4572000" cy="743400"/>
           </a:xfrm>
           <a:prstGeom prst="rect">
             <a:avLst/>
@@ -14426,22 +12714,11 @@
             <a:noFill/>
           </a:ln>
         </p:spPr>
-        <p:style>
-          <a:lnRef idx="0"/>
-          <a:fillRef idx="0"/>
-          <a:effectRef idx="0"/>
-          <a:fontRef idx="minor"/>
-        </p:style>
         <p:txBody>
           <a:bodyPr lIns="0" rIns="0" tIns="0" bIns="0" anchor="t">
             <a:noAutofit/>
           </a:bodyPr>
           <a:p>
-            <a:pPr>
-              <a:lnSpc>
-                <a:spcPct val="100000"/>
-              </a:lnSpc>
-            </a:pPr>
             <a:r>
               <a:rPr b="0" lang="en-CA" sz="1300" strike="noStrike" u="none">
                 <a:solidFill>
@@ -14498,7 +12775,7 @@
         <p:spPr>
           <a:xfrm>
             <a:off x="684000" y="2232000"/>
-            <a:ext cx="3635640" cy="1847520"/>
+            <a:ext cx="3636000" cy="1847880"/>
           </a:xfrm>
           <a:prstGeom prst="rect">
             <a:avLst/>
@@ -14514,13 +12791,7 @@
           </a:bodyPr>
           <a:p>
             <a:pPr indent="0">
-              <a:lnSpc>
-                <a:spcPct val="100000"/>
-              </a:lnSpc>
               <a:buNone/>
-              <a:tabLst>
-                <a:tab algn="l" pos="0"/>
-              </a:tabLst>
             </a:pPr>
             <a:r>
               <a:rPr b="0" lang="en-CA" sz="3200" strike="noStrike" u="none">
@@ -14551,7 +12822,7 @@
         <p:spPr>
           <a:xfrm>
             <a:off x="4500000" y="1980000"/>
-            <a:ext cx="4859640" cy="815040"/>
+            <a:ext cx="4860000" cy="815400"/>
           </a:xfrm>
           <a:prstGeom prst="rect">
             <a:avLst/>
@@ -14579,18 +12850,12 @@
             <a:noAutofit/>
           </a:bodyPr>
           <a:p>
-            <a:pPr>
-              <a:lnSpc>
-                <a:spcPct val="100000"/>
-              </a:lnSpc>
-            </a:pPr>
             <a:endParaRPr b="0" lang="en-CA" sz="1800" strike="noStrike" u="none">
               <a:solidFill>
                 <a:srgbClr val="ffffff"/>
               </a:solidFill>
               <a:uFillTx/>
               <a:latin typeface="Arial"/>
-              <a:ea typeface="DejaVu Sans"/>
             </a:endParaRPr>
           </a:p>
         </p:txBody>
@@ -14598,13 +12863,13 @@
       <p:sp>
         <p:nvSpPr>
           <p:cNvPr id="47" name=""/>
-          <p:cNvSpPr/>
+          <p:cNvSpPr txBox="1"/>
           <p:nvPr/>
         </p:nvSpPr>
         <p:spPr>
           <a:xfrm>
             <a:off x="4680000" y="2088000"/>
-            <a:ext cx="4571640" cy="743040"/>
+            <a:ext cx="4572000" cy="743400"/>
           </a:xfrm>
           <a:prstGeom prst="rect">
             <a:avLst/>
@@ -14614,22 +12879,11 @@
             <a:noFill/>
           </a:ln>
         </p:spPr>
-        <p:style>
-          <a:lnRef idx="0"/>
-          <a:fillRef idx="0"/>
-          <a:effectRef idx="0"/>
-          <a:fontRef idx="minor"/>
-        </p:style>
         <p:txBody>
           <a:bodyPr lIns="0" rIns="0" tIns="0" bIns="0" anchor="t">
             <a:noAutofit/>
           </a:bodyPr>
           <a:p>
-            <a:pPr>
-              <a:lnSpc>
-                <a:spcPct val="100000"/>
-              </a:lnSpc>
-            </a:pPr>
             <a:r>
               <a:rPr b="0" lang="en-CA" sz="1300" strike="noStrike" u="none">
                 <a:solidFill>
@@ -14682,7 +12936,7 @@
         <p:spPr>
           <a:xfrm>
             <a:off x="4500000" y="2970000"/>
-            <a:ext cx="4859640" cy="809640"/>
+            <a:ext cx="4860000" cy="810000"/>
           </a:xfrm>
           <a:prstGeom prst="rect">
             <a:avLst/>
@@ -14710,18 +12964,12 @@
             <a:noAutofit/>
           </a:bodyPr>
           <a:p>
-            <a:pPr>
-              <a:lnSpc>
-                <a:spcPct val="100000"/>
-              </a:lnSpc>
-            </a:pPr>
             <a:endParaRPr b="0" lang="en-CA" sz="1800" strike="noStrike" u="none">
               <a:solidFill>
                 <a:srgbClr val="ffffff"/>
               </a:solidFill>
               <a:uFillTx/>
               <a:latin typeface="Arial"/>
-              <a:ea typeface="DejaVu Sans"/>
             </a:endParaRPr>
           </a:p>
         </p:txBody>
@@ -14729,13 +12977,13 @@
       <p:sp>
         <p:nvSpPr>
           <p:cNvPr id="49" name=""/>
-          <p:cNvSpPr/>
+          <p:cNvSpPr txBox="1"/>
           <p:nvPr/>
         </p:nvSpPr>
         <p:spPr>
           <a:xfrm>
             <a:off x="4680000" y="3186000"/>
-            <a:ext cx="4571640" cy="743040"/>
+            <a:ext cx="4572000" cy="743400"/>
           </a:xfrm>
           <a:prstGeom prst="rect">
             <a:avLst/>
@@ -14745,22 +12993,11 @@
             <a:noFill/>
           </a:ln>
         </p:spPr>
-        <p:style>
-          <a:lnRef idx="0"/>
-          <a:fillRef idx="0"/>
-          <a:effectRef idx="0"/>
-          <a:fontRef idx="minor"/>
-        </p:style>
         <p:txBody>
           <a:bodyPr lIns="0" rIns="0" tIns="0" bIns="0" anchor="t">
             <a:noAutofit/>
           </a:bodyPr>
           <a:p>
-            <a:pPr>
-              <a:lnSpc>
-                <a:spcPct val="100000"/>
-              </a:lnSpc>
-            </a:pPr>
             <a:r>
               <a:rPr b="0" lang="en-CA" sz="1300" strike="noStrike" u="none">
                 <a:solidFill>
@@ -14813,7 +13050,7 @@
         <p:spPr>
           <a:xfrm>
             <a:off x="4500000" y="3960000"/>
-            <a:ext cx="4859640" cy="815040"/>
+            <a:ext cx="4860000" cy="815400"/>
           </a:xfrm>
           <a:prstGeom prst="rect">
             <a:avLst/>
@@ -14841,18 +13078,12 @@
             <a:noAutofit/>
           </a:bodyPr>
           <a:p>
-            <a:pPr>
-              <a:lnSpc>
-                <a:spcPct val="100000"/>
-              </a:lnSpc>
-            </a:pPr>
             <a:endParaRPr b="0" lang="en-CA" sz="1800" strike="noStrike" u="none">
               <a:solidFill>
                 <a:srgbClr val="ffffff"/>
               </a:solidFill>
               <a:uFillTx/>
               <a:latin typeface="Arial"/>
-              <a:ea typeface="DejaVu Sans"/>
             </a:endParaRPr>
           </a:p>
         </p:txBody>
@@ -14860,13 +13091,13 @@
       <p:sp>
         <p:nvSpPr>
           <p:cNvPr id="51" name=""/>
-          <p:cNvSpPr/>
+          <p:cNvSpPr txBox="1"/>
           <p:nvPr/>
         </p:nvSpPr>
         <p:spPr>
           <a:xfrm>
             <a:off x="4680000" y="4068000"/>
-            <a:ext cx="4571640" cy="743040"/>
+            <a:ext cx="4572000" cy="743400"/>
           </a:xfrm>
           <a:prstGeom prst="rect">
             <a:avLst/>
@@ -14876,22 +13107,11 @@
             <a:noFill/>
           </a:ln>
         </p:spPr>
-        <p:style>
-          <a:lnRef idx="0"/>
-          <a:fillRef idx="0"/>
-          <a:effectRef idx="0"/>
-          <a:fontRef idx="minor"/>
-        </p:style>
         <p:txBody>
           <a:bodyPr lIns="0" rIns="0" tIns="0" bIns="0" anchor="t">
             <a:noAutofit/>
           </a:bodyPr>
           <a:p>
-            <a:pPr>
-              <a:lnSpc>
-                <a:spcPct val="100000"/>
-              </a:lnSpc>
-            </a:pPr>
             <a:r>
               <a:rPr b="0" lang="en-CA" sz="1300" strike="noStrike" u="none">
                 <a:solidFill>
@@ -14982,7 +13202,7 @@
         <p:spPr>
           <a:xfrm>
             <a:off x="432000" y="684000"/>
-            <a:ext cx="9215640" cy="4499640"/>
+            <a:ext cx="9216000" cy="4500000"/>
           </a:xfrm>
           <a:prstGeom prst="rect">
             <a:avLst/>
@@ -15010,18 +13230,12 @@
             <a:noAutofit/>
           </a:bodyPr>
           <a:p>
-            <a:pPr>
-              <a:lnSpc>
-                <a:spcPct val="100000"/>
-              </a:lnSpc>
-            </a:pPr>
             <a:endParaRPr b="0" lang="en-CA" sz="1800" strike="noStrike" u="none">
               <a:solidFill>
                 <a:srgbClr val="000000"/>
               </a:solidFill>
               <a:uFillTx/>
               <a:latin typeface="Arial"/>
-              <a:ea typeface="DejaVu Sans"/>
             </a:endParaRPr>
           </a:p>
         </p:txBody>
@@ -15038,8 +13252,8 @@
         </p:nvSpPr>
         <p:spPr>
           <a:xfrm>
-            <a:off x="684000" y="864000"/>
-            <a:ext cx="6767640" cy="637560"/>
+            <a:off x="684000" y="936000"/>
+            <a:ext cx="6768000" cy="637920"/>
           </a:xfrm>
           <a:prstGeom prst="rect">
             <a:avLst/>
@@ -15055,13 +13269,7 @@
           </a:bodyPr>
           <a:p>
             <a:pPr indent="0">
-              <a:lnSpc>
-                <a:spcPct val="100000"/>
-              </a:lnSpc>
               <a:buNone/>
-              <a:tabLst>
-                <a:tab algn="l" pos="0"/>
-              </a:tabLst>
             </a:pPr>
             <a:r>
               <a:rPr b="0" lang="en-CA" sz="4200" strike="noStrike" u="none">
@@ -15086,13 +13294,13 @@
       <p:sp>
         <p:nvSpPr>
           <p:cNvPr id="54" name=""/>
-          <p:cNvSpPr/>
+          <p:cNvSpPr txBox="1"/>
           <p:nvPr/>
         </p:nvSpPr>
         <p:spPr>
           <a:xfrm>
-            <a:off x="720000" y="2173320"/>
-            <a:ext cx="4679640" cy="2530440"/>
+            <a:off x="720000" y="2281320"/>
+            <a:ext cx="4680000" cy="2530800"/>
           </a:xfrm>
           <a:prstGeom prst="rect">
             <a:avLst/>
@@ -15102,22 +13310,11 @@
             <a:noFill/>
           </a:ln>
         </p:spPr>
-        <p:style>
-          <a:lnRef idx="0"/>
-          <a:fillRef idx="0"/>
-          <a:effectRef idx="0"/>
-          <a:fontRef idx="minor"/>
-        </p:style>
         <p:txBody>
           <a:bodyPr lIns="0" rIns="0" tIns="0" bIns="0" anchor="t">
             <a:noAutofit/>
           </a:bodyPr>
           <a:p>
-            <a:pPr>
-              <a:lnSpc>
-                <a:spcPct val="100000"/>
-              </a:lnSpc>
-            </a:pPr>
             <a:r>
               <a:rPr b="1" i="1" lang="en-CA" sz="1600" strike="noStrike" u="none">
                 <a:solidFill>
@@ -15149,11 +13346,6 @@
             </a:endParaRPr>
           </a:p>
           <a:p>
-            <a:pPr>
-              <a:lnSpc>
-                <a:spcPct val="100000"/>
-              </a:lnSpc>
-            </a:pPr>
             <a:endParaRPr b="0" lang="en-CA" sz="1600" strike="noStrike" u="none">
               <a:solidFill>
                 <a:srgbClr val="000000"/>
@@ -15163,11 +13355,6 @@
             </a:endParaRPr>
           </a:p>
           <a:p>
-            <a:pPr>
-              <a:lnSpc>
-                <a:spcPct val="100000"/>
-              </a:lnSpc>
-            </a:pPr>
             <a:r>
               <a:rPr b="0" lang="en-CA" sz="1600" strike="noStrike" u="none">
                 <a:solidFill>
@@ -15212,8 +13399,8 @@
         </p:nvSpPr>
         <p:spPr>
           <a:xfrm>
-            <a:off x="684000" y="1500120"/>
-            <a:ext cx="5975640" cy="551520"/>
+            <a:off x="684000" y="1608120"/>
+            <a:ext cx="5976000" cy="551880"/>
           </a:xfrm>
           <a:prstGeom prst="rect">
             <a:avLst/>
@@ -15229,13 +13416,7 @@
           </a:bodyPr>
           <a:p>
             <a:pPr indent="0">
-              <a:lnSpc>
-                <a:spcPct val="100000"/>
-              </a:lnSpc>
               <a:buNone/>
-              <a:tabLst>
-                <a:tab algn="l" pos="0"/>
-              </a:tabLst>
             </a:pPr>
             <a:r>
               <a:rPr b="0" lang="en-CA" sz="3200" strike="noStrike" u="none">
@@ -15272,7 +13453,7 @@
         <p:spPr>
           <a:xfrm>
             <a:off x="5544000" y="2268720"/>
-            <a:ext cx="3834720" cy="2338920"/>
+            <a:ext cx="3835080" cy="2339280"/>
           </a:xfrm>
           <a:prstGeom prst="rect">
             <a:avLst/>
